--- a/APIDocPresentation.pptx
+++ b/APIDocPresentation.pptx
@@ -123,7 +123,7 @@
   <pc:docChgLst>
     <pc:chgData name="Saber Heart" userId="fb8b8a421b0903ca" providerId="LiveId" clId="{BFC64E79-A38C-45EF-969B-1EBFFF4C3840}"/>
     <pc:docChg chg="custSel addSld modSld">
-      <pc:chgData name="Saber Heart" userId="fb8b8a421b0903ca" providerId="LiveId" clId="{BFC64E79-A38C-45EF-969B-1EBFFF4C3840}" dt="2017-11-05T05:21:13.553" v="1909" actId="20577"/>
+      <pc:chgData name="Saber Heart" userId="fb8b8a421b0903ca" providerId="LiveId" clId="{BFC64E79-A38C-45EF-969B-1EBFFF4C3840}" dt="2017-11-05T16:16:13.507" v="2165" actId="20577"/>
       <pc:docMkLst>
         <pc:docMk/>
       </pc:docMkLst>
@@ -243,7 +243,7 @@
         </pc:spChg>
       </pc:sldChg>
       <pc:sldChg chg="modSp add">
-        <pc:chgData name="Saber Heart" userId="fb8b8a421b0903ca" providerId="LiveId" clId="{BFC64E79-A38C-45EF-969B-1EBFFF4C3840}" dt="2017-11-05T05:21:13.553" v="1909" actId="20577"/>
+        <pc:chgData name="Saber Heart" userId="fb8b8a421b0903ca" providerId="LiveId" clId="{BFC64E79-A38C-45EF-969B-1EBFFF4C3840}" dt="2017-11-05T16:16:13.507" v="2165" actId="20577"/>
         <pc:sldMkLst>
           <pc:docMk/>
           <pc:sldMk cId="2886208190" sldId="262"/>
@@ -257,7 +257,7 @@
           </ac:spMkLst>
         </pc:spChg>
         <pc:spChg chg="mod">
-          <ac:chgData name="Saber Heart" userId="fb8b8a421b0903ca" providerId="LiveId" clId="{BFC64E79-A38C-45EF-969B-1EBFFF4C3840}" dt="2017-11-05T05:21:13.553" v="1909" actId="20577"/>
+          <ac:chgData name="Saber Heart" userId="fb8b8a421b0903ca" providerId="LiveId" clId="{BFC64E79-A38C-45EF-969B-1EBFFF4C3840}" dt="2017-11-05T16:16:13.507" v="2165" actId="20577"/>
           <ac:spMkLst>
             <pc:docMk/>
             <pc:sldMk cId="2886208190" sldId="262"/>
@@ -417,7 +417,7 @@
           <a:p>
             <a:fld id="{CC4FF940-D56D-4F52-9CB1-54894350CBF5}" type="datetimeFigureOut">
               <a:rPr lang="en-US" smtClean="0"/>
-              <a:t>11/4/2017</a:t>
+              <a:t>11/5/2017</a:t>
             </a:fld>
             <a:endParaRPr lang="en-US"/>
           </a:p>
@@ -615,7 +615,7 @@
           <a:p>
             <a:fld id="{CC4FF940-D56D-4F52-9CB1-54894350CBF5}" type="datetimeFigureOut">
               <a:rPr lang="en-US" smtClean="0"/>
-              <a:t>11/4/2017</a:t>
+              <a:t>11/5/2017</a:t>
             </a:fld>
             <a:endParaRPr lang="en-US"/>
           </a:p>
@@ -823,7 +823,7 @@
           <a:p>
             <a:fld id="{CC4FF940-D56D-4F52-9CB1-54894350CBF5}" type="datetimeFigureOut">
               <a:rPr lang="en-US" smtClean="0"/>
-              <a:t>11/4/2017</a:t>
+              <a:t>11/5/2017</a:t>
             </a:fld>
             <a:endParaRPr lang="en-US"/>
           </a:p>
@@ -1021,7 +1021,7 @@
           <a:p>
             <a:fld id="{CC4FF940-D56D-4F52-9CB1-54894350CBF5}" type="datetimeFigureOut">
               <a:rPr lang="en-US" smtClean="0"/>
-              <a:t>11/4/2017</a:t>
+              <a:t>11/5/2017</a:t>
             </a:fld>
             <a:endParaRPr lang="en-US"/>
           </a:p>
@@ -1296,7 +1296,7 @@
           <a:p>
             <a:fld id="{CC4FF940-D56D-4F52-9CB1-54894350CBF5}" type="datetimeFigureOut">
               <a:rPr lang="en-US" smtClean="0"/>
-              <a:t>11/4/2017</a:t>
+              <a:t>11/5/2017</a:t>
             </a:fld>
             <a:endParaRPr lang="en-US"/>
           </a:p>
@@ -1561,7 +1561,7 @@
           <a:p>
             <a:fld id="{CC4FF940-D56D-4F52-9CB1-54894350CBF5}" type="datetimeFigureOut">
               <a:rPr lang="en-US" smtClean="0"/>
-              <a:t>11/4/2017</a:t>
+              <a:t>11/5/2017</a:t>
             </a:fld>
             <a:endParaRPr lang="en-US"/>
           </a:p>
@@ -1973,7 +1973,7 @@
           <a:p>
             <a:fld id="{CC4FF940-D56D-4F52-9CB1-54894350CBF5}" type="datetimeFigureOut">
               <a:rPr lang="en-US" smtClean="0"/>
-              <a:t>11/4/2017</a:t>
+              <a:t>11/5/2017</a:t>
             </a:fld>
             <a:endParaRPr lang="en-US"/>
           </a:p>
@@ -2114,7 +2114,7 @@
           <a:p>
             <a:fld id="{CC4FF940-D56D-4F52-9CB1-54894350CBF5}" type="datetimeFigureOut">
               <a:rPr lang="en-US" smtClean="0"/>
-              <a:t>11/4/2017</a:t>
+              <a:t>11/5/2017</a:t>
             </a:fld>
             <a:endParaRPr lang="en-US"/>
           </a:p>
@@ -2227,7 +2227,7 @@
           <a:p>
             <a:fld id="{CC4FF940-D56D-4F52-9CB1-54894350CBF5}" type="datetimeFigureOut">
               <a:rPr lang="en-US" smtClean="0"/>
-              <a:t>11/4/2017</a:t>
+              <a:t>11/5/2017</a:t>
             </a:fld>
             <a:endParaRPr lang="en-US"/>
           </a:p>
@@ -2538,7 +2538,7 @@
           <a:p>
             <a:fld id="{CC4FF940-D56D-4F52-9CB1-54894350CBF5}" type="datetimeFigureOut">
               <a:rPr lang="en-US" smtClean="0"/>
-              <a:t>11/4/2017</a:t>
+              <a:t>11/5/2017</a:t>
             </a:fld>
             <a:endParaRPr lang="en-US"/>
           </a:p>
@@ -2826,7 +2826,7 @@
           <a:p>
             <a:fld id="{CC4FF940-D56D-4F52-9CB1-54894350CBF5}" type="datetimeFigureOut">
               <a:rPr lang="en-US" smtClean="0"/>
-              <a:t>11/4/2017</a:t>
+              <a:t>11/5/2017</a:t>
             </a:fld>
             <a:endParaRPr lang="en-US"/>
           </a:p>
@@ -3067,7 +3067,7 @@
           <a:p>
             <a:fld id="{CC4FF940-D56D-4F52-9CB1-54894350CBF5}" type="datetimeFigureOut">
               <a:rPr lang="en-US" smtClean="0"/>
-              <a:t>11/4/2017</a:t>
+              <a:t>11/5/2017</a:t>
             </a:fld>
             <a:endParaRPr lang="en-US"/>
           </a:p>
@@ -4286,9 +4286,31 @@
               <a:rPr lang="en-US" dirty="0" err="1"/>
               <a:t>MarkDown</a:t>
             </a:r>
-            <a:endParaRPr lang="en-US"/>
-          </a:p>
-          <a:p>
+            <a:endParaRPr lang="en-US" dirty="0"/>
+          </a:p>
+          <a:p>
+            <a:r>
+              <a:rPr lang="en-US" dirty="0"/>
+              <a:t>Things to note before the examples.</a:t>
+            </a:r>
+          </a:p>
+          <a:p>
+            <a:pPr lvl="1"/>
+            <a:r>
+              <a:rPr lang="en-US" dirty="0"/>
+              <a:t>You only need one table for both XML and JSON if the API supports both</a:t>
+            </a:r>
+          </a:p>
+          <a:p>
+            <a:pPr lvl="1"/>
+            <a:r>
+              <a:rPr lang="en-US" dirty="0"/>
+              <a:t>The XML response is not written </a:t>
+            </a:r>
+            <a:r>
+              <a:rPr lang="en-US"/>
+              <a:t>using attributes</a:t>
+            </a:r>
             <a:endParaRPr lang="en-US" dirty="0"/>
           </a:p>
         </p:txBody>

--- a/APIDocPresentation.pptx
+++ b/APIDocPresentation.pptx
@@ -123,7 +123,7 @@
   <pc:docChgLst>
     <pc:chgData name="Saber Heart" userId="fb8b8a421b0903ca" providerId="LiveId" clId="{BFC64E79-A38C-45EF-969B-1EBFFF4C3840}"/>
     <pc:docChg chg="custSel addSld modSld">
-      <pc:chgData name="Saber Heart" userId="fb8b8a421b0903ca" providerId="LiveId" clId="{BFC64E79-A38C-45EF-969B-1EBFFF4C3840}" dt="2017-11-05T16:16:13.507" v="2165" actId="20577"/>
+      <pc:chgData name="Saber Heart" userId="fb8b8a421b0903ca" providerId="LiveId" clId="{BFC64E79-A38C-45EF-969B-1EBFFF4C3840}" dt="2017-11-05T17:43:58.584" v="2217" actId="20577"/>
       <pc:docMkLst>
         <pc:docMk/>
       </pc:docMkLst>
@@ -243,7 +243,7 @@
         </pc:spChg>
       </pc:sldChg>
       <pc:sldChg chg="modSp add">
-        <pc:chgData name="Saber Heart" userId="fb8b8a421b0903ca" providerId="LiveId" clId="{BFC64E79-A38C-45EF-969B-1EBFFF4C3840}" dt="2017-11-05T16:16:13.507" v="2165" actId="20577"/>
+        <pc:chgData name="Saber Heart" userId="fb8b8a421b0903ca" providerId="LiveId" clId="{BFC64E79-A38C-45EF-969B-1EBFFF4C3840}" dt="2017-11-05T17:43:58.584" v="2217" actId="20577"/>
         <pc:sldMkLst>
           <pc:docMk/>
           <pc:sldMk cId="2886208190" sldId="262"/>
@@ -257,7 +257,7 @@
           </ac:spMkLst>
         </pc:spChg>
         <pc:spChg chg="mod">
-          <ac:chgData name="Saber Heart" userId="fb8b8a421b0903ca" providerId="LiveId" clId="{BFC64E79-A38C-45EF-969B-1EBFFF4C3840}" dt="2017-11-05T16:16:13.507" v="2165" actId="20577"/>
+          <ac:chgData name="Saber Heart" userId="fb8b8a421b0903ca" providerId="LiveId" clId="{BFC64E79-A38C-45EF-969B-1EBFFF4C3840}" dt="2017-11-05T17:43:58.584" v="2217" actId="20577"/>
           <ac:spMkLst>
             <pc:docMk/>
             <pc:sldMk cId="2886208190" sldId="262"/>
@@ -4305,12 +4305,31 @@
             <a:pPr lvl="1"/>
             <a:r>
               <a:rPr lang="en-US" dirty="0"/>
-              <a:t>The XML response is not written </a:t>
-            </a:r>
-            <a:r>
-              <a:rPr lang="en-US"/>
-              <a:t>using attributes</a:t>
-            </a:r>
+              <a:t>The XML response is not written using attributes</a:t>
+            </a:r>
+          </a:p>
+          <a:p>
+            <a:pPr lvl="1"/>
+            <a:endParaRPr lang="en-US" dirty="0"/>
+          </a:p>
+          <a:p>
+            <a:r>
+              <a:rPr lang="en-US" dirty="0"/>
+              <a:t>Link to the GitHub Repository:</a:t>
+            </a:r>
+          </a:p>
+          <a:p>
+            <a:pPr lvl="1"/>
+            <a:r>
+              <a:rPr lang="en-US" dirty="0">
+                <a:hlinkClick r:id="rId2"/>
+              </a:rPr>
+              <a:t>https://github.com/HyderickCSarrell/CS488_APIDOCPRESENTATION</a:t>
+            </a:r>
+            <a:endParaRPr lang="en-US" dirty="0"/>
+          </a:p>
+          <a:p>
+            <a:pPr lvl="1"/>
             <a:endParaRPr lang="en-US" dirty="0"/>
           </a:p>
         </p:txBody>

--- a/APIDocPresentation.pptx
+++ b/APIDocPresentation.pptx
@@ -2,7 +2,7 @@
 <file path=ppt/presentation.xml><?xml version="1.0" encoding="utf-8"?>
 <p:presentation xmlns:a="http://schemas.openxmlformats.org/drawingml/2006/main" xmlns:r="http://schemas.openxmlformats.org/officeDocument/2006/relationships" xmlns:p="http://schemas.openxmlformats.org/presentationml/2006/main" saveSubsetFonts="1">
   <p:sldMasterIdLst>
-    <p:sldMasterId id="2147483648" r:id="rId1"/>
+    <p:sldMasterId id="2147483750" r:id="rId1"/>
   </p:sldMasterIdLst>
   <p:sldIdLst>
     <p:sldId id="256" r:id="rId2"/>
@@ -12,6 +12,12 @@
     <p:sldId id="260" r:id="rId6"/>
     <p:sldId id="261" r:id="rId7"/>
     <p:sldId id="262" r:id="rId8"/>
+    <p:sldId id="263" r:id="rId9"/>
+    <p:sldId id="264" r:id="rId10"/>
+    <p:sldId id="265" r:id="rId11"/>
+    <p:sldId id="266" r:id="rId12"/>
+    <p:sldId id="267" r:id="rId13"/>
+    <p:sldId id="268" r:id="rId14"/>
   </p:sldIdLst>
   <p:sldSz cx="12192000" cy="6858000"/>
   <p:notesSz cx="6858000" cy="9144000"/>
@@ -19,7 +25,7 @@
     <a:defPPr>
       <a:defRPr lang="en-US"/>
     </a:defPPr>
-    <a:lvl1pPr marL="0" algn="l" defTabSz="914400" rtl="0" eaLnBrk="1" latinLnBrk="0" hangingPunct="1">
+    <a:lvl1pPr marL="0" algn="l" defTabSz="457200" rtl="0" eaLnBrk="1" latinLnBrk="0" hangingPunct="1">
       <a:defRPr sz="1800" kern="1200">
         <a:solidFill>
           <a:schemeClr val="tx1"/>
@@ -29,7 +35,7 @@
         <a:cs typeface="+mn-cs"/>
       </a:defRPr>
     </a:lvl1pPr>
-    <a:lvl2pPr marL="457200" algn="l" defTabSz="914400" rtl="0" eaLnBrk="1" latinLnBrk="0" hangingPunct="1">
+    <a:lvl2pPr marL="457200" algn="l" defTabSz="457200" rtl="0" eaLnBrk="1" latinLnBrk="0" hangingPunct="1">
       <a:defRPr sz="1800" kern="1200">
         <a:solidFill>
           <a:schemeClr val="tx1"/>
@@ -39,7 +45,7 @@
         <a:cs typeface="+mn-cs"/>
       </a:defRPr>
     </a:lvl2pPr>
-    <a:lvl3pPr marL="914400" algn="l" defTabSz="914400" rtl="0" eaLnBrk="1" latinLnBrk="0" hangingPunct="1">
+    <a:lvl3pPr marL="914400" algn="l" defTabSz="457200" rtl="0" eaLnBrk="1" latinLnBrk="0" hangingPunct="1">
       <a:defRPr sz="1800" kern="1200">
         <a:solidFill>
           <a:schemeClr val="tx1"/>
@@ -49,7 +55,7 @@
         <a:cs typeface="+mn-cs"/>
       </a:defRPr>
     </a:lvl3pPr>
-    <a:lvl4pPr marL="1371600" algn="l" defTabSz="914400" rtl="0" eaLnBrk="1" latinLnBrk="0" hangingPunct="1">
+    <a:lvl4pPr marL="1371600" algn="l" defTabSz="457200" rtl="0" eaLnBrk="1" latinLnBrk="0" hangingPunct="1">
       <a:defRPr sz="1800" kern="1200">
         <a:solidFill>
           <a:schemeClr val="tx1"/>
@@ -59,7 +65,7 @@
         <a:cs typeface="+mn-cs"/>
       </a:defRPr>
     </a:lvl4pPr>
-    <a:lvl5pPr marL="1828800" algn="l" defTabSz="914400" rtl="0" eaLnBrk="1" latinLnBrk="0" hangingPunct="1">
+    <a:lvl5pPr marL="1828800" algn="l" defTabSz="457200" rtl="0" eaLnBrk="1" latinLnBrk="0" hangingPunct="1">
       <a:defRPr sz="1800" kern="1200">
         <a:solidFill>
           <a:schemeClr val="tx1"/>
@@ -69,7 +75,7 @@
         <a:cs typeface="+mn-cs"/>
       </a:defRPr>
     </a:lvl5pPr>
-    <a:lvl6pPr marL="2286000" algn="l" defTabSz="914400" rtl="0" eaLnBrk="1" latinLnBrk="0" hangingPunct="1">
+    <a:lvl6pPr marL="2286000" algn="l" defTabSz="457200" rtl="0" eaLnBrk="1" latinLnBrk="0" hangingPunct="1">
       <a:defRPr sz="1800" kern="1200">
         <a:solidFill>
           <a:schemeClr val="tx1"/>
@@ -79,7 +85,7 @@
         <a:cs typeface="+mn-cs"/>
       </a:defRPr>
     </a:lvl6pPr>
-    <a:lvl7pPr marL="2743200" algn="l" defTabSz="914400" rtl="0" eaLnBrk="1" latinLnBrk="0" hangingPunct="1">
+    <a:lvl7pPr marL="2743200" algn="l" defTabSz="457200" rtl="0" eaLnBrk="1" latinLnBrk="0" hangingPunct="1">
       <a:defRPr sz="1800" kern="1200">
         <a:solidFill>
           <a:schemeClr val="tx1"/>
@@ -89,7 +95,7 @@
         <a:cs typeface="+mn-cs"/>
       </a:defRPr>
     </a:lvl7pPr>
-    <a:lvl8pPr marL="3200400" algn="l" defTabSz="914400" rtl="0" eaLnBrk="1" latinLnBrk="0" hangingPunct="1">
+    <a:lvl8pPr marL="3200400" algn="l" defTabSz="457200" rtl="0" eaLnBrk="1" latinLnBrk="0" hangingPunct="1">
       <a:defRPr sz="1800" kern="1200">
         <a:solidFill>
           <a:schemeClr val="tx1"/>
@@ -99,7 +105,7 @@
         <a:cs typeface="+mn-cs"/>
       </a:defRPr>
     </a:lvl8pPr>
-    <a:lvl9pPr marL="3657600" algn="l" defTabSz="914400" rtl="0" eaLnBrk="1" latinLnBrk="0" hangingPunct="1">
+    <a:lvl9pPr marL="3657600" algn="l" defTabSz="457200" rtl="0" eaLnBrk="1" latinLnBrk="0" hangingPunct="1">
       <a:defRPr sz="1800" kern="1200">
         <a:solidFill>
           <a:schemeClr val="tx1"/>
@@ -123,7 +129,7 @@
   <pc:docChgLst>
     <pc:chgData name="Saber Heart" userId="fb8b8a421b0903ca" providerId="LiveId" clId="{BFC64E79-A38C-45EF-969B-1EBFFF4C3840}"/>
     <pc:docChg chg="custSel addSld modSld">
-      <pc:chgData name="Saber Heart" userId="fb8b8a421b0903ca" providerId="LiveId" clId="{BFC64E79-A38C-45EF-969B-1EBFFF4C3840}" dt="2017-11-05T17:43:58.584" v="2217" actId="20577"/>
+      <pc:chgData name="Saber Heart" userId="fb8b8a421b0903ca" providerId="LiveId" clId="{BFC64E79-A38C-45EF-969B-1EBFFF4C3840}" dt="2017-11-05T18:20:50.614" v="3250" actId="313"/>
       <pc:docMkLst>
         <pc:docMk/>
       </pc:docMkLst>
@@ -197,7 +203,7 @@
         </pc:spChg>
       </pc:sldChg>
       <pc:sldChg chg="modSp add">
-        <pc:chgData name="Saber Heart" userId="fb8b8a421b0903ca" providerId="LiveId" clId="{BFC64E79-A38C-45EF-969B-1EBFFF4C3840}" dt="2017-11-05T04:15:31.714" v="1232" actId="20577"/>
+        <pc:chgData name="Saber Heart" userId="fb8b8a421b0903ca" providerId="LiveId" clId="{BFC64E79-A38C-45EF-969B-1EBFFF4C3840}" dt="2017-11-05T18:20:35.968" v="3248" actId="27636"/>
         <pc:sldMkLst>
           <pc:docMk/>
           <pc:sldMk cId="3014142869" sldId="260"/>
@@ -211,7 +217,7 @@
           </ac:spMkLst>
         </pc:spChg>
         <pc:spChg chg="mod">
-          <ac:chgData name="Saber Heart" userId="fb8b8a421b0903ca" providerId="LiveId" clId="{BFC64E79-A38C-45EF-969B-1EBFFF4C3840}" dt="2017-11-05T04:15:31.714" v="1232" actId="20577"/>
+          <ac:chgData name="Saber Heart" userId="fb8b8a421b0903ca" providerId="LiveId" clId="{BFC64E79-A38C-45EF-969B-1EBFFF4C3840}" dt="2017-11-05T18:20:35.968" v="3248" actId="27636"/>
           <ac:spMkLst>
             <pc:docMk/>
             <pc:sldMk cId="3014142869" sldId="260"/>
@@ -220,7 +226,7 @@
         </pc:spChg>
       </pc:sldChg>
       <pc:sldChg chg="modSp add">
-        <pc:chgData name="Saber Heart" userId="fb8b8a421b0903ca" providerId="LiveId" clId="{BFC64E79-A38C-45EF-969B-1EBFFF4C3840}" dt="2017-11-05T05:06:46.367" v="1795" actId="20577"/>
+        <pc:chgData name="Saber Heart" userId="fb8b8a421b0903ca" providerId="LiveId" clId="{BFC64E79-A38C-45EF-969B-1EBFFF4C3840}" dt="2017-11-05T18:20:50.614" v="3250" actId="313"/>
         <pc:sldMkLst>
           <pc:docMk/>
           <pc:sldMk cId="1787804115" sldId="261"/>
@@ -234,7 +240,7 @@
           </ac:spMkLst>
         </pc:spChg>
         <pc:spChg chg="mod">
-          <ac:chgData name="Saber Heart" userId="fb8b8a421b0903ca" providerId="LiveId" clId="{BFC64E79-A38C-45EF-969B-1EBFFF4C3840}" dt="2017-11-05T05:06:46.367" v="1795" actId="20577"/>
+          <ac:chgData name="Saber Heart" userId="fb8b8a421b0903ca" providerId="LiveId" clId="{BFC64E79-A38C-45EF-969B-1EBFFF4C3840}" dt="2017-11-05T18:20:50.614" v="3250" actId="313"/>
           <ac:spMkLst>
             <pc:docMk/>
             <pc:sldMk cId="1787804115" sldId="261"/>
@@ -243,7 +249,7 @@
         </pc:spChg>
       </pc:sldChg>
       <pc:sldChg chg="modSp add">
-        <pc:chgData name="Saber Heart" userId="fb8b8a421b0903ca" providerId="LiveId" clId="{BFC64E79-A38C-45EF-969B-1EBFFF4C3840}" dt="2017-11-05T17:43:58.584" v="2217" actId="20577"/>
+        <pc:chgData name="Saber Heart" userId="fb8b8a421b0903ca" providerId="LiveId" clId="{BFC64E79-A38C-45EF-969B-1EBFFF4C3840}" dt="2017-11-05T17:55:34.076" v="2272" actId="20577"/>
         <pc:sldMkLst>
           <pc:docMk/>
           <pc:sldMk cId="2886208190" sldId="262"/>
@@ -257,11 +263,221 @@
           </ac:spMkLst>
         </pc:spChg>
         <pc:spChg chg="mod">
-          <ac:chgData name="Saber Heart" userId="fb8b8a421b0903ca" providerId="LiveId" clId="{BFC64E79-A38C-45EF-969B-1EBFFF4C3840}" dt="2017-11-05T17:43:58.584" v="2217" actId="20577"/>
+          <ac:chgData name="Saber Heart" userId="fb8b8a421b0903ca" providerId="LiveId" clId="{BFC64E79-A38C-45EF-969B-1EBFFF4C3840}" dt="2017-11-05T17:55:34.076" v="2272" actId="20577"/>
           <ac:spMkLst>
             <pc:docMk/>
             <pc:sldMk cId="2886208190" sldId="262"/>
             <ac:spMk id="3" creationId="{A9539594-29C4-40FB-86FD-F97322513022}"/>
+          </ac:spMkLst>
+        </pc:spChg>
+      </pc:sldChg>
+      <pc:sldChg chg="modSp add">
+        <pc:chgData name="Saber Heart" userId="fb8b8a421b0903ca" providerId="LiveId" clId="{BFC64E79-A38C-45EF-969B-1EBFFF4C3840}" dt="2017-11-05T17:59:43.681" v="2377" actId="20577"/>
+        <pc:sldMkLst>
+          <pc:docMk/>
+          <pc:sldMk cId="585682088" sldId="263"/>
+        </pc:sldMkLst>
+        <pc:spChg chg="mod">
+          <ac:chgData name="Saber Heart" userId="fb8b8a421b0903ca" providerId="LiveId" clId="{BFC64E79-A38C-45EF-969B-1EBFFF4C3840}" dt="2017-11-05T17:58:40.667" v="2302" actId="20577"/>
+          <ac:spMkLst>
+            <pc:docMk/>
+            <pc:sldMk cId="585682088" sldId="263"/>
+            <ac:spMk id="2" creationId="{3F604D8D-ACDA-43DD-B387-477E344D2AE2}"/>
+          </ac:spMkLst>
+        </pc:spChg>
+        <pc:spChg chg="mod">
+          <ac:chgData name="Saber Heart" userId="fb8b8a421b0903ca" providerId="LiveId" clId="{BFC64E79-A38C-45EF-969B-1EBFFF4C3840}" dt="2017-11-05T17:59:43.681" v="2377" actId="20577"/>
+          <ac:spMkLst>
+            <pc:docMk/>
+            <pc:sldMk cId="585682088" sldId="263"/>
+            <ac:spMk id="3" creationId="{39E51DAF-0EE3-4471-9320-3CCE42727906}"/>
+          </ac:spMkLst>
+        </pc:spChg>
+      </pc:sldChg>
+      <pc:sldChg chg="addSp modSp add">
+        <pc:chgData name="Saber Heart" userId="fb8b8a421b0903ca" providerId="LiveId" clId="{BFC64E79-A38C-45EF-969B-1EBFFF4C3840}" dt="2017-11-05T18:13:09.187" v="2669" actId="20577"/>
+        <pc:sldMkLst>
+          <pc:docMk/>
+          <pc:sldMk cId="2515692363" sldId="264"/>
+        </pc:sldMkLst>
+        <pc:spChg chg="mod">
+          <ac:chgData name="Saber Heart" userId="fb8b8a421b0903ca" providerId="LiveId" clId="{BFC64E79-A38C-45EF-969B-1EBFFF4C3840}" dt="2017-11-05T18:10:15.731" v="2394" actId="20577"/>
+          <ac:spMkLst>
+            <pc:docMk/>
+            <pc:sldMk cId="2515692363" sldId="264"/>
+            <ac:spMk id="2" creationId="{81714111-A910-4F71-90A1-CE15A7B0BC44}"/>
+          </ac:spMkLst>
+        </pc:spChg>
+        <pc:spChg chg="mod">
+          <ac:chgData name="Saber Heart" userId="fb8b8a421b0903ca" providerId="LiveId" clId="{BFC64E79-A38C-45EF-969B-1EBFFF4C3840}" dt="2017-11-05T18:12:25.534" v="2579" actId="20577"/>
+          <ac:spMkLst>
+            <pc:docMk/>
+            <pc:sldMk cId="2515692363" sldId="264"/>
+            <ac:spMk id="3" creationId="{223C467C-AD0B-4ACF-A60B-33220F56D73C}"/>
+          </ac:spMkLst>
+        </pc:spChg>
+        <pc:spChg chg="add mod">
+          <ac:chgData name="Saber Heart" userId="fb8b8a421b0903ca" providerId="LiveId" clId="{BFC64E79-A38C-45EF-969B-1EBFFF4C3840}" dt="2017-11-05T18:11:18.585" v="2491" actId="20577"/>
+          <ac:spMkLst>
+            <pc:docMk/>
+            <pc:sldMk cId="2515692363" sldId="264"/>
+            <ac:spMk id="4" creationId="{099FDC72-D5C9-46DE-B34D-79FF2243B973}"/>
+          </ac:spMkLst>
+        </pc:spChg>
+        <pc:spChg chg="add mod">
+          <ac:chgData name="Saber Heart" userId="fb8b8a421b0903ca" providerId="LiveId" clId="{BFC64E79-A38C-45EF-969B-1EBFFF4C3840}" dt="2017-11-05T18:11:21.167" v="2495" actId="20577"/>
+          <ac:spMkLst>
+            <pc:docMk/>
+            <pc:sldMk cId="2515692363" sldId="264"/>
+            <ac:spMk id="5" creationId="{FDB9D71C-B5D3-4B2F-8BAA-CFED5E7D53CE}"/>
+          </ac:spMkLst>
+        </pc:spChg>
+        <pc:spChg chg="add mod">
+          <ac:chgData name="Saber Heart" userId="fb8b8a421b0903ca" providerId="LiveId" clId="{BFC64E79-A38C-45EF-969B-1EBFFF4C3840}" dt="2017-11-05T18:13:09.187" v="2669" actId="20577"/>
+          <ac:spMkLst>
+            <pc:docMk/>
+            <pc:sldMk cId="2515692363" sldId="264"/>
+            <ac:spMk id="6" creationId="{6658E452-31CC-4128-9D9B-F1BE980990FB}"/>
+          </ac:spMkLst>
+        </pc:spChg>
+      </pc:sldChg>
+      <pc:sldChg chg="modSp add">
+        <pc:chgData name="Saber Heart" userId="fb8b8a421b0903ca" providerId="LiveId" clId="{BFC64E79-A38C-45EF-969B-1EBFFF4C3840}" dt="2017-11-05T18:14:12.869" v="2767" actId="20577"/>
+        <pc:sldMkLst>
+          <pc:docMk/>
+          <pc:sldMk cId="1263982400" sldId="265"/>
+        </pc:sldMkLst>
+        <pc:spChg chg="mod">
+          <ac:chgData name="Saber Heart" userId="fb8b8a421b0903ca" providerId="LiveId" clId="{BFC64E79-A38C-45EF-969B-1EBFFF4C3840}" dt="2017-11-05T18:13:29.304" v="2688" actId="20577"/>
+          <ac:spMkLst>
+            <pc:docMk/>
+            <pc:sldMk cId="1263982400" sldId="265"/>
+            <ac:spMk id="2" creationId="{81714111-A910-4F71-90A1-CE15A7B0BC44}"/>
+          </ac:spMkLst>
+        </pc:spChg>
+        <pc:spChg chg="mod">
+          <ac:chgData name="Saber Heart" userId="fb8b8a421b0903ca" providerId="LiveId" clId="{BFC64E79-A38C-45EF-969B-1EBFFF4C3840}" dt="2017-11-05T18:14:04.065" v="2744" actId="5793"/>
+          <ac:spMkLst>
+            <pc:docMk/>
+            <pc:sldMk cId="1263982400" sldId="265"/>
+            <ac:spMk id="3" creationId="{223C467C-AD0B-4ACF-A60B-33220F56D73C}"/>
+          </ac:spMkLst>
+        </pc:spChg>
+        <pc:spChg chg="mod">
+          <ac:chgData name="Saber Heart" userId="fb8b8a421b0903ca" providerId="LiveId" clId="{BFC64E79-A38C-45EF-969B-1EBFFF4C3840}" dt="2017-11-05T18:14:12.869" v="2767" actId="20577"/>
+          <ac:spMkLst>
+            <pc:docMk/>
+            <pc:sldMk cId="1263982400" sldId="265"/>
+            <ac:spMk id="6" creationId="{6658E452-31CC-4128-9D9B-F1BE980990FB}"/>
+          </ac:spMkLst>
+        </pc:spChg>
+      </pc:sldChg>
+      <pc:sldChg chg="modSp add">
+        <pc:chgData name="Saber Heart" userId="fb8b8a421b0903ca" providerId="LiveId" clId="{BFC64E79-A38C-45EF-969B-1EBFFF4C3840}" dt="2017-11-05T18:15:50.280" v="2999" actId="20577"/>
+        <pc:sldMkLst>
+          <pc:docMk/>
+          <pc:sldMk cId="3074133383" sldId="266"/>
+        </pc:sldMkLst>
+        <pc:spChg chg="mod">
+          <ac:chgData name="Saber Heart" userId="fb8b8a421b0903ca" providerId="LiveId" clId="{BFC64E79-A38C-45EF-969B-1EBFFF4C3840}" dt="2017-11-05T18:14:32.885" v="2808" actId="20577"/>
+          <ac:spMkLst>
+            <pc:docMk/>
+            <pc:sldMk cId="3074133383" sldId="266"/>
+            <ac:spMk id="2" creationId="{81714111-A910-4F71-90A1-CE15A7B0BC44}"/>
+          </ac:spMkLst>
+        </pc:spChg>
+        <pc:spChg chg="mod">
+          <ac:chgData name="Saber Heart" userId="fb8b8a421b0903ca" providerId="LiveId" clId="{BFC64E79-A38C-45EF-969B-1EBFFF4C3840}" dt="2017-11-05T18:15:21.385" v="2924" actId="20577"/>
+          <ac:spMkLst>
+            <pc:docMk/>
+            <pc:sldMk cId="3074133383" sldId="266"/>
+            <ac:spMk id="3" creationId="{223C467C-AD0B-4ACF-A60B-33220F56D73C}"/>
+          </ac:spMkLst>
+        </pc:spChg>
+        <pc:spChg chg="mod">
+          <ac:chgData name="Saber Heart" userId="fb8b8a421b0903ca" providerId="LiveId" clId="{BFC64E79-A38C-45EF-969B-1EBFFF4C3840}" dt="2017-11-05T18:15:50.280" v="2999" actId="20577"/>
+          <ac:spMkLst>
+            <pc:docMk/>
+            <pc:sldMk cId="3074133383" sldId="266"/>
+            <ac:spMk id="6" creationId="{6658E452-31CC-4128-9D9B-F1BE980990FB}"/>
+          </ac:spMkLst>
+        </pc:spChg>
+      </pc:sldChg>
+      <pc:sldChg chg="modSp add">
+        <pc:chgData name="Saber Heart" userId="fb8b8a421b0903ca" providerId="LiveId" clId="{BFC64E79-A38C-45EF-969B-1EBFFF4C3840}" dt="2017-11-05T18:18:22.788" v="3118" actId="313"/>
+        <pc:sldMkLst>
+          <pc:docMk/>
+          <pc:sldMk cId="107319806" sldId="267"/>
+        </pc:sldMkLst>
+        <pc:spChg chg="mod">
+          <ac:chgData name="Saber Heart" userId="fb8b8a421b0903ca" providerId="LiveId" clId="{BFC64E79-A38C-45EF-969B-1EBFFF4C3840}" dt="2017-11-05T18:18:05.012" v="3117" actId="313"/>
+          <ac:spMkLst>
+            <pc:docMk/>
+            <pc:sldMk cId="107319806" sldId="267"/>
+            <ac:spMk id="2" creationId="{81714111-A910-4F71-90A1-CE15A7B0BC44}"/>
+          </ac:spMkLst>
+        </pc:spChg>
+        <pc:spChg chg="mod">
+          <ac:chgData name="Saber Heart" userId="fb8b8a421b0903ca" providerId="LiveId" clId="{BFC64E79-A38C-45EF-969B-1EBFFF4C3840}" dt="2017-11-05T18:17:44.598" v="3091" actId="20577"/>
+          <ac:spMkLst>
+            <pc:docMk/>
+            <pc:sldMk cId="107319806" sldId="267"/>
+            <ac:spMk id="3" creationId="{223C467C-AD0B-4ACF-A60B-33220F56D73C}"/>
+          </ac:spMkLst>
+        </pc:spChg>
+        <pc:spChg chg="mod">
+          <ac:chgData name="Saber Heart" userId="fb8b8a421b0903ca" providerId="LiveId" clId="{BFC64E79-A38C-45EF-969B-1EBFFF4C3840}" dt="2017-11-05T18:18:22.788" v="3118" actId="313"/>
+          <ac:spMkLst>
+            <pc:docMk/>
+            <pc:sldMk cId="107319806" sldId="267"/>
+            <ac:spMk id="6" creationId="{6658E452-31CC-4128-9D9B-F1BE980990FB}"/>
+          </ac:spMkLst>
+        </pc:spChg>
+      </pc:sldChg>
+      <pc:sldChg chg="modSp add">
+        <pc:chgData name="Saber Heart" userId="fb8b8a421b0903ca" providerId="LiveId" clId="{BFC64E79-A38C-45EF-969B-1EBFFF4C3840}" dt="2017-11-05T18:19:46.799" v="3244" actId="20577"/>
+        <pc:sldMkLst>
+          <pc:docMk/>
+          <pc:sldMk cId="1321975259" sldId="268"/>
+        </pc:sldMkLst>
+        <pc:spChg chg="mod">
+          <ac:chgData name="Saber Heart" userId="fb8b8a421b0903ca" providerId="LiveId" clId="{BFC64E79-A38C-45EF-969B-1EBFFF4C3840}" dt="2017-11-05T18:18:39.253" v="3123" actId="20577"/>
+          <ac:spMkLst>
+            <pc:docMk/>
+            <pc:sldMk cId="1321975259" sldId="268"/>
+            <ac:spMk id="2" creationId="{39A20756-5B90-497E-98E1-FDC2A230A881}"/>
+          </ac:spMkLst>
+        </pc:spChg>
+        <pc:spChg chg="mod">
+          <ac:chgData name="Saber Heart" userId="fb8b8a421b0903ca" providerId="LiveId" clId="{BFC64E79-A38C-45EF-969B-1EBFFF4C3840}" dt="2017-11-05T18:18:41.909" v="3127" actId="20577"/>
+          <ac:spMkLst>
+            <pc:docMk/>
+            <pc:sldMk cId="1321975259" sldId="268"/>
+            <ac:spMk id="3" creationId="{003657AC-2134-4A36-A22D-E8F395763EE9}"/>
+          </ac:spMkLst>
+        </pc:spChg>
+        <pc:spChg chg="mod">
+          <ac:chgData name="Saber Heart" userId="fb8b8a421b0903ca" providerId="LiveId" clId="{BFC64E79-A38C-45EF-969B-1EBFFF4C3840}" dt="2017-11-05T18:19:22.042" v="3193" actId="20577"/>
+          <ac:spMkLst>
+            <pc:docMk/>
+            <pc:sldMk cId="1321975259" sldId="268"/>
+            <ac:spMk id="4" creationId="{5F2AC544-313B-4682-BAF1-F6425DD830B2}"/>
+          </ac:spMkLst>
+        </pc:spChg>
+        <pc:spChg chg="mod">
+          <ac:chgData name="Saber Heart" userId="fb8b8a421b0903ca" providerId="LiveId" clId="{BFC64E79-A38C-45EF-969B-1EBFFF4C3840}" dt="2017-11-05T18:18:43.943" v="3131" actId="20577"/>
+          <ac:spMkLst>
+            <pc:docMk/>
+            <pc:sldMk cId="1321975259" sldId="268"/>
+            <ac:spMk id="5" creationId="{E65BF461-3B60-4838-BE5B-C5446EB6CAD7}"/>
+          </ac:spMkLst>
+        </pc:spChg>
+        <pc:spChg chg="mod">
+          <ac:chgData name="Saber Heart" userId="fb8b8a421b0903ca" providerId="LiveId" clId="{BFC64E79-A38C-45EF-969B-1EBFFF4C3840}" dt="2017-11-05T18:19:46.799" v="3244" actId="20577"/>
+          <ac:spMkLst>
+            <pc:docMk/>
+            <pc:sldMk cId="1321975259" sldId="268"/>
+            <ac:spMk id="6" creationId="{1479C708-754B-4964-9049-DE7A28B8ACF1}"/>
           </ac:spMkLst>
         </pc:spChg>
       </pc:sldChg>
@@ -289,13 +505,7 @@
       </p:grpSpPr>
       <p:sp>
         <p:nvSpPr>
-          <p:cNvPr id="2" name="Title 1">
-            <a:extLst>
-              <a:ext uri="{FF2B5EF4-FFF2-40B4-BE49-F238E27FC236}">
-                <a16:creationId xmlns:a16="http://schemas.microsoft.com/office/drawing/2014/main" id="{CCD596F0-9508-43D4-AECF-E339B0F993B3}"/>
-              </a:ext>
-            </a:extLst>
-          </p:cNvPr>
+          <p:cNvPr id="2" name="Title 1"/>
           <p:cNvSpPr>
             <a:spLocks noGrp="1"/>
           </p:cNvSpPr>
@@ -305,15 +515,17 @@
         </p:nvSpPr>
         <p:spPr>
           <a:xfrm>
-            <a:off x="1524000" y="1122363"/>
-            <a:ext cx="9144000" cy="2387600"/>
+            <a:off x="1370693" y="1769540"/>
+            <a:ext cx="9440034" cy="1828801"/>
           </a:xfrm>
         </p:spPr>
         <p:txBody>
-          <a:bodyPr anchor="b"/>
+          <a:bodyPr anchor="b">
+            <a:normAutofit/>
+          </a:bodyPr>
           <a:lstStyle>
             <a:lvl1pPr algn="ctr">
-              <a:defRPr sz="6000"/>
+              <a:defRPr sz="5400"/>
             </a:lvl1pPr>
           </a:lstStyle>
           <a:p>
@@ -321,18 +533,13 @@
               <a:rPr lang="en-US"/>
               <a:t>Click to edit Master title style</a:t>
             </a:r>
-          </a:p>
-        </p:txBody>
-      </p:sp>
-      <p:sp>
-        <p:nvSpPr>
-          <p:cNvPr id="3" name="Subtitle 2">
-            <a:extLst>
-              <a:ext uri="{FF2B5EF4-FFF2-40B4-BE49-F238E27FC236}">
-                <a16:creationId xmlns:a16="http://schemas.microsoft.com/office/drawing/2014/main" id="{F5C1DFD5-A721-4CDD-A730-7FEEA257126D}"/>
-              </a:ext>
-            </a:extLst>
-          </p:cNvPr>
+            <a:endParaRPr lang="en-US" dirty="0"/>
+          </a:p>
+        </p:txBody>
+      </p:sp>
+      <p:sp>
+        <p:nvSpPr>
+          <p:cNvPr id="3" name="Subtitle 2"/>
           <p:cNvSpPr>
             <a:spLocks noGrp="1"/>
           </p:cNvSpPr>
@@ -342,48 +549,100 @@
         </p:nvSpPr>
         <p:spPr>
           <a:xfrm>
-            <a:off x="1524000" y="3602038"/>
-            <a:ext cx="9144000" cy="1655762"/>
+            <a:off x="1370693" y="3598339"/>
+            <a:ext cx="9440034" cy="1049867"/>
           </a:xfrm>
         </p:spPr>
         <p:txBody>
-          <a:bodyPr/>
+          <a:bodyPr anchor="t"/>
           <a:lstStyle>
             <a:lvl1pPr marL="0" indent="0" algn="ctr">
               <a:buNone/>
-              <a:defRPr sz="2400"/>
+              <a:defRPr>
+                <a:solidFill>
+                  <a:schemeClr val="tx1"/>
+                </a:solidFill>
+              </a:defRPr>
             </a:lvl1pPr>
             <a:lvl2pPr marL="457200" indent="0" algn="ctr">
               <a:buNone/>
-              <a:defRPr sz="2000"/>
+              <a:defRPr>
+                <a:solidFill>
+                  <a:schemeClr val="tx1">
+                    <a:tint val="75000"/>
+                  </a:schemeClr>
+                </a:solidFill>
+              </a:defRPr>
             </a:lvl2pPr>
             <a:lvl3pPr marL="914400" indent="0" algn="ctr">
               <a:buNone/>
-              <a:defRPr sz="1800"/>
+              <a:defRPr>
+                <a:solidFill>
+                  <a:schemeClr val="tx1">
+                    <a:tint val="75000"/>
+                  </a:schemeClr>
+                </a:solidFill>
+              </a:defRPr>
             </a:lvl3pPr>
             <a:lvl4pPr marL="1371600" indent="0" algn="ctr">
               <a:buNone/>
-              <a:defRPr sz="1600"/>
+              <a:defRPr>
+                <a:solidFill>
+                  <a:schemeClr val="tx1">
+                    <a:tint val="75000"/>
+                  </a:schemeClr>
+                </a:solidFill>
+              </a:defRPr>
             </a:lvl4pPr>
             <a:lvl5pPr marL="1828800" indent="0" algn="ctr">
               <a:buNone/>
-              <a:defRPr sz="1600"/>
+              <a:defRPr>
+                <a:solidFill>
+                  <a:schemeClr val="tx1">
+                    <a:tint val="75000"/>
+                  </a:schemeClr>
+                </a:solidFill>
+              </a:defRPr>
             </a:lvl5pPr>
             <a:lvl6pPr marL="2286000" indent="0" algn="ctr">
               <a:buNone/>
-              <a:defRPr sz="1600"/>
+              <a:defRPr>
+                <a:solidFill>
+                  <a:schemeClr val="tx1">
+                    <a:tint val="75000"/>
+                  </a:schemeClr>
+                </a:solidFill>
+              </a:defRPr>
             </a:lvl6pPr>
             <a:lvl7pPr marL="2743200" indent="0" algn="ctr">
               <a:buNone/>
-              <a:defRPr sz="1600"/>
+              <a:defRPr>
+                <a:solidFill>
+                  <a:schemeClr val="tx1">
+                    <a:tint val="75000"/>
+                  </a:schemeClr>
+                </a:solidFill>
+              </a:defRPr>
             </a:lvl7pPr>
             <a:lvl8pPr marL="3200400" indent="0" algn="ctr">
               <a:buNone/>
-              <a:defRPr sz="1600"/>
+              <a:defRPr>
+                <a:solidFill>
+                  <a:schemeClr val="tx1">
+                    <a:tint val="75000"/>
+                  </a:schemeClr>
+                </a:solidFill>
+              </a:defRPr>
             </a:lvl8pPr>
             <a:lvl9pPr marL="3657600" indent="0" algn="ctr">
               <a:buNone/>
-              <a:defRPr sz="1600"/>
+              <a:defRPr>
+                <a:solidFill>
+                  <a:schemeClr val="tx1">
+                    <a:tint val="75000"/>
+                  </a:schemeClr>
+                </a:solidFill>
+              </a:defRPr>
             </a:lvl9pPr>
           </a:lstStyle>
           <a:p>
@@ -391,18 +650,13 @@
               <a:rPr lang="en-US"/>
               <a:t>Click to edit Master subtitle style</a:t>
             </a:r>
-          </a:p>
-        </p:txBody>
-      </p:sp>
-      <p:sp>
-        <p:nvSpPr>
-          <p:cNvPr id="4" name="Date Placeholder 3">
-            <a:extLst>
-              <a:ext uri="{FF2B5EF4-FFF2-40B4-BE49-F238E27FC236}">
-                <a16:creationId xmlns:a16="http://schemas.microsoft.com/office/drawing/2014/main" id="{C3AA793F-E2BF-47C1-9708-4F69F6F93996}"/>
-              </a:ext>
-            </a:extLst>
-          </p:cNvPr>
+            <a:endParaRPr lang="en-US" dirty="0"/>
+          </a:p>
+        </p:txBody>
+      </p:sp>
+      <p:sp>
+        <p:nvSpPr>
+          <p:cNvPr id="4" name="Date Placeholder 3"/>
           <p:cNvSpPr>
             <a:spLocks noGrp="1"/>
           </p:cNvSpPr>
@@ -425,13 +679,7 @@
       </p:sp>
       <p:sp>
         <p:nvSpPr>
-          <p:cNvPr id="5" name="Footer Placeholder 4">
-            <a:extLst>
-              <a:ext uri="{FF2B5EF4-FFF2-40B4-BE49-F238E27FC236}">
-                <a16:creationId xmlns:a16="http://schemas.microsoft.com/office/drawing/2014/main" id="{B12BC84B-923E-4DC8-9B50-701188608F90}"/>
-              </a:ext>
-            </a:extLst>
-          </p:cNvPr>
+          <p:cNvPr id="5" name="Footer Placeholder 4"/>
           <p:cNvSpPr>
             <a:spLocks noGrp="1"/>
           </p:cNvSpPr>
@@ -450,13 +698,7 @@
       </p:sp>
       <p:sp>
         <p:nvSpPr>
-          <p:cNvPr id="6" name="Slide Number Placeholder 5">
-            <a:extLst>
-              <a:ext uri="{FF2B5EF4-FFF2-40B4-BE49-F238E27FC236}">
-                <a16:creationId xmlns:a16="http://schemas.microsoft.com/office/drawing/2014/main" id="{CDF4AF45-4180-42CC-A546-8FA4E376CD72}"/>
-              </a:ext>
-            </a:extLst>
-          </p:cNvPr>
+          <p:cNvPr id="6" name="Slide Number Placeholder 5"/>
           <p:cNvSpPr>
             <a:spLocks noGrp="1"/>
           </p:cNvSpPr>
@@ -480,7 +722,7 @@
     </p:spTree>
     <p:extLst>
       <p:ext uri="{BB962C8B-B14F-4D97-AF65-F5344CB8AC3E}">
-        <p14:creationId xmlns:p14="http://schemas.microsoft.com/office/powerpoint/2010/main" val="1233839289"/>
+        <p14:creationId xmlns:p14="http://schemas.microsoft.com/office/powerpoint/2010/main" val="772153799"/>
       </p:ext>
     </p:extLst>
   </p:cSld>
@@ -491,6 +733,2582 @@
 </file>
 
 <file path=ppt/slideLayouts/slideLayout10.xml><?xml version="1.0" encoding="utf-8"?>
+<p:sldLayout xmlns:a="http://schemas.openxmlformats.org/drawingml/2006/main" xmlns:r="http://schemas.openxmlformats.org/officeDocument/2006/relationships" xmlns:p="http://schemas.openxmlformats.org/presentationml/2006/main" preserve="1">
+  <p:cSld name="Panoramic Picture with Caption">
+    <p:spTree>
+      <p:nvGrpSpPr>
+        <p:cNvPr id="1" name=""/>
+        <p:cNvGrpSpPr/>
+        <p:nvPr/>
+      </p:nvGrpSpPr>
+      <p:grpSpPr>
+        <a:xfrm>
+          <a:off x="0" y="0"/>
+          <a:ext cx="0" cy="0"/>
+          <a:chOff x="0" y="0"/>
+          <a:chExt cx="0" cy="0"/>
+        </a:xfrm>
+      </p:grpSpPr>
+      <p:pic>
+        <p:nvPicPr>
+          <p:cNvPr id="16" name="Picture 15" descr="Slate-V2-HD-panoPhotoInset.png"/>
+          <p:cNvPicPr>
+            <a:picLocks noChangeAspect="1"/>
+          </p:cNvPicPr>
+          <p:nvPr/>
+        </p:nvPicPr>
+        <p:blipFill>
+          <a:blip r:embed="rId2">
+            <a:extLst>
+              <a:ext uri="{28A0092B-C50C-407E-A947-70E740481C1C}">
+                <a14:useLocalDpi xmlns:a14="http://schemas.microsoft.com/office/drawing/2010/main" val="0"/>
+              </a:ext>
+            </a:extLst>
+          </a:blip>
+          <a:stretch>
+            <a:fillRect/>
+          </a:stretch>
+        </p:blipFill>
+        <p:spPr>
+          <a:xfrm>
+            <a:off x="1013883" y="547807"/>
+            <a:ext cx="10141799" cy="3816806"/>
+          </a:xfrm>
+          <a:prstGeom prst="rect">
+            <a:avLst/>
+          </a:prstGeom>
+        </p:spPr>
+      </p:pic>
+      <p:sp>
+        <p:nvSpPr>
+          <p:cNvPr id="2" name="Title 1"/>
+          <p:cNvSpPr>
+            <a:spLocks noGrp="1"/>
+          </p:cNvSpPr>
+          <p:nvPr>
+            <p:ph type="title"/>
+          </p:nvPr>
+        </p:nvSpPr>
+        <p:spPr>
+          <a:xfrm>
+            <a:off x="913806" y="4565255"/>
+            <a:ext cx="10355326" cy="543472"/>
+          </a:xfrm>
+        </p:spPr>
+        <p:txBody>
+          <a:bodyPr anchor="b">
+            <a:normAutofit/>
+          </a:bodyPr>
+          <a:lstStyle>
+            <a:lvl1pPr algn="ctr">
+              <a:defRPr sz="2800"/>
+            </a:lvl1pPr>
+          </a:lstStyle>
+          <a:p>
+            <a:r>
+              <a:rPr lang="en-US"/>
+              <a:t>Click to edit Master title style</a:t>
+            </a:r>
+            <a:endParaRPr lang="en-US" dirty="0"/>
+          </a:p>
+        </p:txBody>
+      </p:sp>
+      <p:sp>
+        <p:nvSpPr>
+          <p:cNvPr id="3" name="Picture Placeholder 2"/>
+          <p:cNvSpPr>
+            <a:spLocks noGrp="1" noChangeAspect="1"/>
+          </p:cNvSpPr>
+          <p:nvPr>
+            <p:ph type="pic" idx="1"/>
+          </p:nvPr>
+        </p:nvSpPr>
+        <p:spPr>
+          <a:xfrm>
+            <a:off x="1169349" y="695009"/>
+            <a:ext cx="9845346" cy="3525671"/>
+          </a:xfrm>
+          <a:effectLst>
+            <a:outerShdw blurRad="38100" dist="25400" dir="4440000">
+              <a:srgbClr val="000000">
+                <a:alpha val="36000"/>
+              </a:srgbClr>
+            </a:outerShdw>
+          </a:effectLst>
+        </p:spPr>
+        <p:txBody>
+          <a:bodyPr anchor="t">
+            <a:normAutofit/>
+          </a:bodyPr>
+          <a:lstStyle>
+            <a:lvl1pPr marL="0" indent="0" algn="ctr">
+              <a:buNone/>
+              <a:defRPr sz="2000"/>
+            </a:lvl1pPr>
+            <a:lvl2pPr marL="457200" indent="0">
+              <a:buNone/>
+              <a:defRPr sz="2000"/>
+            </a:lvl2pPr>
+            <a:lvl3pPr marL="914400" indent="0">
+              <a:buNone/>
+              <a:defRPr sz="2000"/>
+            </a:lvl3pPr>
+            <a:lvl4pPr marL="1371600" indent="0">
+              <a:buNone/>
+              <a:defRPr sz="2000"/>
+            </a:lvl4pPr>
+            <a:lvl5pPr marL="1828800" indent="0">
+              <a:buNone/>
+              <a:defRPr sz="2000"/>
+            </a:lvl5pPr>
+            <a:lvl6pPr marL="2286000" indent="0">
+              <a:buNone/>
+              <a:defRPr sz="2000"/>
+            </a:lvl6pPr>
+            <a:lvl7pPr marL="2743200" indent="0">
+              <a:buNone/>
+              <a:defRPr sz="2000"/>
+            </a:lvl7pPr>
+            <a:lvl8pPr marL="3200400" indent="0">
+              <a:buNone/>
+              <a:defRPr sz="2000"/>
+            </a:lvl8pPr>
+            <a:lvl9pPr marL="3657600" indent="0">
+              <a:buNone/>
+              <a:defRPr sz="2000"/>
+            </a:lvl9pPr>
+          </a:lstStyle>
+          <a:p>
+            <a:r>
+              <a:rPr lang="en-US"/>
+              <a:t>Click icon to add picture</a:t>
+            </a:r>
+            <a:endParaRPr lang="en-US" dirty="0"/>
+          </a:p>
+        </p:txBody>
+      </p:sp>
+      <p:sp>
+        <p:nvSpPr>
+          <p:cNvPr id="4" name="Text Placeholder 3"/>
+          <p:cNvSpPr>
+            <a:spLocks noGrp="1"/>
+          </p:cNvSpPr>
+          <p:nvPr>
+            <p:ph type="body" sz="half" idx="2"/>
+          </p:nvPr>
+        </p:nvSpPr>
+        <p:spPr>
+          <a:xfrm>
+            <a:off x="913795" y="5108728"/>
+            <a:ext cx="10353762" cy="682472"/>
+          </a:xfrm>
+        </p:spPr>
+        <p:txBody>
+          <a:bodyPr anchor="t"/>
+          <a:lstStyle>
+            <a:lvl1pPr marL="0" indent="0" algn="ctr">
+              <a:buNone/>
+              <a:defRPr sz="1600"/>
+            </a:lvl1pPr>
+            <a:lvl2pPr marL="457200" indent="0">
+              <a:buNone/>
+              <a:defRPr sz="1400"/>
+            </a:lvl2pPr>
+            <a:lvl3pPr marL="914400" indent="0">
+              <a:buNone/>
+              <a:defRPr sz="1200"/>
+            </a:lvl3pPr>
+            <a:lvl4pPr marL="1371600" indent="0">
+              <a:buNone/>
+              <a:defRPr sz="1000"/>
+            </a:lvl4pPr>
+            <a:lvl5pPr marL="1828800" indent="0">
+              <a:buNone/>
+              <a:defRPr sz="1000"/>
+            </a:lvl5pPr>
+            <a:lvl6pPr marL="2286000" indent="0">
+              <a:buNone/>
+              <a:defRPr sz="1000"/>
+            </a:lvl6pPr>
+            <a:lvl7pPr marL="2743200" indent="0">
+              <a:buNone/>
+              <a:defRPr sz="1000"/>
+            </a:lvl7pPr>
+            <a:lvl8pPr marL="3200400" indent="0">
+              <a:buNone/>
+              <a:defRPr sz="1000"/>
+            </a:lvl8pPr>
+            <a:lvl9pPr marL="3657600" indent="0">
+              <a:buNone/>
+              <a:defRPr sz="1000"/>
+            </a:lvl9pPr>
+          </a:lstStyle>
+          <a:p>
+            <a:pPr lvl="0"/>
+            <a:r>
+              <a:rPr lang="en-US"/>
+              <a:t>Edit Master text styles</a:t>
+            </a:r>
+          </a:p>
+        </p:txBody>
+      </p:sp>
+      <p:sp>
+        <p:nvSpPr>
+          <p:cNvPr id="5" name="Date Placeholder 4"/>
+          <p:cNvSpPr>
+            <a:spLocks noGrp="1"/>
+          </p:cNvSpPr>
+          <p:nvPr>
+            <p:ph type="dt" sz="half" idx="10"/>
+          </p:nvPr>
+        </p:nvSpPr>
+        <p:spPr/>
+        <p:txBody>
+          <a:bodyPr/>
+          <a:lstStyle/>
+          <a:p>
+            <a:fld id="{CC4FF940-D56D-4F52-9CB1-54894350CBF5}" type="datetimeFigureOut">
+              <a:rPr lang="en-US" smtClean="0"/>
+              <a:t>11/5/2017</a:t>
+            </a:fld>
+            <a:endParaRPr lang="en-US"/>
+          </a:p>
+        </p:txBody>
+      </p:sp>
+      <p:sp>
+        <p:nvSpPr>
+          <p:cNvPr id="6" name="Footer Placeholder 5"/>
+          <p:cNvSpPr>
+            <a:spLocks noGrp="1"/>
+          </p:cNvSpPr>
+          <p:nvPr>
+            <p:ph type="ftr" sz="quarter" idx="11"/>
+          </p:nvPr>
+        </p:nvSpPr>
+        <p:spPr/>
+        <p:txBody>
+          <a:bodyPr/>
+          <a:lstStyle/>
+          <a:p>
+            <a:endParaRPr lang="en-US"/>
+          </a:p>
+        </p:txBody>
+      </p:sp>
+      <p:sp>
+        <p:nvSpPr>
+          <p:cNvPr id="7" name="Slide Number Placeholder 6"/>
+          <p:cNvSpPr>
+            <a:spLocks noGrp="1"/>
+          </p:cNvSpPr>
+          <p:nvPr>
+            <p:ph type="sldNum" sz="quarter" idx="12"/>
+          </p:nvPr>
+        </p:nvSpPr>
+        <p:spPr/>
+        <p:txBody>
+          <a:bodyPr/>
+          <a:lstStyle/>
+          <a:p>
+            <a:fld id="{9ACD55D7-72B5-499C-8E96-299E45B464DD}" type="slidenum">
+              <a:rPr lang="en-US" smtClean="0"/>
+              <a:t>‹#›</a:t>
+            </a:fld>
+            <a:endParaRPr lang="en-US"/>
+          </a:p>
+        </p:txBody>
+      </p:sp>
+    </p:spTree>
+    <p:extLst>
+      <p:ext uri="{BB962C8B-B14F-4D97-AF65-F5344CB8AC3E}">
+        <p14:creationId xmlns:p14="http://schemas.microsoft.com/office/powerpoint/2010/main" val="1419029295"/>
+      </p:ext>
+    </p:extLst>
+  </p:cSld>
+  <p:clrMapOvr>
+    <a:masterClrMapping/>
+  </p:clrMapOvr>
+</p:sldLayout>
+</file>
+
+<file path=ppt/slideLayouts/slideLayout11.xml><?xml version="1.0" encoding="utf-8"?>
+<p:sldLayout xmlns:a="http://schemas.openxmlformats.org/drawingml/2006/main" xmlns:r="http://schemas.openxmlformats.org/officeDocument/2006/relationships" xmlns:p="http://schemas.openxmlformats.org/presentationml/2006/main" preserve="1">
+  <p:cSld name="Title and Caption">
+    <p:spTree>
+      <p:nvGrpSpPr>
+        <p:cNvPr id="1" name=""/>
+        <p:cNvGrpSpPr/>
+        <p:nvPr/>
+      </p:nvGrpSpPr>
+      <p:grpSpPr>
+        <a:xfrm>
+          <a:off x="0" y="0"/>
+          <a:ext cx="0" cy="0"/>
+          <a:chOff x="0" y="0"/>
+          <a:chExt cx="0" cy="0"/>
+        </a:xfrm>
+      </p:grpSpPr>
+      <p:sp>
+        <p:nvSpPr>
+          <p:cNvPr id="2" name="Title 1"/>
+          <p:cNvSpPr>
+            <a:spLocks noGrp="1"/>
+          </p:cNvSpPr>
+          <p:nvPr>
+            <p:ph type="title"/>
+          </p:nvPr>
+        </p:nvSpPr>
+        <p:spPr>
+          <a:xfrm>
+            <a:off x="913795" y="608437"/>
+            <a:ext cx="10353762" cy="3534344"/>
+          </a:xfrm>
+        </p:spPr>
+        <p:txBody>
+          <a:bodyPr anchor="ctr"/>
+          <a:lstStyle>
+            <a:lvl1pPr>
+              <a:defRPr sz="3200"/>
+            </a:lvl1pPr>
+          </a:lstStyle>
+          <a:p>
+            <a:r>
+              <a:rPr lang="en-US"/>
+              <a:t>Click to edit Master title style</a:t>
+            </a:r>
+            <a:endParaRPr lang="en-US" dirty="0"/>
+          </a:p>
+        </p:txBody>
+      </p:sp>
+      <p:sp>
+        <p:nvSpPr>
+          <p:cNvPr id="4" name="Text Placeholder 3"/>
+          <p:cNvSpPr>
+            <a:spLocks noGrp="1"/>
+          </p:cNvSpPr>
+          <p:nvPr>
+            <p:ph type="body" sz="half" idx="2"/>
+          </p:nvPr>
+        </p:nvSpPr>
+        <p:spPr>
+          <a:xfrm>
+            <a:off x="913794" y="4295180"/>
+            <a:ext cx="10353763" cy="1501826"/>
+          </a:xfrm>
+        </p:spPr>
+        <p:txBody>
+          <a:bodyPr anchor="ctr"/>
+          <a:lstStyle>
+            <a:lvl1pPr marL="0" indent="0" algn="ctr">
+              <a:buNone/>
+              <a:defRPr sz="1600"/>
+            </a:lvl1pPr>
+            <a:lvl2pPr marL="457200" indent="0">
+              <a:buNone/>
+              <a:defRPr sz="1400"/>
+            </a:lvl2pPr>
+            <a:lvl3pPr marL="914400" indent="0">
+              <a:buNone/>
+              <a:defRPr sz="1200"/>
+            </a:lvl3pPr>
+            <a:lvl4pPr marL="1371600" indent="0">
+              <a:buNone/>
+              <a:defRPr sz="1000"/>
+            </a:lvl4pPr>
+            <a:lvl5pPr marL="1828800" indent="0">
+              <a:buNone/>
+              <a:defRPr sz="1000"/>
+            </a:lvl5pPr>
+            <a:lvl6pPr marL="2286000" indent="0">
+              <a:buNone/>
+              <a:defRPr sz="1000"/>
+            </a:lvl6pPr>
+            <a:lvl7pPr marL="2743200" indent="0">
+              <a:buNone/>
+              <a:defRPr sz="1000"/>
+            </a:lvl7pPr>
+            <a:lvl8pPr marL="3200400" indent="0">
+              <a:buNone/>
+              <a:defRPr sz="1000"/>
+            </a:lvl8pPr>
+            <a:lvl9pPr marL="3657600" indent="0">
+              <a:buNone/>
+              <a:defRPr sz="1000"/>
+            </a:lvl9pPr>
+          </a:lstStyle>
+          <a:p>
+            <a:pPr lvl="0"/>
+            <a:r>
+              <a:rPr lang="en-US"/>
+              <a:t>Edit Master text styles</a:t>
+            </a:r>
+          </a:p>
+        </p:txBody>
+      </p:sp>
+      <p:sp>
+        <p:nvSpPr>
+          <p:cNvPr id="5" name="Date Placeholder 4"/>
+          <p:cNvSpPr>
+            <a:spLocks noGrp="1"/>
+          </p:cNvSpPr>
+          <p:nvPr>
+            <p:ph type="dt" sz="half" idx="10"/>
+          </p:nvPr>
+        </p:nvSpPr>
+        <p:spPr/>
+        <p:txBody>
+          <a:bodyPr/>
+          <a:lstStyle/>
+          <a:p>
+            <a:fld id="{CC4FF940-D56D-4F52-9CB1-54894350CBF5}" type="datetimeFigureOut">
+              <a:rPr lang="en-US" smtClean="0"/>
+              <a:t>11/5/2017</a:t>
+            </a:fld>
+            <a:endParaRPr lang="en-US"/>
+          </a:p>
+        </p:txBody>
+      </p:sp>
+      <p:sp>
+        <p:nvSpPr>
+          <p:cNvPr id="6" name="Footer Placeholder 5"/>
+          <p:cNvSpPr>
+            <a:spLocks noGrp="1"/>
+          </p:cNvSpPr>
+          <p:nvPr>
+            <p:ph type="ftr" sz="quarter" idx="11"/>
+          </p:nvPr>
+        </p:nvSpPr>
+        <p:spPr/>
+        <p:txBody>
+          <a:bodyPr/>
+          <a:lstStyle/>
+          <a:p>
+            <a:endParaRPr lang="en-US"/>
+          </a:p>
+        </p:txBody>
+      </p:sp>
+      <p:sp>
+        <p:nvSpPr>
+          <p:cNvPr id="7" name="Slide Number Placeholder 6"/>
+          <p:cNvSpPr>
+            <a:spLocks noGrp="1"/>
+          </p:cNvSpPr>
+          <p:nvPr>
+            <p:ph type="sldNum" sz="quarter" idx="12"/>
+          </p:nvPr>
+        </p:nvSpPr>
+        <p:spPr/>
+        <p:txBody>
+          <a:bodyPr/>
+          <a:lstStyle/>
+          <a:p>
+            <a:fld id="{9ACD55D7-72B5-499C-8E96-299E45B464DD}" type="slidenum">
+              <a:rPr lang="en-US" smtClean="0"/>
+              <a:t>‹#›</a:t>
+            </a:fld>
+            <a:endParaRPr lang="en-US"/>
+          </a:p>
+        </p:txBody>
+      </p:sp>
+    </p:spTree>
+    <p:extLst>
+      <p:ext uri="{BB962C8B-B14F-4D97-AF65-F5344CB8AC3E}">
+        <p14:creationId xmlns:p14="http://schemas.microsoft.com/office/powerpoint/2010/main" val="884650794"/>
+      </p:ext>
+    </p:extLst>
+  </p:cSld>
+  <p:clrMapOvr>
+    <a:masterClrMapping/>
+  </p:clrMapOvr>
+</p:sldLayout>
+</file>
+
+<file path=ppt/slideLayouts/slideLayout12.xml><?xml version="1.0" encoding="utf-8"?>
+<p:sldLayout xmlns:a="http://schemas.openxmlformats.org/drawingml/2006/main" xmlns:r="http://schemas.openxmlformats.org/officeDocument/2006/relationships" xmlns:p="http://schemas.openxmlformats.org/presentationml/2006/main" preserve="1">
+  <p:cSld name="Quote with Caption">
+    <p:spTree>
+      <p:nvGrpSpPr>
+        <p:cNvPr id="1" name=""/>
+        <p:cNvGrpSpPr/>
+        <p:nvPr/>
+      </p:nvGrpSpPr>
+      <p:grpSpPr>
+        <a:xfrm>
+          <a:off x="0" y="0"/>
+          <a:ext cx="0" cy="0"/>
+          <a:chOff x="0" y="0"/>
+          <a:chExt cx="0" cy="0"/>
+        </a:xfrm>
+      </p:grpSpPr>
+      <p:sp>
+        <p:nvSpPr>
+          <p:cNvPr id="2" name="Title 1"/>
+          <p:cNvSpPr>
+            <a:spLocks noGrp="1"/>
+          </p:cNvSpPr>
+          <p:nvPr>
+            <p:ph type="title"/>
+          </p:nvPr>
+        </p:nvSpPr>
+        <p:spPr>
+          <a:xfrm>
+            <a:off x="1446212" y="609600"/>
+            <a:ext cx="9302752" cy="2992904"/>
+          </a:xfrm>
+        </p:spPr>
+        <p:txBody>
+          <a:bodyPr anchor="ctr"/>
+          <a:lstStyle>
+            <a:lvl1pPr>
+              <a:defRPr sz="3200"/>
+            </a:lvl1pPr>
+          </a:lstStyle>
+          <a:p>
+            <a:r>
+              <a:rPr lang="en-US"/>
+              <a:t>Click to edit Master title style</a:t>
+            </a:r>
+            <a:endParaRPr lang="en-US" dirty="0"/>
+          </a:p>
+        </p:txBody>
+      </p:sp>
+      <p:sp>
+        <p:nvSpPr>
+          <p:cNvPr id="12" name="Text Placeholder 3"/>
+          <p:cNvSpPr>
+            <a:spLocks noGrp="1"/>
+          </p:cNvSpPr>
+          <p:nvPr>
+            <p:ph type="body" sz="half" idx="13"/>
+          </p:nvPr>
+        </p:nvSpPr>
+        <p:spPr>
+          <a:xfrm>
+            <a:off x="1720644" y="3610032"/>
+            <a:ext cx="8752299" cy="532749"/>
+          </a:xfrm>
+        </p:spPr>
+        <p:txBody>
+          <a:bodyPr anchor="t">
+            <a:normAutofit/>
+          </a:bodyPr>
+          <a:lstStyle>
+            <a:lvl1pPr marL="0" indent="0" algn="r">
+              <a:buNone/>
+              <a:defRPr sz="1400"/>
+            </a:lvl1pPr>
+            <a:lvl2pPr marL="457200" indent="0">
+              <a:buNone/>
+              <a:defRPr sz="1400"/>
+            </a:lvl2pPr>
+            <a:lvl3pPr marL="914400" indent="0">
+              <a:buNone/>
+              <a:defRPr sz="1200"/>
+            </a:lvl3pPr>
+            <a:lvl4pPr marL="1371600" indent="0">
+              <a:buNone/>
+              <a:defRPr sz="1000"/>
+            </a:lvl4pPr>
+            <a:lvl5pPr marL="1828800" indent="0">
+              <a:buNone/>
+              <a:defRPr sz="1000"/>
+            </a:lvl5pPr>
+            <a:lvl6pPr marL="2286000" indent="0">
+              <a:buNone/>
+              <a:defRPr sz="1000"/>
+            </a:lvl6pPr>
+            <a:lvl7pPr marL="2743200" indent="0">
+              <a:buNone/>
+              <a:defRPr sz="1000"/>
+            </a:lvl7pPr>
+            <a:lvl8pPr marL="3200400" indent="0">
+              <a:buNone/>
+              <a:defRPr sz="1000"/>
+            </a:lvl8pPr>
+            <a:lvl9pPr marL="3657600" indent="0">
+              <a:buNone/>
+              <a:defRPr sz="1000"/>
+            </a:lvl9pPr>
+          </a:lstStyle>
+          <a:p>
+            <a:pPr lvl="0"/>
+            <a:r>
+              <a:rPr lang="en-US"/>
+              <a:t>Edit Master text styles</a:t>
+            </a:r>
+          </a:p>
+        </p:txBody>
+      </p:sp>
+      <p:sp>
+        <p:nvSpPr>
+          <p:cNvPr id="4" name="Text Placeholder 3"/>
+          <p:cNvSpPr>
+            <a:spLocks noGrp="1"/>
+          </p:cNvSpPr>
+          <p:nvPr>
+            <p:ph type="body" sz="half" idx="2"/>
+          </p:nvPr>
+        </p:nvSpPr>
+        <p:spPr>
+          <a:xfrm>
+            <a:off x="913794" y="4304353"/>
+            <a:ext cx="10353763" cy="1489496"/>
+          </a:xfrm>
+        </p:spPr>
+        <p:txBody>
+          <a:bodyPr anchor="ctr">
+            <a:normAutofit/>
+          </a:bodyPr>
+          <a:lstStyle>
+            <a:lvl1pPr marL="0" indent="0" algn="ctr">
+              <a:buNone/>
+              <a:defRPr sz="1600"/>
+            </a:lvl1pPr>
+            <a:lvl2pPr marL="457200" indent="0">
+              <a:buNone/>
+              <a:defRPr sz="1400"/>
+            </a:lvl2pPr>
+            <a:lvl3pPr marL="914400" indent="0">
+              <a:buNone/>
+              <a:defRPr sz="1200"/>
+            </a:lvl3pPr>
+            <a:lvl4pPr marL="1371600" indent="0">
+              <a:buNone/>
+              <a:defRPr sz="1000"/>
+            </a:lvl4pPr>
+            <a:lvl5pPr marL="1828800" indent="0">
+              <a:buNone/>
+              <a:defRPr sz="1000"/>
+            </a:lvl5pPr>
+            <a:lvl6pPr marL="2286000" indent="0">
+              <a:buNone/>
+              <a:defRPr sz="1000"/>
+            </a:lvl6pPr>
+            <a:lvl7pPr marL="2743200" indent="0">
+              <a:buNone/>
+              <a:defRPr sz="1000"/>
+            </a:lvl7pPr>
+            <a:lvl8pPr marL="3200400" indent="0">
+              <a:buNone/>
+              <a:defRPr sz="1000"/>
+            </a:lvl8pPr>
+            <a:lvl9pPr marL="3657600" indent="0">
+              <a:buNone/>
+              <a:defRPr sz="1000"/>
+            </a:lvl9pPr>
+          </a:lstStyle>
+          <a:p>
+            <a:pPr lvl="0"/>
+            <a:r>
+              <a:rPr lang="en-US"/>
+              <a:t>Edit Master text styles</a:t>
+            </a:r>
+          </a:p>
+        </p:txBody>
+      </p:sp>
+      <p:sp>
+        <p:nvSpPr>
+          <p:cNvPr id="5" name="Date Placeholder 4"/>
+          <p:cNvSpPr>
+            <a:spLocks noGrp="1"/>
+          </p:cNvSpPr>
+          <p:nvPr>
+            <p:ph type="dt" sz="half" idx="10"/>
+          </p:nvPr>
+        </p:nvSpPr>
+        <p:spPr/>
+        <p:txBody>
+          <a:bodyPr/>
+          <a:lstStyle/>
+          <a:p>
+            <a:fld id="{CC4FF940-D56D-4F52-9CB1-54894350CBF5}" type="datetimeFigureOut">
+              <a:rPr lang="en-US" smtClean="0"/>
+              <a:t>11/5/2017</a:t>
+            </a:fld>
+            <a:endParaRPr lang="en-US"/>
+          </a:p>
+        </p:txBody>
+      </p:sp>
+      <p:sp>
+        <p:nvSpPr>
+          <p:cNvPr id="6" name="Footer Placeholder 5"/>
+          <p:cNvSpPr>
+            <a:spLocks noGrp="1"/>
+          </p:cNvSpPr>
+          <p:nvPr>
+            <p:ph type="ftr" sz="quarter" idx="11"/>
+          </p:nvPr>
+        </p:nvSpPr>
+        <p:spPr/>
+        <p:txBody>
+          <a:bodyPr/>
+          <a:lstStyle/>
+          <a:p>
+            <a:endParaRPr lang="en-US"/>
+          </a:p>
+        </p:txBody>
+      </p:sp>
+      <p:sp>
+        <p:nvSpPr>
+          <p:cNvPr id="7" name="Slide Number Placeholder 6"/>
+          <p:cNvSpPr>
+            <a:spLocks noGrp="1"/>
+          </p:cNvSpPr>
+          <p:nvPr>
+            <p:ph type="sldNum" sz="quarter" idx="12"/>
+          </p:nvPr>
+        </p:nvSpPr>
+        <p:spPr/>
+        <p:txBody>
+          <a:bodyPr/>
+          <a:lstStyle/>
+          <a:p>
+            <a:fld id="{9ACD55D7-72B5-499C-8E96-299E45B464DD}" type="slidenum">
+              <a:rPr lang="en-US" smtClean="0"/>
+              <a:t>‹#›</a:t>
+            </a:fld>
+            <a:endParaRPr lang="en-US"/>
+          </a:p>
+        </p:txBody>
+      </p:sp>
+      <p:sp>
+        <p:nvSpPr>
+          <p:cNvPr id="11" name="TextBox 10"/>
+          <p:cNvSpPr txBox="1"/>
+          <p:nvPr/>
+        </p:nvSpPr>
+        <p:spPr>
+          <a:xfrm>
+            <a:off x="990600" y="884796"/>
+            <a:ext cx="609600" cy="584776"/>
+          </a:xfrm>
+          <a:prstGeom prst="rect">
+            <a:avLst/>
+          </a:prstGeom>
+        </p:spPr>
+        <p:txBody>
+          <a:bodyPr vert="horz" lIns="91440" tIns="45720" rIns="91440" bIns="45720" rtlCol="0" anchor="ctr">
+            <a:noAutofit/>
+          </a:bodyPr>
+          <a:lstStyle>
+            <a:lvl1pPr>
+              <a:spcBef>
+                <a:spcPct val="0"/>
+              </a:spcBef>
+              <a:buNone/>
+              <a:defRPr sz="3200" b="0" cap="all">
+                <a:ln w="3175" cmpd="sng">
+                  <a:noFill/>
+                </a:ln>
+                <a:effectLst>
+                  <a:glow rad="38100">
+                    <a:schemeClr val="bg1">
+                      <a:lumMod val="65000"/>
+                      <a:lumOff val="35000"/>
+                      <a:alpha val="40000"/>
+                    </a:schemeClr>
+                  </a:glow>
+                  <a:outerShdw blurRad="28575" dist="38100" dir="14040000" algn="tl" rotWithShape="0">
+                    <a:srgbClr val="000000">
+                      <a:alpha val="25000"/>
+                    </a:srgbClr>
+                  </a:outerShdw>
+                </a:effectLst>
+              </a:defRPr>
+            </a:lvl1pPr>
+            <a:lvl2pPr>
+              <a:defRPr>
+                <a:solidFill>
+                  <a:schemeClr val="tx2"/>
+                </a:solidFill>
+              </a:defRPr>
+            </a:lvl2pPr>
+            <a:lvl3pPr>
+              <a:defRPr>
+                <a:solidFill>
+                  <a:schemeClr val="tx2"/>
+                </a:solidFill>
+              </a:defRPr>
+            </a:lvl3pPr>
+            <a:lvl4pPr>
+              <a:defRPr>
+                <a:solidFill>
+                  <a:schemeClr val="tx2"/>
+                </a:solidFill>
+              </a:defRPr>
+            </a:lvl4pPr>
+            <a:lvl5pPr>
+              <a:defRPr>
+                <a:solidFill>
+                  <a:schemeClr val="tx2"/>
+                </a:solidFill>
+              </a:defRPr>
+            </a:lvl5pPr>
+            <a:lvl6pPr>
+              <a:defRPr>
+                <a:solidFill>
+                  <a:schemeClr val="tx2"/>
+                </a:solidFill>
+              </a:defRPr>
+            </a:lvl6pPr>
+            <a:lvl7pPr>
+              <a:defRPr>
+                <a:solidFill>
+                  <a:schemeClr val="tx2"/>
+                </a:solidFill>
+              </a:defRPr>
+            </a:lvl7pPr>
+            <a:lvl8pPr>
+              <a:defRPr>
+                <a:solidFill>
+                  <a:schemeClr val="tx2"/>
+                </a:solidFill>
+              </a:defRPr>
+            </a:lvl8pPr>
+            <a:lvl9pPr>
+              <a:defRPr>
+                <a:solidFill>
+                  <a:schemeClr val="tx2"/>
+                </a:solidFill>
+              </a:defRPr>
+            </a:lvl9pPr>
+          </a:lstStyle>
+          <a:p>
+            <a:pPr lvl="0"/>
+            <a:r>
+              <a:rPr lang="en-US" sz="8000" dirty="0">
+                <a:solidFill>
+                  <a:schemeClr val="tx1"/>
+                </a:solidFill>
+                <a:effectLst/>
+              </a:rPr>
+              <a:t>“</a:t>
+            </a:r>
+          </a:p>
+        </p:txBody>
+      </p:sp>
+      <p:sp>
+        <p:nvSpPr>
+          <p:cNvPr id="13" name="TextBox 12"/>
+          <p:cNvSpPr txBox="1"/>
+          <p:nvPr/>
+        </p:nvSpPr>
+        <p:spPr>
+          <a:xfrm>
+            <a:off x="10504716" y="2928258"/>
+            <a:ext cx="609600" cy="584776"/>
+          </a:xfrm>
+          <a:prstGeom prst="rect">
+            <a:avLst/>
+          </a:prstGeom>
+        </p:spPr>
+        <p:txBody>
+          <a:bodyPr vert="horz" lIns="91440" tIns="45720" rIns="91440" bIns="45720" rtlCol="0" anchor="ctr">
+            <a:noAutofit/>
+          </a:bodyPr>
+          <a:lstStyle>
+            <a:lvl1pPr>
+              <a:spcBef>
+                <a:spcPct val="0"/>
+              </a:spcBef>
+              <a:buNone/>
+              <a:defRPr sz="3200" b="0" cap="all">
+                <a:ln w="3175" cmpd="sng">
+                  <a:noFill/>
+                </a:ln>
+                <a:effectLst>
+                  <a:glow rad="38100">
+                    <a:schemeClr val="bg1">
+                      <a:lumMod val="65000"/>
+                      <a:lumOff val="35000"/>
+                      <a:alpha val="40000"/>
+                    </a:schemeClr>
+                  </a:glow>
+                  <a:outerShdw blurRad="28575" dist="38100" dir="14040000" algn="tl" rotWithShape="0">
+                    <a:srgbClr val="000000">
+                      <a:alpha val="25000"/>
+                    </a:srgbClr>
+                  </a:outerShdw>
+                </a:effectLst>
+              </a:defRPr>
+            </a:lvl1pPr>
+            <a:lvl2pPr>
+              <a:defRPr>
+                <a:solidFill>
+                  <a:schemeClr val="tx2"/>
+                </a:solidFill>
+              </a:defRPr>
+            </a:lvl2pPr>
+            <a:lvl3pPr>
+              <a:defRPr>
+                <a:solidFill>
+                  <a:schemeClr val="tx2"/>
+                </a:solidFill>
+              </a:defRPr>
+            </a:lvl3pPr>
+            <a:lvl4pPr>
+              <a:defRPr>
+                <a:solidFill>
+                  <a:schemeClr val="tx2"/>
+                </a:solidFill>
+              </a:defRPr>
+            </a:lvl4pPr>
+            <a:lvl5pPr>
+              <a:defRPr>
+                <a:solidFill>
+                  <a:schemeClr val="tx2"/>
+                </a:solidFill>
+              </a:defRPr>
+            </a:lvl5pPr>
+            <a:lvl6pPr>
+              <a:defRPr>
+                <a:solidFill>
+                  <a:schemeClr val="tx2"/>
+                </a:solidFill>
+              </a:defRPr>
+            </a:lvl6pPr>
+            <a:lvl7pPr>
+              <a:defRPr>
+                <a:solidFill>
+                  <a:schemeClr val="tx2"/>
+                </a:solidFill>
+              </a:defRPr>
+            </a:lvl7pPr>
+            <a:lvl8pPr>
+              <a:defRPr>
+                <a:solidFill>
+                  <a:schemeClr val="tx2"/>
+                </a:solidFill>
+              </a:defRPr>
+            </a:lvl8pPr>
+            <a:lvl9pPr>
+              <a:defRPr>
+                <a:solidFill>
+                  <a:schemeClr val="tx2"/>
+                </a:solidFill>
+              </a:defRPr>
+            </a:lvl9pPr>
+          </a:lstStyle>
+          <a:p>
+            <a:pPr lvl="0" algn="r"/>
+            <a:r>
+              <a:rPr lang="en-US" sz="8000" dirty="0">
+                <a:solidFill>
+                  <a:schemeClr val="tx1"/>
+                </a:solidFill>
+                <a:effectLst/>
+              </a:rPr>
+              <a:t>”</a:t>
+            </a:r>
+          </a:p>
+        </p:txBody>
+      </p:sp>
+    </p:spTree>
+    <p:extLst>
+      <p:ext uri="{BB962C8B-B14F-4D97-AF65-F5344CB8AC3E}">
+        <p14:creationId xmlns:p14="http://schemas.microsoft.com/office/powerpoint/2010/main" val="2231013347"/>
+      </p:ext>
+    </p:extLst>
+  </p:cSld>
+  <p:clrMapOvr>
+    <a:masterClrMapping/>
+  </p:clrMapOvr>
+</p:sldLayout>
+</file>
+
+<file path=ppt/slideLayouts/slideLayout13.xml><?xml version="1.0" encoding="utf-8"?>
+<p:sldLayout xmlns:a="http://schemas.openxmlformats.org/drawingml/2006/main" xmlns:r="http://schemas.openxmlformats.org/officeDocument/2006/relationships" xmlns:p="http://schemas.openxmlformats.org/presentationml/2006/main" preserve="1">
+  <p:cSld name="Name Card">
+    <p:spTree>
+      <p:nvGrpSpPr>
+        <p:cNvPr id="1" name=""/>
+        <p:cNvGrpSpPr/>
+        <p:nvPr/>
+      </p:nvGrpSpPr>
+      <p:grpSpPr>
+        <a:xfrm>
+          <a:off x="0" y="0"/>
+          <a:ext cx="0" cy="0"/>
+          <a:chOff x="0" y="0"/>
+          <a:chExt cx="0" cy="0"/>
+        </a:xfrm>
+      </p:grpSpPr>
+      <p:sp>
+        <p:nvSpPr>
+          <p:cNvPr id="2" name="Title 1"/>
+          <p:cNvSpPr>
+            <a:spLocks noGrp="1"/>
+          </p:cNvSpPr>
+          <p:nvPr>
+            <p:ph type="title"/>
+          </p:nvPr>
+        </p:nvSpPr>
+        <p:spPr>
+          <a:xfrm>
+            <a:off x="913794" y="2126942"/>
+            <a:ext cx="10353763" cy="2511835"/>
+          </a:xfrm>
+        </p:spPr>
+        <p:txBody>
+          <a:bodyPr anchor="b"/>
+          <a:lstStyle>
+            <a:lvl1pPr>
+              <a:defRPr sz="3200"/>
+            </a:lvl1pPr>
+          </a:lstStyle>
+          <a:p>
+            <a:r>
+              <a:rPr lang="en-US"/>
+              <a:t>Click to edit Master title style</a:t>
+            </a:r>
+            <a:endParaRPr lang="en-US" dirty="0"/>
+          </a:p>
+        </p:txBody>
+      </p:sp>
+      <p:sp>
+        <p:nvSpPr>
+          <p:cNvPr id="4" name="Text Placeholder 3"/>
+          <p:cNvSpPr>
+            <a:spLocks noGrp="1"/>
+          </p:cNvSpPr>
+          <p:nvPr>
+            <p:ph type="body" sz="half" idx="2"/>
+          </p:nvPr>
+        </p:nvSpPr>
+        <p:spPr>
+          <a:xfrm>
+            <a:off x="913784" y="4650556"/>
+            <a:ext cx="10352199" cy="1140644"/>
+          </a:xfrm>
+        </p:spPr>
+        <p:txBody>
+          <a:bodyPr anchor="t"/>
+          <a:lstStyle>
+            <a:lvl1pPr marL="0" indent="0" algn="ctr">
+              <a:buNone/>
+              <a:defRPr sz="1600"/>
+            </a:lvl1pPr>
+            <a:lvl2pPr marL="457200" indent="0">
+              <a:buNone/>
+              <a:defRPr sz="1400"/>
+            </a:lvl2pPr>
+            <a:lvl3pPr marL="914400" indent="0">
+              <a:buNone/>
+              <a:defRPr sz="1200"/>
+            </a:lvl3pPr>
+            <a:lvl4pPr marL="1371600" indent="0">
+              <a:buNone/>
+              <a:defRPr sz="1000"/>
+            </a:lvl4pPr>
+            <a:lvl5pPr marL="1828800" indent="0">
+              <a:buNone/>
+              <a:defRPr sz="1000"/>
+            </a:lvl5pPr>
+            <a:lvl6pPr marL="2286000" indent="0">
+              <a:buNone/>
+              <a:defRPr sz="1000"/>
+            </a:lvl6pPr>
+            <a:lvl7pPr marL="2743200" indent="0">
+              <a:buNone/>
+              <a:defRPr sz="1000"/>
+            </a:lvl7pPr>
+            <a:lvl8pPr marL="3200400" indent="0">
+              <a:buNone/>
+              <a:defRPr sz="1000"/>
+            </a:lvl8pPr>
+            <a:lvl9pPr marL="3657600" indent="0">
+              <a:buNone/>
+              <a:defRPr sz="1000"/>
+            </a:lvl9pPr>
+          </a:lstStyle>
+          <a:p>
+            <a:pPr lvl="0"/>
+            <a:r>
+              <a:rPr lang="en-US"/>
+              <a:t>Edit Master text styles</a:t>
+            </a:r>
+          </a:p>
+        </p:txBody>
+      </p:sp>
+      <p:sp>
+        <p:nvSpPr>
+          <p:cNvPr id="5" name="Date Placeholder 4"/>
+          <p:cNvSpPr>
+            <a:spLocks noGrp="1"/>
+          </p:cNvSpPr>
+          <p:nvPr>
+            <p:ph type="dt" sz="half" idx="10"/>
+          </p:nvPr>
+        </p:nvSpPr>
+        <p:spPr/>
+        <p:txBody>
+          <a:bodyPr/>
+          <a:lstStyle/>
+          <a:p>
+            <a:fld id="{CC4FF940-D56D-4F52-9CB1-54894350CBF5}" type="datetimeFigureOut">
+              <a:rPr lang="en-US" smtClean="0"/>
+              <a:t>11/5/2017</a:t>
+            </a:fld>
+            <a:endParaRPr lang="en-US"/>
+          </a:p>
+        </p:txBody>
+      </p:sp>
+      <p:sp>
+        <p:nvSpPr>
+          <p:cNvPr id="6" name="Footer Placeholder 5"/>
+          <p:cNvSpPr>
+            <a:spLocks noGrp="1"/>
+          </p:cNvSpPr>
+          <p:nvPr>
+            <p:ph type="ftr" sz="quarter" idx="11"/>
+          </p:nvPr>
+        </p:nvSpPr>
+        <p:spPr/>
+        <p:txBody>
+          <a:bodyPr/>
+          <a:lstStyle/>
+          <a:p>
+            <a:endParaRPr lang="en-US"/>
+          </a:p>
+        </p:txBody>
+      </p:sp>
+      <p:sp>
+        <p:nvSpPr>
+          <p:cNvPr id="7" name="Slide Number Placeholder 6"/>
+          <p:cNvSpPr>
+            <a:spLocks noGrp="1"/>
+          </p:cNvSpPr>
+          <p:nvPr>
+            <p:ph type="sldNum" sz="quarter" idx="12"/>
+          </p:nvPr>
+        </p:nvSpPr>
+        <p:spPr/>
+        <p:txBody>
+          <a:bodyPr/>
+          <a:lstStyle/>
+          <a:p>
+            <a:fld id="{9ACD55D7-72B5-499C-8E96-299E45B464DD}" type="slidenum">
+              <a:rPr lang="en-US" smtClean="0"/>
+              <a:t>‹#›</a:t>
+            </a:fld>
+            <a:endParaRPr lang="en-US"/>
+          </a:p>
+        </p:txBody>
+      </p:sp>
+    </p:spTree>
+    <p:extLst>
+      <p:ext uri="{BB962C8B-B14F-4D97-AF65-F5344CB8AC3E}">
+        <p14:creationId xmlns:p14="http://schemas.microsoft.com/office/powerpoint/2010/main" val="87979099"/>
+      </p:ext>
+    </p:extLst>
+  </p:cSld>
+  <p:clrMapOvr>
+    <a:masterClrMapping/>
+  </p:clrMapOvr>
+</p:sldLayout>
+</file>
+
+<file path=ppt/slideLayouts/slideLayout14.xml><?xml version="1.0" encoding="utf-8"?>
+<p:sldLayout xmlns:a="http://schemas.openxmlformats.org/drawingml/2006/main" xmlns:r="http://schemas.openxmlformats.org/officeDocument/2006/relationships" xmlns:p="http://schemas.openxmlformats.org/presentationml/2006/main" preserve="1">
+  <p:cSld name="3 Column">
+    <p:spTree>
+      <p:nvGrpSpPr>
+        <p:cNvPr id="1" name=""/>
+        <p:cNvGrpSpPr/>
+        <p:nvPr/>
+      </p:nvGrpSpPr>
+      <p:grpSpPr>
+        <a:xfrm>
+          <a:off x="0" y="0"/>
+          <a:ext cx="0" cy="0"/>
+          <a:chOff x="0" y="0"/>
+          <a:chExt cx="0" cy="0"/>
+        </a:xfrm>
+      </p:grpSpPr>
+      <p:sp>
+        <p:nvSpPr>
+          <p:cNvPr id="15" name="Title 1"/>
+          <p:cNvSpPr>
+            <a:spLocks noGrp="1"/>
+          </p:cNvSpPr>
+          <p:nvPr>
+            <p:ph type="title"/>
+          </p:nvPr>
+        </p:nvSpPr>
+        <p:spPr>
+          <a:xfrm>
+            <a:off x="913795" y="609600"/>
+            <a:ext cx="10353762" cy="970450"/>
+          </a:xfrm>
+        </p:spPr>
+        <p:txBody>
+          <a:bodyPr/>
+          <a:lstStyle/>
+          <a:p>
+            <a:r>
+              <a:rPr lang="en-US"/>
+              <a:t>Click to edit Master title style</a:t>
+            </a:r>
+            <a:endParaRPr lang="en-US" dirty="0"/>
+          </a:p>
+        </p:txBody>
+      </p:sp>
+      <p:sp>
+        <p:nvSpPr>
+          <p:cNvPr id="7" name="Text Placeholder 2"/>
+          <p:cNvSpPr>
+            <a:spLocks noGrp="1"/>
+          </p:cNvSpPr>
+          <p:nvPr>
+            <p:ph type="body" idx="1"/>
+          </p:nvPr>
+        </p:nvSpPr>
+        <p:spPr>
+          <a:xfrm>
+            <a:off x="913795" y="1885950"/>
+            <a:ext cx="3300984" cy="576262"/>
+          </a:xfrm>
+        </p:spPr>
+        <p:txBody>
+          <a:bodyPr anchor="b">
+            <a:noAutofit/>
+          </a:bodyPr>
+          <a:lstStyle>
+            <a:lvl1pPr marL="0" indent="0" algn="ctr">
+              <a:buNone/>
+              <a:defRPr sz="2400" b="0">
+                <a:solidFill>
+                  <a:schemeClr val="tx1"/>
+                </a:solidFill>
+              </a:defRPr>
+            </a:lvl1pPr>
+            <a:lvl2pPr marL="457200" indent="0">
+              <a:buNone/>
+              <a:defRPr sz="2000" b="1"/>
+            </a:lvl2pPr>
+            <a:lvl3pPr marL="914400" indent="0">
+              <a:buNone/>
+              <a:defRPr sz="1800" b="1"/>
+            </a:lvl3pPr>
+            <a:lvl4pPr marL="1371600" indent="0">
+              <a:buNone/>
+              <a:defRPr sz="1600" b="1"/>
+            </a:lvl4pPr>
+            <a:lvl5pPr marL="1828800" indent="0">
+              <a:buNone/>
+              <a:defRPr sz="1600" b="1"/>
+            </a:lvl5pPr>
+            <a:lvl6pPr marL="2286000" indent="0">
+              <a:buNone/>
+              <a:defRPr sz="1600" b="1"/>
+            </a:lvl6pPr>
+            <a:lvl7pPr marL="2743200" indent="0">
+              <a:buNone/>
+              <a:defRPr sz="1600" b="1"/>
+            </a:lvl7pPr>
+            <a:lvl8pPr marL="3200400" indent="0">
+              <a:buNone/>
+              <a:defRPr sz="1600" b="1"/>
+            </a:lvl8pPr>
+            <a:lvl9pPr marL="3657600" indent="0">
+              <a:buNone/>
+              <a:defRPr sz="1600" b="1"/>
+            </a:lvl9pPr>
+          </a:lstStyle>
+          <a:p>
+            <a:pPr lvl="0"/>
+            <a:r>
+              <a:rPr lang="en-US"/>
+              <a:t>Edit Master text styles</a:t>
+            </a:r>
+          </a:p>
+        </p:txBody>
+      </p:sp>
+      <p:sp>
+        <p:nvSpPr>
+          <p:cNvPr id="8" name="Text Placeholder 3"/>
+          <p:cNvSpPr>
+            <a:spLocks noGrp="1"/>
+          </p:cNvSpPr>
+          <p:nvPr>
+            <p:ph type="body" sz="half" idx="15"/>
+          </p:nvPr>
+        </p:nvSpPr>
+        <p:spPr>
+          <a:xfrm>
+            <a:off x="913795" y="2571750"/>
+            <a:ext cx="3300984" cy="3219450"/>
+          </a:xfrm>
+        </p:spPr>
+        <p:txBody>
+          <a:bodyPr anchor="t">
+            <a:normAutofit/>
+          </a:bodyPr>
+          <a:lstStyle>
+            <a:lvl1pPr marL="0" indent="0" algn="ctr">
+              <a:buNone/>
+              <a:defRPr sz="1400"/>
+            </a:lvl1pPr>
+            <a:lvl2pPr marL="457200" indent="0">
+              <a:buNone/>
+              <a:defRPr sz="1200"/>
+            </a:lvl2pPr>
+            <a:lvl3pPr marL="914400" indent="0">
+              <a:buNone/>
+              <a:defRPr sz="1000"/>
+            </a:lvl3pPr>
+            <a:lvl4pPr marL="1371600" indent="0">
+              <a:buNone/>
+              <a:defRPr sz="900"/>
+            </a:lvl4pPr>
+            <a:lvl5pPr marL="1828800" indent="0">
+              <a:buNone/>
+              <a:defRPr sz="900"/>
+            </a:lvl5pPr>
+            <a:lvl6pPr marL="2286000" indent="0">
+              <a:buNone/>
+              <a:defRPr sz="900"/>
+            </a:lvl6pPr>
+            <a:lvl7pPr marL="2743200" indent="0">
+              <a:buNone/>
+              <a:defRPr sz="900"/>
+            </a:lvl7pPr>
+            <a:lvl8pPr marL="3200400" indent="0">
+              <a:buNone/>
+              <a:defRPr sz="900"/>
+            </a:lvl8pPr>
+            <a:lvl9pPr marL="3657600" indent="0">
+              <a:buNone/>
+              <a:defRPr sz="900"/>
+            </a:lvl9pPr>
+          </a:lstStyle>
+          <a:p>
+            <a:pPr lvl="0"/>
+            <a:r>
+              <a:rPr lang="en-US"/>
+              <a:t>Edit Master text styles</a:t>
+            </a:r>
+          </a:p>
+        </p:txBody>
+      </p:sp>
+      <p:sp>
+        <p:nvSpPr>
+          <p:cNvPr id="9" name="Text Placeholder 4"/>
+          <p:cNvSpPr>
+            <a:spLocks noGrp="1"/>
+          </p:cNvSpPr>
+          <p:nvPr>
+            <p:ph type="body" sz="quarter" idx="3"/>
+          </p:nvPr>
+        </p:nvSpPr>
+        <p:spPr>
+          <a:xfrm>
+            <a:off x="4446711" y="1885950"/>
+            <a:ext cx="3300984" cy="576262"/>
+          </a:xfrm>
+        </p:spPr>
+        <p:txBody>
+          <a:bodyPr anchor="b">
+            <a:noAutofit/>
+          </a:bodyPr>
+          <a:lstStyle>
+            <a:lvl1pPr marL="0" indent="0" algn="ctr">
+              <a:buNone/>
+              <a:defRPr sz="2400" b="0">
+                <a:solidFill>
+                  <a:schemeClr val="tx1"/>
+                </a:solidFill>
+              </a:defRPr>
+            </a:lvl1pPr>
+            <a:lvl2pPr marL="457200" indent="0">
+              <a:buNone/>
+              <a:defRPr sz="2000" b="1"/>
+            </a:lvl2pPr>
+            <a:lvl3pPr marL="914400" indent="0">
+              <a:buNone/>
+              <a:defRPr sz="1800" b="1"/>
+            </a:lvl3pPr>
+            <a:lvl4pPr marL="1371600" indent="0">
+              <a:buNone/>
+              <a:defRPr sz="1600" b="1"/>
+            </a:lvl4pPr>
+            <a:lvl5pPr marL="1828800" indent="0">
+              <a:buNone/>
+              <a:defRPr sz="1600" b="1"/>
+            </a:lvl5pPr>
+            <a:lvl6pPr marL="2286000" indent="0">
+              <a:buNone/>
+              <a:defRPr sz="1600" b="1"/>
+            </a:lvl6pPr>
+            <a:lvl7pPr marL="2743200" indent="0">
+              <a:buNone/>
+              <a:defRPr sz="1600" b="1"/>
+            </a:lvl7pPr>
+            <a:lvl8pPr marL="3200400" indent="0">
+              <a:buNone/>
+              <a:defRPr sz="1600" b="1"/>
+            </a:lvl8pPr>
+            <a:lvl9pPr marL="3657600" indent="0">
+              <a:buNone/>
+              <a:defRPr sz="1600" b="1"/>
+            </a:lvl9pPr>
+          </a:lstStyle>
+          <a:p>
+            <a:pPr lvl="0"/>
+            <a:r>
+              <a:rPr lang="en-US"/>
+              <a:t>Edit Master text styles</a:t>
+            </a:r>
+          </a:p>
+        </p:txBody>
+      </p:sp>
+      <p:sp>
+        <p:nvSpPr>
+          <p:cNvPr id="10" name="Text Placeholder 3"/>
+          <p:cNvSpPr>
+            <a:spLocks noGrp="1"/>
+          </p:cNvSpPr>
+          <p:nvPr>
+            <p:ph type="body" sz="half" idx="16"/>
+          </p:nvPr>
+        </p:nvSpPr>
+        <p:spPr>
+          <a:xfrm>
+            <a:off x="4441435" y="2571750"/>
+            <a:ext cx="3300984" cy="3219450"/>
+          </a:xfrm>
+        </p:spPr>
+        <p:txBody>
+          <a:bodyPr anchor="t">
+            <a:normAutofit/>
+          </a:bodyPr>
+          <a:lstStyle>
+            <a:lvl1pPr marL="0" indent="0" algn="ctr">
+              <a:buNone/>
+              <a:defRPr sz="1400"/>
+            </a:lvl1pPr>
+            <a:lvl2pPr marL="457200" indent="0">
+              <a:buNone/>
+              <a:defRPr sz="1200"/>
+            </a:lvl2pPr>
+            <a:lvl3pPr marL="914400" indent="0">
+              <a:buNone/>
+              <a:defRPr sz="1000"/>
+            </a:lvl3pPr>
+            <a:lvl4pPr marL="1371600" indent="0">
+              <a:buNone/>
+              <a:defRPr sz="900"/>
+            </a:lvl4pPr>
+            <a:lvl5pPr marL="1828800" indent="0">
+              <a:buNone/>
+              <a:defRPr sz="900"/>
+            </a:lvl5pPr>
+            <a:lvl6pPr marL="2286000" indent="0">
+              <a:buNone/>
+              <a:defRPr sz="900"/>
+            </a:lvl6pPr>
+            <a:lvl7pPr marL="2743200" indent="0">
+              <a:buNone/>
+              <a:defRPr sz="900"/>
+            </a:lvl7pPr>
+            <a:lvl8pPr marL="3200400" indent="0">
+              <a:buNone/>
+              <a:defRPr sz="900"/>
+            </a:lvl8pPr>
+            <a:lvl9pPr marL="3657600" indent="0">
+              <a:buNone/>
+              <a:defRPr sz="900"/>
+            </a:lvl9pPr>
+          </a:lstStyle>
+          <a:p>
+            <a:pPr lvl="0"/>
+            <a:r>
+              <a:rPr lang="en-US"/>
+              <a:t>Edit Master text styles</a:t>
+            </a:r>
+          </a:p>
+        </p:txBody>
+      </p:sp>
+      <p:sp>
+        <p:nvSpPr>
+          <p:cNvPr id="11" name="Text Placeholder 4"/>
+          <p:cNvSpPr>
+            <a:spLocks noGrp="1"/>
+          </p:cNvSpPr>
+          <p:nvPr>
+            <p:ph type="body" sz="quarter" idx="13"/>
+          </p:nvPr>
+        </p:nvSpPr>
+        <p:spPr>
+          <a:xfrm>
+            <a:off x="7966572" y="1885950"/>
+            <a:ext cx="3300984" cy="576262"/>
+          </a:xfrm>
+        </p:spPr>
+        <p:txBody>
+          <a:bodyPr anchor="b">
+            <a:noAutofit/>
+          </a:bodyPr>
+          <a:lstStyle>
+            <a:lvl1pPr marL="0" indent="0" algn="ctr">
+              <a:buNone/>
+              <a:defRPr sz="2400" b="0">
+                <a:solidFill>
+                  <a:schemeClr val="tx1"/>
+                </a:solidFill>
+              </a:defRPr>
+            </a:lvl1pPr>
+            <a:lvl2pPr marL="457200" indent="0">
+              <a:buNone/>
+              <a:defRPr sz="2000" b="1"/>
+            </a:lvl2pPr>
+            <a:lvl3pPr marL="914400" indent="0">
+              <a:buNone/>
+              <a:defRPr sz="1800" b="1"/>
+            </a:lvl3pPr>
+            <a:lvl4pPr marL="1371600" indent="0">
+              <a:buNone/>
+              <a:defRPr sz="1600" b="1"/>
+            </a:lvl4pPr>
+            <a:lvl5pPr marL="1828800" indent="0">
+              <a:buNone/>
+              <a:defRPr sz="1600" b="1"/>
+            </a:lvl5pPr>
+            <a:lvl6pPr marL="2286000" indent="0">
+              <a:buNone/>
+              <a:defRPr sz="1600" b="1"/>
+            </a:lvl6pPr>
+            <a:lvl7pPr marL="2743200" indent="0">
+              <a:buNone/>
+              <a:defRPr sz="1600" b="1"/>
+            </a:lvl7pPr>
+            <a:lvl8pPr marL="3200400" indent="0">
+              <a:buNone/>
+              <a:defRPr sz="1600" b="1"/>
+            </a:lvl8pPr>
+            <a:lvl9pPr marL="3657600" indent="0">
+              <a:buNone/>
+              <a:defRPr sz="1600" b="1"/>
+            </a:lvl9pPr>
+          </a:lstStyle>
+          <a:p>
+            <a:pPr lvl="0"/>
+            <a:r>
+              <a:rPr lang="en-US"/>
+              <a:t>Edit Master text styles</a:t>
+            </a:r>
+          </a:p>
+        </p:txBody>
+      </p:sp>
+      <p:sp>
+        <p:nvSpPr>
+          <p:cNvPr id="12" name="Text Placeholder 3"/>
+          <p:cNvSpPr>
+            <a:spLocks noGrp="1"/>
+          </p:cNvSpPr>
+          <p:nvPr>
+            <p:ph type="body" sz="half" idx="17"/>
+          </p:nvPr>
+        </p:nvSpPr>
+        <p:spPr>
+          <a:xfrm>
+            <a:off x="7966572" y="2571750"/>
+            <a:ext cx="3300984" cy="3219450"/>
+          </a:xfrm>
+        </p:spPr>
+        <p:txBody>
+          <a:bodyPr anchor="t">
+            <a:normAutofit/>
+          </a:bodyPr>
+          <a:lstStyle>
+            <a:lvl1pPr marL="0" indent="0" algn="ctr">
+              <a:buNone/>
+              <a:defRPr sz="1400"/>
+            </a:lvl1pPr>
+            <a:lvl2pPr marL="457200" indent="0">
+              <a:buNone/>
+              <a:defRPr sz="1200"/>
+            </a:lvl2pPr>
+            <a:lvl3pPr marL="914400" indent="0">
+              <a:buNone/>
+              <a:defRPr sz="1000"/>
+            </a:lvl3pPr>
+            <a:lvl4pPr marL="1371600" indent="0">
+              <a:buNone/>
+              <a:defRPr sz="900"/>
+            </a:lvl4pPr>
+            <a:lvl5pPr marL="1828800" indent="0">
+              <a:buNone/>
+              <a:defRPr sz="900"/>
+            </a:lvl5pPr>
+            <a:lvl6pPr marL="2286000" indent="0">
+              <a:buNone/>
+              <a:defRPr sz="900"/>
+            </a:lvl6pPr>
+            <a:lvl7pPr marL="2743200" indent="0">
+              <a:buNone/>
+              <a:defRPr sz="900"/>
+            </a:lvl7pPr>
+            <a:lvl8pPr marL="3200400" indent="0">
+              <a:buNone/>
+              <a:defRPr sz="900"/>
+            </a:lvl8pPr>
+            <a:lvl9pPr marL="3657600" indent="0">
+              <a:buNone/>
+              <a:defRPr sz="900"/>
+            </a:lvl9pPr>
+          </a:lstStyle>
+          <a:p>
+            <a:pPr lvl="0"/>
+            <a:r>
+              <a:rPr lang="en-US"/>
+              <a:t>Edit Master text styles</a:t>
+            </a:r>
+          </a:p>
+        </p:txBody>
+      </p:sp>
+      <p:sp>
+        <p:nvSpPr>
+          <p:cNvPr id="3" name="Date Placeholder 2"/>
+          <p:cNvSpPr>
+            <a:spLocks noGrp="1"/>
+          </p:cNvSpPr>
+          <p:nvPr>
+            <p:ph type="dt" sz="half" idx="10"/>
+          </p:nvPr>
+        </p:nvSpPr>
+        <p:spPr/>
+        <p:txBody>
+          <a:bodyPr/>
+          <a:lstStyle/>
+          <a:p>
+            <a:fld id="{CC4FF940-D56D-4F52-9CB1-54894350CBF5}" type="datetimeFigureOut">
+              <a:rPr lang="en-US" smtClean="0"/>
+              <a:t>11/5/2017</a:t>
+            </a:fld>
+            <a:endParaRPr lang="en-US"/>
+          </a:p>
+        </p:txBody>
+      </p:sp>
+      <p:sp>
+        <p:nvSpPr>
+          <p:cNvPr id="4" name="Footer Placeholder 3"/>
+          <p:cNvSpPr>
+            <a:spLocks noGrp="1"/>
+          </p:cNvSpPr>
+          <p:nvPr>
+            <p:ph type="ftr" sz="quarter" idx="11"/>
+          </p:nvPr>
+        </p:nvSpPr>
+        <p:spPr/>
+        <p:txBody>
+          <a:bodyPr/>
+          <a:lstStyle/>
+          <a:p>
+            <a:endParaRPr lang="en-US"/>
+          </a:p>
+        </p:txBody>
+      </p:sp>
+      <p:sp>
+        <p:nvSpPr>
+          <p:cNvPr id="5" name="Slide Number Placeholder 4"/>
+          <p:cNvSpPr>
+            <a:spLocks noGrp="1"/>
+          </p:cNvSpPr>
+          <p:nvPr>
+            <p:ph type="sldNum" sz="quarter" idx="12"/>
+          </p:nvPr>
+        </p:nvSpPr>
+        <p:spPr/>
+        <p:txBody>
+          <a:bodyPr/>
+          <a:lstStyle/>
+          <a:p>
+            <a:fld id="{9ACD55D7-72B5-499C-8E96-299E45B464DD}" type="slidenum">
+              <a:rPr lang="en-US" smtClean="0"/>
+              <a:t>‹#›</a:t>
+            </a:fld>
+            <a:endParaRPr lang="en-US"/>
+          </a:p>
+        </p:txBody>
+      </p:sp>
+    </p:spTree>
+    <p:extLst>
+      <p:ext uri="{BB962C8B-B14F-4D97-AF65-F5344CB8AC3E}">
+        <p14:creationId xmlns:p14="http://schemas.microsoft.com/office/powerpoint/2010/main" val="3006085812"/>
+      </p:ext>
+    </p:extLst>
+  </p:cSld>
+  <p:clrMapOvr>
+    <a:masterClrMapping/>
+  </p:clrMapOvr>
+</p:sldLayout>
+</file>
+
+<file path=ppt/slideLayouts/slideLayout15.xml><?xml version="1.0" encoding="utf-8"?>
+<p:sldLayout xmlns:a="http://schemas.openxmlformats.org/drawingml/2006/main" xmlns:r="http://schemas.openxmlformats.org/officeDocument/2006/relationships" xmlns:p="http://schemas.openxmlformats.org/presentationml/2006/main" preserve="1">
+  <p:cSld name="3 Picture Column">
+    <p:spTree>
+      <p:nvGrpSpPr>
+        <p:cNvPr id="1" name=""/>
+        <p:cNvGrpSpPr/>
+        <p:nvPr/>
+      </p:nvGrpSpPr>
+      <p:grpSpPr>
+        <a:xfrm>
+          <a:off x="0" y="0"/>
+          <a:ext cx="0" cy="0"/>
+          <a:chOff x="0" y="0"/>
+          <a:chExt cx="0" cy="0"/>
+        </a:xfrm>
+      </p:grpSpPr>
+      <p:pic>
+        <p:nvPicPr>
+          <p:cNvPr id="2" name="Picture 1" descr="Slate-V2-HD-3colPhotoInset.png"/>
+          <p:cNvPicPr>
+            <a:picLocks noChangeAspect="1"/>
+          </p:cNvPicPr>
+          <p:nvPr/>
+        </p:nvPicPr>
+        <p:blipFill>
+          <a:blip r:embed="rId2">
+            <a:extLst>
+              <a:ext uri="{28A0092B-C50C-407E-A947-70E740481C1C}">
+                <a14:useLocalDpi xmlns:a14="http://schemas.microsoft.com/office/drawing/2010/main" val="0"/>
+              </a:ext>
+            </a:extLst>
+          </a:blip>
+          <a:stretch>
+            <a:fillRect/>
+          </a:stretch>
+        </p:blipFill>
+        <p:spPr>
+          <a:xfrm>
+            <a:off x="897962" y="1818214"/>
+            <a:ext cx="3339972" cy="1847851"/>
+          </a:xfrm>
+          <a:prstGeom prst="rect">
+            <a:avLst/>
+          </a:prstGeom>
+        </p:spPr>
+      </p:pic>
+      <p:pic>
+        <p:nvPicPr>
+          <p:cNvPr id="36" name="Picture 35" descr="Slate-V2-HD-3colPhotoInset.png"/>
+          <p:cNvPicPr>
+            <a:picLocks noChangeAspect="1"/>
+          </p:cNvPicPr>
+          <p:nvPr/>
+        </p:nvPicPr>
+        <p:blipFill>
+          <a:blip r:embed="rId2">
+            <a:extLst>
+              <a:ext uri="{28A0092B-C50C-407E-A947-70E740481C1C}">
+                <a14:useLocalDpi xmlns:a14="http://schemas.microsoft.com/office/drawing/2010/main" val="0"/>
+              </a:ext>
+            </a:extLst>
+          </a:blip>
+          <a:stretch>
+            <a:fillRect/>
+          </a:stretch>
+        </p:blipFill>
+        <p:spPr>
+          <a:xfrm>
+            <a:off x="4403800" y="1818214"/>
+            <a:ext cx="3339972" cy="1847851"/>
+          </a:xfrm>
+          <a:prstGeom prst="rect">
+            <a:avLst/>
+          </a:prstGeom>
+        </p:spPr>
+      </p:pic>
+      <p:pic>
+        <p:nvPicPr>
+          <p:cNvPr id="37" name="Picture 36" descr="Slate-V2-HD-3colPhotoInset.png"/>
+          <p:cNvPicPr>
+            <a:picLocks noChangeAspect="1"/>
+          </p:cNvPicPr>
+          <p:nvPr/>
+        </p:nvPicPr>
+        <p:blipFill>
+          <a:blip r:embed="rId2">
+            <a:extLst>
+              <a:ext uri="{28A0092B-C50C-407E-A947-70E740481C1C}">
+                <a14:useLocalDpi xmlns:a14="http://schemas.microsoft.com/office/drawing/2010/main" val="0"/>
+              </a:ext>
+            </a:extLst>
+          </a:blip>
+          <a:stretch>
+            <a:fillRect/>
+          </a:stretch>
+        </p:blipFill>
+        <p:spPr>
+          <a:xfrm>
+            <a:off x="7936051" y="1818214"/>
+            <a:ext cx="3339972" cy="1847851"/>
+          </a:xfrm>
+          <a:prstGeom prst="rect">
+            <a:avLst/>
+          </a:prstGeom>
+        </p:spPr>
+      </p:pic>
+      <p:sp>
+        <p:nvSpPr>
+          <p:cNvPr id="30" name="Title 1"/>
+          <p:cNvSpPr>
+            <a:spLocks noGrp="1"/>
+          </p:cNvSpPr>
+          <p:nvPr>
+            <p:ph type="title"/>
+          </p:nvPr>
+        </p:nvSpPr>
+        <p:spPr>
+          <a:xfrm>
+            <a:off x="913794" y="609600"/>
+            <a:ext cx="10353763" cy="970450"/>
+          </a:xfrm>
+        </p:spPr>
+        <p:txBody>
+          <a:bodyPr/>
+          <a:lstStyle/>
+          <a:p>
+            <a:r>
+              <a:rPr lang="en-US"/>
+              <a:t>Click to edit Master title style</a:t>
+            </a:r>
+            <a:endParaRPr lang="en-US" dirty="0"/>
+          </a:p>
+        </p:txBody>
+      </p:sp>
+      <p:sp>
+        <p:nvSpPr>
+          <p:cNvPr id="19" name="Text Placeholder 2"/>
+          <p:cNvSpPr>
+            <a:spLocks noGrp="1"/>
+          </p:cNvSpPr>
+          <p:nvPr>
+            <p:ph type="body" idx="1"/>
+          </p:nvPr>
+        </p:nvSpPr>
+        <p:spPr>
+          <a:xfrm>
+            <a:off x="913795" y="3904106"/>
+            <a:ext cx="3300984" cy="576262"/>
+          </a:xfrm>
+        </p:spPr>
+        <p:txBody>
+          <a:bodyPr anchor="b">
+            <a:noAutofit/>
+          </a:bodyPr>
+          <a:lstStyle>
+            <a:lvl1pPr marL="0" indent="0" algn="ctr">
+              <a:buNone/>
+              <a:defRPr sz="2000" b="0">
+                <a:solidFill>
+                  <a:schemeClr val="tx1"/>
+                </a:solidFill>
+              </a:defRPr>
+            </a:lvl1pPr>
+            <a:lvl2pPr marL="457200" indent="0">
+              <a:buNone/>
+              <a:defRPr sz="2000" b="1"/>
+            </a:lvl2pPr>
+            <a:lvl3pPr marL="914400" indent="0">
+              <a:buNone/>
+              <a:defRPr sz="1800" b="1"/>
+            </a:lvl3pPr>
+            <a:lvl4pPr marL="1371600" indent="0">
+              <a:buNone/>
+              <a:defRPr sz="1600" b="1"/>
+            </a:lvl4pPr>
+            <a:lvl5pPr marL="1828800" indent="0">
+              <a:buNone/>
+              <a:defRPr sz="1600" b="1"/>
+            </a:lvl5pPr>
+            <a:lvl6pPr marL="2286000" indent="0">
+              <a:buNone/>
+              <a:defRPr sz="1600" b="1"/>
+            </a:lvl6pPr>
+            <a:lvl7pPr marL="2743200" indent="0">
+              <a:buNone/>
+              <a:defRPr sz="1600" b="1"/>
+            </a:lvl7pPr>
+            <a:lvl8pPr marL="3200400" indent="0">
+              <a:buNone/>
+              <a:defRPr sz="1600" b="1"/>
+            </a:lvl8pPr>
+            <a:lvl9pPr marL="3657600" indent="0">
+              <a:buNone/>
+              <a:defRPr sz="1600" b="1"/>
+            </a:lvl9pPr>
+          </a:lstStyle>
+          <a:p>
+            <a:pPr lvl="0"/>
+            <a:r>
+              <a:rPr lang="en-US"/>
+              <a:t>Edit Master text styles</a:t>
+            </a:r>
+          </a:p>
+        </p:txBody>
+      </p:sp>
+      <p:sp>
+        <p:nvSpPr>
+          <p:cNvPr id="20" name="Picture Placeholder 2"/>
+          <p:cNvSpPr>
+            <a:spLocks noGrp="1" noChangeAspect="1"/>
+          </p:cNvSpPr>
+          <p:nvPr>
+            <p:ph type="pic" idx="15"/>
+          </p:nvPr>
+        </p:nvSpPr>
+        <p:spPr>
+          <a:xfrm>
+            <a:off x="1018102" y="1938918"/>
+            <a:ext cx="3092368" cy="1602954"/>
+          </a:xfrm>
+          <a:prstGeom prst="roundRect">
+            <a:avLst>
+              <a:gd name="adj" fmla="val 1858"/>
+            </a:avLst>
+          </a:prstGeom>
+          <a:effectLst>
+            <a:outerShdw blurRad="38100" dist="25400" dir="4440000">
+              <a:srgbClr val="000000">
+                <a:alpha val="36000"/>
+              </a:srgbClr>
+            </a:outerShdw>
+          </a:effectLst>
+        </p:spPr>
+        <p:txBody>
+          <a:bodyPr anchor="t">
+            <a:normAutofit/>
+          </a:bodyPr>
+          <a:lstStyle>
+            <a:lvl1pPr marL="0" indent="0" algn="ctr">
+              <a:buNone/>
+              <a:defRPr sz="1600"/>
+            </a:lvl1pPr>
+            <a:lvl2pPr marL="457200" indent="0">
+              <a:buNone/>
+              <a:defRPr sz="1600"/>
+            </a:lvl2pPr>
+            <a:lvl3pPr marL="914400" indent="0">
+              <a:buNone/>
+              <a:defRPr sz="1600"/>
+            </a:lvl3pPr>
+            <a:lvl4pPr marL="1371600" indent="0">
+              <a:buNone/>
+              <a:defRPr sz="1600"/>
+            </a:lvl4pPr>
+            <a:lvl5pPr marL="1828800" indent="0">
+              <a:buNone/>
+              <a:defRPr sz="1600"/>
+            </a:lvl5pPr>
+            <a:lvl6pPr marL="2286000" indent="0">
+              <a:buNone/>
+              <a:defRPr sz="1600"/>
+            </a:lvl6pPr>
+            <a:lvl7pPr marL="2743200" indent="0">
+              <a:buNone/>
+              <a:defRPr sz="1600"/>
+            </a:lvl7pPr>
+            <a:lvl8pPr marL="3200400" indent="0">
+              <a:buNone/>
+              <a:defRPr sz="1600"/>
+            </a:lvl8pPr>
+            <a:lvl9pPr marL="3657600" indent="0">
+              <a:buNone/>
+              <a:defRPr sz="1600"/>
+            </a:lvl9pPr>
+          </a:lstStyle>
+          <a:p>
+            <a:r>
+              <a:rPr lang="en-US"/>
+              <a:t>Click icon to add picture</a:t>
+            </a:r>
+            <a:endParaRPr lang="en-US" dirty="0"/>
+          </a:p>
+        </p:txBody>
+      </p:sp>
+      <p:sp>
+        <p:nvSpPr>
+          <p:cNvPr id="21" name="Text Placeholder 3"/>
+          <p:cNvSpPr>
+            <a:spLocks noGrp="1"/>
+          </p:cNvSpPr>
+          <p:nvPr>
+            <p:ph type="body" sz="half" idx="18"/>
+          </p:nvPr>
+        </p:nvSpPr>
+        <p:spPr>
+          <a:xfrm>
+            <a:off x="913795" y="4480368"/>
+            <a:ext cx="3300984" cy="1310833"/>
+          </a:xfrm>
+        </p:spPr>
+        <p:txBody>
+          <a:bodyPr anchor="t">
+            <a:normAutofit/>
+          </a:bodyPr>
+          <a:lstStyle>
+            <a:lvl1pPr marL="0" indent="0" algn="ctr">
+              <a:buNone/>
+              <a:defRPr sz="1400"/>
+            </a:lvl1pPr>
+            <a:lvl2pPr marL="457200" indent="0">
+              <a:buNone/>
+              <a:defRPr sz="1200"/>
+            </a:lvl2pPr>
+            <a:lvl3pPr marL="914400" indent="0">
+              <a:buNone/>
+              <a:defRPr sz="1000"/>
+            </a:lvl3pPr>
+            <a:lvl4pPr marL="1371600" indent="0">
+              <a:buNone/>
+              <a:defRPr sz="900"/>
+            </a:lvl4pPr>
+            <a:lvl5pPr marL="1828800" indent="0">
+              <a:buNone/>
+              <a:defRPr sz="900"/>
+            </a:lvl5pPr>
+            <a:lvl6pPr marL="2286000" indent="0">
+              <a:buNone/>
+              <a:defRPr sz="900"/>
+            </a:lvl6pPr>
+            <a:lvl7pPr marL="2743200" indent="0">
+              <a:buNone/>
+              <a:defRPr sz="900"/>
+            </a:lvl7pPr>
+            <a:lvl8pPr marL="3200400" indent="0">
+              <a:buNone/>
+              <a:defRPr sz="900"/>
+            </a:lvl8pPr>
+            <a:lvl9pPr marL="3657600" indent="0">
+              <a:buNone/>
+              <a:defRPr sz="900"/>
+            </a:lvl9pPr>
+          </a:lstStyle>
+          <a:p>
+            <a:pPr lvl="0"/>
+            <a:r>
+              <a:rPr lang="en-US"/>
+              <a:t>Edit Master text styles</a:t>
+            </a:r>
+          </a:p>
+        </p:txBody>
+      </p:sp>
+      <p:sp>
+        <p:nvSpPr>
+          <p:cNvPr id="22" name="Text Placeholder 4"/>
+          <p:cNvSpPr>
+            <a:spLocks noGrp="1"/>
+          </p:cNvSpPr>
+          <p:nvPr>
+            <p:ph type="body" sz="quarter" idx="3"/>
+          </p:nvPr>
+        </p:nvSpPr>
+        <p:spPr>
+          <a:xfrm>
+            <a:off x="4442788" y="3904106"/>
+            <a:ext cx="3300984" cy="576262"/>
+          </a:xfrm>
+        </p:spPr>
+        <p:txBody>
+          <a:bodyPr anchor="b">
+            <a:noAutofit/>
+          </a:bodyPr>
+          <a:lstStyle>
+            <a:lvl1pPr marL="0" indent="0" algn="ctr">
+              <a:buNone/>
+              <a:defRPr sz="2000" b="0">
+                <a:solidFill>
+                  <a:schemeClr val="tx1"/>
+                </a:solidFill>
+              </a:defRPr>
+            </a:lvl1pPr>
+            <a:lvl2pPr marL="457200" indent="0">
+              <a:buNone/>
+              <a:defRPr sz="2000" b="1"/>
+            </a:lvl2pPr>
+            <a:lvl3pPr marL="914400" indent="0">
+              <a:buNone/>
+              <a:defRPr sz="1800" b="1"/>
+            </a:lvl3pPr>
+            <a:lvl4pPr marL="1371600" indent="0">
+              <a:buNone/>
+              <a:defRPr sz="1600" b="1"/>
+            </a:lvl4pPr>
+            <a:lvl5pPr marL="1828800" indent="0">
+              <a:buNone/>
+              <a:defRPr sz="1600" b="1"/>
+            </a:lvl5pPr>
+            <a:lvl6pPr marL="2286000" indent="0">
+              <a:buNone/>
+              <a:defRPr sz="1600" b="1"/>
+            </a:lvl6pPr>
+            <a:lvl7pPr marL="2743200" indent="0">
+              <a:buNone/>
+              <a:defRPr sz="1600" b="1"/>
+            </a:lvl7pPr>
+            <a:lvl8pPr marL="3200400" indent="0">
+              <a:buNone/>
+              <a:defRPr sz="1600" b="1"/>
+            </a:lvl8pPr>
+            <a:lvl9pPr marL="3657600" indent="0">
+              <a:buNone/>
+              <a:defRPr sz="1600" b="1"/>
+            </a:lvl9pPr>
+          </a:lstStyle>
+          <a:p>
+            <a:pPr lvl="0"/>
+            <a:r>
+              <a:rPr lang="en-US"/>
+              <a:t>Edit Master text styles</a:t>
+            </a:r>
+          </a:p>
+        </p:txBody>
+      </p:sp>
+      <p:sp>
+        <p:nvSpPr>
+          <p:cNvPr id="23" name="Picture Placeholder 2"/>
+          <p:cNvSpPr>
+            <a:spLocks noGrp="1" noChangeAspect="1"/>
+          </p:cNvSpPr>
+          <p:nvPr>
+            <p:ph type="pic" idx="21"/>
+          </p:nvPr>
+        </p:nvSpPr>
+        <p:spPr>
+          <a:xfrm>
+            <a:off x="4545743" y="1939094"/>
+            <a:ext cx="3092368" cy="1608164"/>
+          </a:xfrm>
+          <a:prstGeom prst="roundRect">
+            <a:avLst>
+              <a:gd name="adj" fmla="val 1858"/>
+            </a:avLst>
+          </a:prstGeom>
+          <a:effectLst>
+            <a:outerShdw blurRad="38100" dist="25400" dir="4440000">
+              <a:srgbClr val="000000">
+                <a:alpha val="36000"/>
+              </a:srgbClr>
+            </a:outerShdw>
+          </a:effectLst>
+        </p:spPr>
+        <p:txBody>
+          <a:bodyPr anchor="t">
+            <a:normAutofit/>
+          </a:bodyPr>
+          <a:lstStyle>
+            <a:lvl1pPr marL="0" indent="0" algn="ctr">
+              <a:buNone/>
+              <a:defRPr sz="1600"/>
+            </a:lvl1pPr>
+            <a:lvl2pPr marL="457200" indent="0">
+              <a:buNone/>
+              <a:defRPr sz="1600"/>
+            </a:lvl2pPr>
+            <a:lvl3pPr marL="914400" indent="0">
+              <a:buNone/>
+              <a:defRPr sz="1600"/>
+            </a:lvl3pPr>
+            <a:lvl4pPr marL="1371600" indent="0">
+              <a:buNone/>
+              <a:defRPr sz="1600"/>
+            </a:lvl4pPr>
+            <a:lvl5pPr marL="1828800" indent="0">
+              <a:buNone/>
+              <a:defRPr sz="1600"/>
+            </a:lvl5pPr>
+            <a:lvl6pPr marL="2286000" indent="0">
+              <a:buNone/>
+              <a:defRPr sz="1600"/>
+            </a:lvl6pPr>
+            <a:lvl7pPr marL="2743200" indent="0">
+              <a:buNone/>
+              <a:defRPr sz="1600"/>
+            </a:lvl7pPr>
+            <a:lvl8pPr marL="3200400" indent="0">
+              <a:buNone/>
+              <a:defRPr sz="1600"/>
+            </a:lvl8pPr>
+            <a:lvl9pPr marL="3657600" indent="0">
+              <a:buNone/>
+              <a:defRPr sz="1600"/>
+            </a:lvl9pPr>
+          </a:lstStyle>
+          <a:p>
+            <a:r>
+              <a:rPr lang="en-US"/>
+              <a:t>Click icon to add picture</a:t>
+            </a:r>
+            <a:endParaRPr lang="en-US" dirty="0"/>
+          </a:p>
+        </p:txBody>
+      </p:sp>
+      <p:sp>
+        <p:nvSpPr>
+          <p:cNvPr id="24" name="Text Placeholder 3"/>
+          <p:cNvSpPr>
+            <a:spLocks noGrp="1"/>
+          </p:cNvSpPr>
+          <p:nvPr>
+            <p:ph type="body" sz="half" idx="19"/>
+          </p:nvPr>
+        </p:nvSpPr>
+        <p:spPr>
+          <a:xfrm>
+            <a:off x="4441435" y="4480367"/>
+            <a:ext cx="3300984" cy="1310833"/>
+          </a:xfrm>
+        </p:spPr>
+        <p:txBody>
+          <a:bodyPr anchor="t">
+            <a:normAutofit/>
+          </a:bodyPr>
+          <a:lstStyle>
+            <a:lvl1pPr marL="0" indent="0" algn="ctr">
+              <a:buNone/>
+              <a:defRPr sz="1400"/>
+            </a:lvl1pPr>
+            <a:lvl2pPr marL="457200" indent="0">
+              <a:buNone/>
+              <a:defRPr sz="1200"/>
+            </a:lvl2pPr>
+            <a:lvl3pPr marL="914400" indent="0">
+              <a:buNone/>
+              <a:defRPr sz="1000"/>
+            </a:lvl3pPr>
+            <a:lvl4pPr marL="1371600" indent="0">
+              <a:buNone/>
+              <a:defRPr sz="900"/>
+            </a:lvl4pPr>
+            <a:lvl5pPr marL="1828800" indent="0">
+              <a:buNone/>
+              <a:defRPr sz="900"/>
+            </a:lvl5pPr>
+            <a:lvl6pPr marL="2286000" indent="0">
+              <a:buNone/>
+              <a:defRPr sz="900"/>
+            </a:lvl6pPr>
+            <a:lvl7pPr marL="2743200" indent="0">
+              <a:buNone/>
+              <a:defRPr sz="900"/>
+            </a:lvl7pPr>
+            <a:lvl8pPr marL="3200400" indent="0">
+              <a:buNone/>
+              <a:defRPr sz="900"/>
+            </a:lvl8pPr>
+            <a:lvl9pPr marL="3657600" indent="0">
+              <a:buNone/>
+              <a:defRPr sz="900"/>
+            </a:lvl9pPr>
+          </a:lstStyle>
+          <a:p>
+            <a:pPr lvl="0"/>
+            <a:r>
+              <a:rPr lang="en-US"/>
+              <a:t>Edit Master text styles</a:t>
+            </a:r>
+          </a:p>
+        </p:txBody>
+      </p:sp>
+      <p:sp>
+        <p:nvSpPr>
+          <p:cNvPr id="25" name="Text Placeholder 4"/>
+          <p:cNvSpPr>
+            <a:spLocks noGrp="1"/>
+          </p:cNvSpPr>
+          <p:nvPr>
+            <p:ph type="body" sz="quarter" idx="13"/>
+          </p:nvPr>
+        </p:nvSpPr>
+        <p:spPr>
+          <a:xfrm>
+            <a:off x="7966697" y="3904106"/>
+            <a:ext cx="3300984" cy="576262"/>
+          </a:xfrm>
+        </p:spPr>
+        <p:txBody>
+          <a:bodyPr anchor="b">
+            <a:noAutofit/>
+          </a:bodyPr>
+          <a:lstStyle>
+            <a:lvl1pPr marL="0" indent="0" algn="ctr">
+              <a:buNone/>
+              <a:defRPr sz="2000" b="0">
+                <a:solidFill>
+                  <a:schemeClr val="tx1"/>
+                </a:solidFill>
+              </a:defRPr>
+            </a:lvl1pPr>
+            <a:lvl2pPr marL="457200" indent="0">
+              <a:buNone/>
+              <a:defRPr sz="2000" b="1"/>
+            </a:lvl2pPr>
+            <a:lvl3pPr marL="914400" indent="0">
+              <a:buNone/>
+              <a:defRPr sz="1800" b="1"/>
+            </a:lvl3pPr>
+            <a:lvl4pPr marL="1371600" indent="0">
+              <a:buNone/>
+              <a:defRPr sz="1600" b="1"/>
+            </a:lvl4pPr>
+            <a:lvl5pPr marL="1828800" indent="0">
+              <a:buNone/>
+              <a:defRPr sz="1600" b="1"/>
+            </a:lvl5pPr>
+            <a:lvl6pPr marL="2286000" indent="0">
+              <a:buNone/>
+              <a:defRPr sz="1600" b="1"/>
+            </a:lvl6pPr>
+            <a:lvl7pPr marL="2743200" indent="0">
+              <a:buNone/>
+              <a:defRPr sz="1600" b="1"/>
+            </a:lvl7pPr>
+            <a:lvl8pPr marL="3200400" indent="0">
+              <a:buNone/>
+              <a:defRPr sz="1600" b="1"/>
+            </a:lvl8pPr>
+            <a:lvl9pPr marL="3657600" indent="0">
+              <a:buNone/>
+              <a:defRPr sz="1600" b="1"/>
+            </a:lvl9pPr>
+          </a:lstStyle>
+          <a:p>
+            <a:pPr lvl="0"/>
+            <a:r>
+              <a:rPr lang="en-US"/>
+              <a:t>Edit Master text styles</a:t>
+            </a:r>
+          </a:p>
+        </p:txBody>
+      </p:sp>
+      <p:sp>
+        <p:nvSpPr>
+          <p:cNvPr id="26" name="Picture Placeholder 2"/>
+          <p:cNvSpPr>
+            <a:spLocks noGrp="1" noChangeAspect="1"/>
+          </p:cNvSpPr>
+          <p:nvPr>
+            <p:ph type="pic" idx="22"/>
+          </p:nvPr>
+        </p:nvSpPr>
+        <p:spPr>
+          <a:xfrm>
+            <a:off x="8075698" y="1934432"/>
+            <a:ext cx="3092368" cy="1607294"/>
+          </a:xfrm>
+          <a:prstGeom prst="roundRect">
+            <a:avLst>
+              <a:gd name="adj" fmla="val 1858"/>
+            </a:avLst>
+          </a:prstGeom>
+          <a:effectLst>
+            <a:outerShdw blurRad="38100" dist="25400" dir="4440000">
+              <a:srgbClr val="000000">
+                <a:alpha val="36000"/>
+              </a:srgbClr>
+            </a:outerShdw>
+          </a:effectLst>
+        </p:spPr>
+        <p:txBody>
+          <a:bodyPr anchor="t">
+            <a:normAutofit/>
+          </a:bodyPr>
+          <a:lstStyle>
+            <a:lvl1pPr marL="0" indent="0" algn="ctr">
+              <a:buNone/>
+              <a:defRPr sz="1600"/>
+            </a:lvl1pPr>
+            <a:lvl2pPr marL="457200" indent="0">
+              <a:buNone/>
+              <a:defRPr sz="1600"/>
+            </a:lvl2pPr>
+            <a:lvl3pPr marL="914400" indent="0">
+              <a:buNone/>
+              <a:defRPr sz="1600"/>
+            </a:lvl3pPr>
+            <a:lvl4pPr marL="1371600" indent="0">
+              <a:buNone/>
+              <a:defRPr sz="1600"/>
+            </a:lvl4pPr>
+            <a:lvl5pPr marL="1828800" indent="0">
+              <a:buNone/>
+              <a:defRPr sz="1600"/>
+            </a:lvl5pPr>
+            <a:lvl6pPr marL="2286000" indent="0">
+              <a:buNone/>
+              <a:defRPr sz="1600"/>
+            </a:lvl6pPr>
+            <a:lvl7pPr marL="2743200" indent="0">
+              <a:buNone/>
+              <a:defRPr sz="1600"/>
+            </a:lvl7pPr>
+            <a:lvl8pPr marL="3200400" indent="0">
+              <a:buNone/>
+              <a:defRPr sz="1600"/>
+            </a:lvl8pPr>
+            <a:lvl9pPr marL="3657600" indent="0">
+              <a:buNone/>
+              <a:defRPr sz="1600"/>
+            </a:lvl9pPr>
+          </a:lstStyle>
+          <a:p>
+            <a:r>
+              <a:rPr lang="en-US"/>
+              <a:t>Click icon to add picture</a:t>
+            </a:r>
+            <a:endParaRPr lang="en-US" dirty="0"/>
+          </a:p>
+        </p:txBody>
+      </p:sp>
+      <p:sp>
+        <p:nvSpPr>
+          <p:cNvPr id="27" name="Text Placeholder 3"/>
+          <p:cNvSpPr>
+            <a:spLocks noGrp="1"/>
+          </p:cNvSpPr>
+          <p:nvPr>
+            <p:ph type="body" sz="half" idx="20"/>
+          </p:nvPr>
+        </p:nvSpPr>
+        <p:spPr>
+          <a:xfrm>
+            <a:off x="7966572" y="4480365"/>
+            <a:ext cx="3300984" cy="1310835"/>
+          </a:xfrm>
+        </p:spPr>
+        <p:txBody>
+          <a:bodyPr anchor="t">
+            <a:normAutofit/>
+          </a:bodyPr>
+          <a:lstStyle>
+            <a:lvl1pPr marL="0" indent="0" algn="ctr">
+              <a:buNone/>
+              <a:defRPr sz="1400"/>
+            </a:lvl1pPr>
+            <a:lvl2pPr marL="457200" indent="0">
+              <a:buNone/>
+              <a:defRPr sz="1200"/>
+            </a:lvl2pPr>
+            <a:lvl3pPr marL="914400" indent="0">
+              <a:buNone/>
+              <a:defRPr sz="1000"/>
+            </a:lvl3pPr>
+            <a:lvl4pPr marL="1371600" indent="0">
+              <a:buNone/>
+              <a:defRPr sz="900"/>
+            </a:lvl4pPr>
+            <a:lvl5pPr marL="1828800" indent="0">
+              <a:buNone/>
+              <a:defRPr sz="900"/>
+            </a:lvl5pPr>
+            <a:lvl6pPr marL="2286000" indent="0">
+              <a:buNone/>
+              <a:defRPr sz="900"/>
+            </a:lvl6pPr>
+            <a:lvl7pPr marL="2743200" indent="0">
+              <a:buNone/>
+              <a:defRPr sz="900"/>
+            </a:lvl7pPr>
+            <a:lvl8pPr marL="3200400" indent="0">
+              <a:buNone/>
+              <a:defRPr sz="900"/>
+            </a:lvl8pPr>
+            <a:lvl9pPr marL="3657600" indent="0">
+              <a:buNone/>
+              <a:defRPr sz="900"/>
+            </a:lvl9pPr>
+          </a:lstStyle>
+          <a:p>
+            <a:pPr lvl="0"/>
+            <a:r>
+              <a:rPr lang="en-US"/>
+              <a:t>Edit Master text styles</a:t>
+            </a:r>
+          </a:p>
+        </p:txBody>
+      </p:sp>
+      <p:sp>
+        <p:nvSpPr>
+          <p:cNvPr id="3" name="Date Placeholder 2"/>
+          <p:cNvSpPr>
+            <a:spLocks noGrp="1"/>
+          </p:cNvSpPr>
+          <p:nvPr>
+            <p:ph type="dt" sz="half" idx="10"/>
+          </p:nvPr>
+        </p:nvSpPr>
+        <p:spPr/>
+        <p:txBody>
+          <a:bodyPr/>
+          <a:lstStyle/>
+          <a:p>
+            <a:fld id="{CC4FF940-D56D-4F52-9CB1-54894350CBF5}" type="datetimeFigureOut">
+              <a:rPr lang="en-US" smtClean="0"/>
+              <a:t>11/5/2017</a:t>
+            </a:fld>
+            <a:endParaRPr lang="en-US"/>
+          </a:p>
+        </p:txBody>
+      </p:sp>
+      <p:sp>
+        <p:nvSpPr>
+          <p:cNvPr id="4" name="Footer Placeholder 3"/>
+          <p:cNvSpPr>
+            <a:spLocks noGrp="1"/>
+          </p:cNvSpPr>
+          <p:nvPr>
+            <p:ph type="ftr" sz="quarter" idx="11"/>
+          </p:nvPr>
+        </p:nvSpPr>
+        <p:spPr/>
+        <p:txBody>
+          <a:bodyPr/>
+          <a:lstStyle/>
+          <a:p>
+            <a:endParaRPr lang="en-US"/>
+          </a:p>
+        </p:txBody>
+      </p:sp>
+      <p:sp>
+        <p:nvSpPr>
+          <p:cNvPr id="5" name="Slide Number Placeholder 4"/>
+          <p:cNvSpPr>
+            <a:spLocks noGrp="1"/>
+          </p:cNvSpPr>
+          <p:nvPr>
+            <p:ph type="sldNum" sz="quarter" idx="12"/>
+          </p:nvPr>
+        </p:nvSpPr>
+        <p:spPr/>
+        <p:txBody>
+          <a:bodyPr/>
+          <a:lstStyle/>
+          <a:p>
+            <a:fld id="{9ACD55D7-72B5-499C-8E96-299E45B464DD}" type="slidenum">
+              <a:rPr lang="en-US" smtClean="0"/>
+              <a:t>‹#›</a:t>
+            </a:fld>
+            <a:endParaRPr lang="en-US"/>
+          </a:p>
+        </p:txBody>
+      </p:sp>
+    </p:spTree>
+    <p:extLst>
+      <p:ext uri="{BB962C8B-B14F-4D97-AF65-F5344CB8AC3E}">
+        <p14:creationId xmlns:p14="http://schemas.microsoft.com/office/powerpoint/2010/main" val="7045619"/>
+      </p:ext>
+    </p:extLst>
+  </p:cSld>
+  <p:clrMapOvr>
+    <a:masterClrMapping/>
+  </p:clrMapOvr>
+</p:sldLayout>
+</file>
+
+<file path=ppt/slideLayouts/slideLayout16.xml><?xml version="1.0" encoding="utf-8"?>
 <p:sldLayout xmlns:a="http://schemas.openxmlformats.org/drawingml/2006/main" xmlns:r="http://schemas.openxmlformats.org/officeDocument/2006/relationships" xmlns:p="http://schemas.openxmlformats.org/presentationml/2006/main" type="vertTx" preserve="1">
   <p:cSld name="Title and Vertical Text">
     <p:spTree>
@@ -509,13 +3327,7 @@
       </p:grpSpPr>
       <p:sp>
         <p:nvSpPr>
-          <p:cNvPr id="2" name="Title 1">
-            <a:extLst>
-              <a:ext uri="{FF2B5EF4-FFF2-40B4-BE49-F238E27FC236}">
-                <a16:creationId xmlns:a16="http://schemas.microsoft.com/office/drawing/2014/main" id="{7B30A25F-19AF-433C-841B-E296376DD980}"/>
-              </a:ext>
-            </a:extLst>
-          </p:cNvPr>
+          <p:cNvPr id="2" name="Title 1"/>
           <p:cNvSpPr>
             <a:spLocks noGrp="1"/>
           </p:cNvSpPr>
@@ -532,18 +3344,13 @@
               <a:rPr lang="en-US"/>
               <a:t>Click to edit Master title style</a:t>
             </a:r>
-          </a:p>
-        </p:txBody>
-      </p:sp>
-      <p:sp>
-        <p:nvSpPr>
-          <p:cNvPr id="3" name="Vertical Text Placeholder 2">
-            <a:extLst>
-              <a:ext uri="{FF2B5EF4-FFF2-40B4-BE49-F238E27FC236}">
-                <a16:creationId xmlns:a16="http://schemas.microsoft.com/office/drawing/2014/main" id="{383B65D0-5690-47C9-B814-4742A75FCF78}"/>
-              </a:ext>
-            </a:extLst>
-          </p:cNvPr>
+            <a:endParaRPr lang="en-US" dirty="0"/>
+          </a:p>
+        </p:txBody>
+      </p:sp>
+      <p:sp>
+        <p:nvSpPr>
+          <p:cNvPr id="3" name="Vertical Text Placeholder 2"/>
           <p:cNvSpPr>
             <a:spLocks noGrp="1"/>
           </p:cNvSpPr>
@@ -553,7 +3360,7 @@
         </p:nvSpPr>
         <p:spPr/>
         <p:txBody>
-          <a:bodyPr vert="eaVert"/>
+          <a:bodyPr vert="eaVert" anchor="t"/>
           <a:lstStyle/>
           <a:p>
             <a:pPr lvl="0"/>
@@ -589,18 +3396,13 @@
               <a:rPr lang="en-US"/>
               <a:t>Fifth level</a:t>
             </a:r>
-          </a:p>
-        </p:txBody>
-      </p:sp>
-      <p:sp>
-        <p:nvSpPr>
-          <p:cNvPr id="4" name="Date Placeholder 3">
-            <a:extLst>
-              <a:ext uri="{FF2B5EF4-FFF2-40B4-BE49-F238E27FC236}">
-                <a16:creationId xmlns:a16="http://schemas.microsoft.com/office/drawing/2014/main" id="{56462999-FCDA-407A-B71F-1126B015D849}"/>
-              </a:ext>
-            </a:extLst>
-          </p:cNvPr>
+            <a:endParaRPr lang="en-US" dirty="0"/>
+          </a:p>
+        </p:txBody>
+      </p:sp>
+      <p:sp>
+        <p:nvSpPr>
+          <p:cNvPr id="4" name="Date Placeholder 3"/>
           <p:cNvSpPr>
             <a:spLocks noGrp="1"/>
           </p:cNvSpPr>
@@ -623,13 +3425,7 @@
       </p:sp>
       <p:sp>
         <p:nvSpPr>
-          <p:cNvPr id="5" name="Footer Placeholder 4">
-            <a:extLst>
-              <a:ext uri="{FF2B5EF4-FFF2-40B4-BE49-F238E27FC236}">
-                <a16:creationId xmlns:a16="http://schemas.microsoft.com/office/drawing/2014/main" id="{99A34282-BA31-4B25-8EA7-FA73CD6BC1E6}"/>
-              </a:ext>
-            </a:extLst>
-          </p:cNvPr>
+          <p:cNvPr id="5" name="Footer Placeholder 4"/>
           <p:cNvSpPr>
             <a:spLocks noGrp="1"/>
           </p:cNvSpPr>
@@ -648,13 +3444,7 @@
       </p:sp>
       <p:sp>
         <p:nvSpPr>
-          <p:cNvPr id="6" name="Slide Number Placeholder 5">
-            <a:extLst>
-              <a:ext uri="{FF2B5EF4-FFF2-40B4-BE49-F238E27FC236}">
-                <a16:creationId xmlns:a16="http://schemas.microsoft.com/office/drawing/2014/main" id="{FAC624C2-37E9-421A-BF90-DA9EE24948F6}"/>
-              </a:ext>
-            </a:extLst>
-          </p:cNvPr>
+          <p:cNvPr id="6" name="Slide Number Placeholder 5"/>
           <p:cNvSpPr>
             <a:spLocks noGrp="1"/>
           </p:cNvSpPr>
@@ -678,7 +3468,7 @@
     </p:spTree>
     <p:extLst>
       <p:ext uri="{BB962C8B-B14F-4D97-AF65-F5344CB8AC3E}">
-        <p14:creationId xmlns:p14="http://schemas.microsoft.com/office/powerpoint/2010/main" val="1668565361"/>
+        <p14:creationId xmlns:p14="http://schemas.microsoft.com/office/powerpoint/2010/main" val="77444386"/>
       </p:ext>
     </p:extLst>
   </p:cSld>
@@ -688,7 +3478,7 @@
 </p:sldLayout>
 </file>
 
-<file path=ppt/slideLayouts/slideLayout11.xml><?xml version="1.0" encoding="utf-8"?>
+<file path=ppt/slideLayouts/slideLayout17.xml><?xml version="1.0" encoding="utf-8"?>
 <p:sldLayout xmlns:a="http://schemas.openxmlformats.org/drawingml/2006/main" xmlns:r="http://schemas.openxmlformats.org/officeDocument/2006/relationships" xmlns:p="http://schemas.openxmlformats.org/presentationml/2006/main" type="vertTitleAndTx" preserve="1">
   <p:cSld name="Vertical Title and Text">
     <p:spTree>
@@ -707,13 +3497,7 @@
       </p:grpSpPr>
       <p:sp>
         <p:nvSpPr>
-          <p:cNvPr id="2" name="Vertical Title 1">
-            <a:extLst>
-              <a:ext uri="{FF2B5EF4-FFF2-40B4-BE49-F238E27FC236}">
-                <a16:creationId xmlns:a16="http://schemas.microsoft.com/office/drawing/2014/main" id="{B753AA7E-9E95-4611-B6E5-B12810DC9DAB}"/>
-              </a:ext>
-            </a:extLst>
-          </p:cNvPr>
+          <p:cNvPr id="2" name="Vertical Title 1"/>
           <p:cNvSpPr>
             <a:spLocks noGrp="1"/>
           </p:cNvSpPr>
@@ -723,30 +3507,29 @@
         </p:nvSpPr>
         <p:spPr>
           <a:xfrm>
-            <a:off x="8724900" y="365125"/>
-            <a:ext cx="2628900" cy="5811838"/>
+            <a:off x="8983068" y="609599"/>
+            <a:ext cx="2284487" cy="5181601"/>
           </a:xfrm>
         </p:spPr>
         <p:txBody>
           <a:bodyPr vert="eaVert"/>
-          <a:lstStyle/>
+          <a:lstStyle>
+            <a:lvl1pPr algn="l">
+              <a:defRPr/>
+            </a:lvl1pPr>
+          </a:lstStyle>
           <a:p>
             <a:r>
               <a:rPr lang="en-US"/>
               <a:t>Click to edit Master title style</a:t>
             </a:r>
-          </a:p>
-        </p:txBody>
-      </p:sp>
-      <p:sp>
-        <p:nvSpPr>
-          <p:cNvPr id="3" name="Vertical Text Placeholder 2">
-            <a:extLst>
-              <a:ext uri="{FF2B5EF4-FFF2-40B4-BE49-F238E27FC236}">
-                <a16:creationId xmlns:a16="http://schemas.microsoft.com/office/drawing/2014/main" id="{E5E1CAA0-0241-471C-B07E-E97C1DF51210}"/>
-              </a:ext>
-            </a:extLst>
-          </p:cNvPr>
+            <a:endParaRPr lang="en-US" dirty="0"/>
+          </a:p>
+        </p:txBody>
+      </p:sp>
+      <p:sp>
+        <p:nvSpPr>
+          <p:cNvPr id="3" name="Vertical Text Placeholder 2"/>
           <p:cNvSpPr>
             <a:spLocks noGrp="1"/>
           </p:cNvSpPr>
@@ -756,12 +3539,12 @@
         </p:nvSpPr>
         <p:spPr>
           <a:xfrm>
-            <a:off x="838200" y="365125"/>
-            <a:ext cx="7734300" cy="5811838"/>
+            <a:off x="913796" y="609599"/>
+            <a:ext cx="7916872" cy="5181601"/>
           </a:xfrm>
         </p:spPr>
         <p:txBody>
-          <a:bodyPr vert="eaVert"/>
+          <a:bodyPr vert="eaVert" anchor="t"/>
           <a:lstStyle/>
           <a:p>
             <a:pPr lvl="0"/>
@@ -797,18 +3580,13 @@
               <a:rPr lang="en-US"/>
               <a:t>Fifth level</a:t>
             </a:r>
-          </a:p>
-        </p:txBody>
-      </p:sp>
-      <p:sp>
-        <p:nvSpPr>
-          <p:cNvPr id="4" name="Date Placeholder 3">
-            <a:extLst>
-              <a:ext uri="{FF2B5EF4-FFF2-40B4-BE49-F238E27FC236}">
-                <a16:creationId xmlns:a16="http://schemas.microsoft.com/office/drawing/2014/main" id="{55339E94-EC72-4A62-A269-DC44C0223E4D}"/>
-              </a:ext>
-            </a:extLst>
-          </p:cNvPr>
+            <a:endParaRPr lang="en-US" dirty="0"/>
+          </a:p>
+        </p:txBody>
+      </p:sp>
+      <p:sp>
+        <p:nvSpPr>
+          <p:cNvPr id="4" name="Date Placeholder 3"/>
           <p:cNvSpPr>
             <a:spLocks noGrp="1"/>
           </p:cNvSpPr>
@@ -831,13 +3609,7 @@
       </p:sp>
       <p:sp>
         <p:nvSpPr>
-          <p:cNvPr id="5" name="Footer Placeholder 4">
-            <a:extLst>
-              <a:ext uri="{FF2B5EF4-FFF2-40B4-BE49-F238E27FC236}">
-                <a16:creationId xmlns:a16="http://schemas.microsoft.com/office/drawing/2014/main" id="{F863F7B3-24B2-4967-8533-B8312AAEAD69}"/>
-              </a:ext>
-            </a:extLst>
-          </p:cNvPr>
+          <p:cNvPr id="5" name="Footer Placeholder 4"/>
           <p:cNvSpPr>
             <a:spLocks noGrp="1"/>
           </p:cNvSpPr>
@@ -856,13 +3628,7 @@
       </p:sp>
       <p:sp>
         <p:nvSpPr>
-          <p:cNvPr id="6" name="Slide Number Placeholder 5">
-            <a:extLst>
-              <a:ext uri="{FF2B5EF4-FFF2-40B4-BE49-F238E27FC236}">
-                <a16:creationId xmlns:a16="http://schemas.microsoft.com/office/drawing/2014/main" id="{02392575-009A-44EB-B810-17F9DA954767}"/>
-              </a:ext>
-            </a:extLst>
-          </p:cNvPr>
+          <p:cNvPr id="6" name="Slide Number Placeholder 5"/>
           <p:cNvSpPr>
             <a:spLocks noGrp="1"/>
           </p:cNvSpPr>
@@ -886,7 +3652,7 @@
     </p:spTree>
     <p:extLst>
       <p:ext uri="{BB962C8B-B14F-4D97-AF65-F5344CB8AC3E}">
-        <p14:creationId xmlns:p14="http://schemas.microsoft.com/office/powerpoint/2010/main" val="424810929"/>
+        <p14:creationId xmlns:p14="http://schemas.microsoft.com/office/powerpoint/2010/main" val="1736212556"/>
       </p:ext>
     </p:extLst>
   </p:cSld>
@@ -915,13 +3681,7 @@
       </p:grpSpPr>
       <p:sp>
         <p:nvSpPr>
-          <p:cNvPr id="2" name="Title 1">
-            <a:extLst>
-              <a:ext uri="{FF2B5EF4-FFF2-40B4-BE49-F238E27FC236}">
-                <a16:creationId xmlns:a16="http://schemas.microsoft.com/office/drawing/2014/main" id="{76830290-A9DD-41C7-BF72-2246CC6143B2}"/>
-              </a:ext>
-            </a:extLst>
-          </p:cNvPr>
+          <p:cNvPr id="2" name="Title 1"/>
           <p:cNvSpPr>
             <a:spLocks noGrp="1"/>
           </p:cNvSpPr>
@@ -938,18 +3698,13 @@
               <a:rPr lang="en-US"/>
               <a:t>Click to edit Master title style</a:t>
             </a:r>
-          </a:p>
-        </p:txBody>
-      </p:sp>
-      <p:sp>
-        <p:nvSpPr>
-          <p:cNvPr id="3" name="Content Placeholder 2">
-            <a:extLst>
-              <a:ext uri="{FF2B5EF4-FFF2-40B4-BE49-F238E27FC236}">
-                <a16:creationId xmlns:a16="http://schemas.microsoft.com/office/drawing/2014/main" id="{96BCE2D0-BEB0-44AA-B4A8-7D6A063FA302}"/>
-              </a:ext>
-            </a:extLst>
-          </p:cNvPr>
+            <a:endParaRPr lang="en-US" dirty="0"/>
+          </a:p>
+        </p:txBody>
+      </p:sp>
+      <p:sp>
+        <p:nvSpPr>
+          <p:cNvPr id="3" name="Content Placeholder 2"/>
           <p:cNvSpPr>
             <a:spLocks noGrp="1"/>
           </p:cNvSpPr>
@@ -995,18 +3750,13 @@
               <a:rPr lang="en-US"/>
               <a:t>Fifth level</a:t>
             </a:r>
-          </a:p>
-        </p:txBody>
-      </p:sp>
-      <p:sp>
-        <p:nvSpPr>
-          <p:cNvPr id="4" name="Date Placeholder 3">
-            <a:extLst>
-              <a:ext uri="{FF2B5EF4-FFF2-40B4-BE49-F238E27FC236}">
-                <a16:creationId xmlns:a16="http://schemas.microsoft.com/office/drawing/2014/main" id="{BD8BBD41-6F2F-44DC-8506-3781FBB26B03}"/>
-              </a:ext>
-            </a:extLst>
-          </p:cNvPr>
+            <a:endParaRPr lang="en-US" dirty="0"/>
+          </a:p>
+        </p:txBody>
+      </p:sp>
+      <p:sp>
+        <p:nvSpPr>
+          <p:cNvPr id="4" name="Date Placeholder 3"/>
           <p:cNvSpPr>
             <a:spLocks noGrp="1"/>
           </p:cNvSpPr>
@@ -1029,13 +3779,7 @@
       </p:sp>
       <p:sp>
         <p:nvSpPr>
-          <p:cNvPr id="5" name="Footer Placeholder 4">
-            <a:extLst>
-              <a:ext uri="{FF2B5EF4-FFF2-40B4-BE49-F238E27FC236}">
-                <a16:creationId xmlns:a16="http://schemas.microsoft.com/office/drawing/2014/main" id="{6AD222C1-C43E-4AF0-B456-744D01C5B56A}"/>
-              </a:ext>
-            </a:extLst>
-          </p:cNvPr>
+          <p:cNvPr id="5" name="Footer Placeholder 4"/>
           <p:cNvSpPr>
             <a:spLocks noGrp="1"/>
           </p:cNvSpPr>
@@ -1054,13 +3798,7 @@
       </p:sp>
       <p:sp>
         <p:nvSpPr>
-          <p:cNvPr id="6" name="Slide Number Placeholder 5">
-            <a:extLst>
-              <a:ext uri="{FF2B5EF4-FFF2-40B4-BE49-F238E27FC236}">
-                <a16:creationId xmlns:a16="http://schemas.microsoft.com/office/drawing/2014/main" id="{A7CEFBFB-D87C-490C-B7A7-11A6C8A03496}"/>
-              </a:ext>
-            </a:extLst>
-          </p:cNvPr>
+          <p:cNvPr id="6" name="Slide Number Placeholder 5"/>
           <p:cNvSpPr>
             <a:spLocks noGrp="1"/>
           </p:cNvSpPr>
@@ -1084,7 +3822,7 @@
     </p:spTree>
     <p:extLst>
       <p:ext uri="{BB962C8B-B14F-4D97-AF65-F5344CB8AC3E}">
-        <p14:creationId xmlns:p14="http://schemas.microsoft.com/office/powerpoint/2010/main" val="2489526568"/>
+        <p14:creationId xmlns:p14="http://schemas.microsoft.com/office/powerpoint/2010/main" val="1492668553"/>
       </p:ext>
     </p:extLst>
   </p:cSld>
@@ -1113,13 +3851,7 @@
       </p:grpSpPr>
       <p:sp>
         <p:nvSpPr>
-          <p:cNvPr id="2" name="Title 1">
-            <a:extLst>
-              <a:ext uri="{FF2B5EF4-FFF2-40B4-BE49-F238E27FC236}">
-                <a16:creationId xmlns:a16="http://schemas.microsoft.com/office/drawing/2014/main" id="{B803FD1E-DA1E-4187-878A-41CE41EEDE57}"/>
-              </a:ext>
-            </a:extLst>
-          </p:cNvPr>
+          <p:cNvPr id="2" name="Title 1"/>
           <p:cNvSpPr>
             <a:spLocks noGrp="1"/>
           </p:cNvSpPr>
@@ -1129,15 +3861,15 @@
         </p:nvSpPr>
         <p:spPr>
           <a:xfrm>
-            <a:off x="831850" y="1709738"/>
-            <a:ext cx="10515600" cy="2852737"/>
+            <a:off x="1295401" y="1761067"/>
+            <a:ext cx="9590550" cy="1828813"/>
           </a:xfrm>
         </p:spPr>
         <p:txBody>
           <a:bodyPr anchor="b"/>
           <a:lstStyle>
-            <a:lvl1pPr>
-              <a:defRPr sz="6000"/>
+            <a:lvl1pPr algn="ctr">
+              <a:defRPr sz="4000" b="0" cap="none"/>
             </a:lvl1pPr>
           </a:lstStyle>
           <a:p>
@@ -1145,18 +3877,13 @@
               <a:rPr lang="en-US"/>
               <a:t>Click to edit Master title style</a:t>
             </a:r>
-          </a:p>
-        </p:txBody>
-      </p:sp>
-      <p:sp>
-        <p:nvSpPr>
-          <p:cNvPr id="3" name="Text Placeholder 2">
-            <a:extLst>
-              <a:ext uri="{FF2B5EF4-FFF2-40B4-BE49-F238E27FC236}">
-                <a16:creationId xmlns:a16="http://schemas.microsoft.com/office/drawing/2014/main" id="{8B3DA8A5-0BF8-4193-B926-A11E199743BF}"/>
-              </a:ext>
-            </a:extLst>
-          </p:cNvPr>
+            <a:endParaRPr lang="en-US" dirty="0"/>
+          </a:p>
+        </p:txBody>
+      </p:sp>
+      <p:sp>
+        <p:nvSpPr>
+          <p:cNvPr id="3" name="Text Placeholder 2"/>
           <p:cNvSpPr>
             <a:spLocks noGrp="1"/>
           </p:cNvSpPr>
@@ -1166,26 +3893,24 @@
         </p:nvSpPr>
         <p:spPr>
           <a:xfrm>
-            <a:off x="831850" y="4589463"/>
-            <a:ext cx="10515600" cy="1500187"/>
+            <a:off x="1295401" y="3589879"/>
+            <a:ext cx="9590550" cy="1507054"/>
           </a:xfrm>
         </p:spPr>
         <p:txBody>
-          <a:bodyPr/>
+          <a:bodyPr anchor="t"/>
           <a:lstStyle>
-            <a:lvl1pPr marL="0" indent="0">
-              <a:buNone/>
-              <a:defRPr sz="2400">
+            <a:lvl1pPr marL="0" indent="0" algn="ctr">
+              <a:buNone/>
+              <a:defRPr sz="2000">
                 <a:solidFill>
-                  <a:schemeClr val="tx1">
-                    <a:tint val="75000"/>
-                  </a:schemeClr>
+                  <a:schemeClr val="tx1"/>
                 </a:solidFill>
               </a:defRPr>
             </a:lvl1pPr>
             <a:lvl2pPr marL="457200" indent="0">
               <a:buNone/>
-              <a:defRPr sz="2000">
+              <a:defRPr sz="1800">
                 <a:solidFill>
                   <a:schemeClr val="tx1">
                     <a:tint val="75000"/>
@@ -1195,7 +3920,7 @@
             </a:lvl2pPr>
             <a:lvl3pPr marL="914400" indent="0">
               <a:buNone/>
-              <a:defRPr sz="1800">
+              <a:defRPr sz="1600">
                 <a:solidFill>
                   <a:schemeClr val="tx1">
                     <a:tint val="75000"/>
@@ -1205,7 +3930,7 @@
             </a:lvl3pPr>
             <a:lvl4pPr marL="1371600" indent="0">
               <a:buNone/>
-              <a:defRPr sz="1600">
+              <a:defRPr sz="1400">
                 <a:solidFill>
                   <a:schemeClr val="tx1">
                     <a:tint val="75000"/>
@@ -1215,7 +3940,7 @@
             </a:lvl4pPr>
             <a:lvl5pPr marL="1828800" indent="0">
               <a:buNone/>
-              <a:defRPr sz="1600">
+              <a:defRPr sz="1400">
                 <a:solidFill>
                   <a:schemeClr val="tx1">
                     <a:tint val="75000"/>
@@ -1225,7 +3950,7 @@
             </a:lvl5pPr>
             <a:lvl6pPr marL="2286000" indent="0">
               <a:buNone/>
-              <a:defRPr sz="1600">
+              <a:defRPr sz="1400">
                 <a:solidFill>
                   <a:schemeClr val="tx1">
                     <a:tint val="75000"/>
@@ -1235,7 +3960,7 @@
             </a:lvl6pPr>
             <a:lvl7pPr marL="2743200" indent="0">
               <a:buNone/>
-              <a:defRPr sz="1600">
+              <a:defRPr sz="1400">
                 <a:solidFill>
                   <a:schemeClr val="tx1">
                     <a:tint val="75000"/>
@@ -1245,7 +3970,7 @@
             </a:lvl7pPr>
             <a:lvl8pPr marL="3200400" indent="0">
               <a:buNone/>
-              <a:defRPr sz="1600">
+              <a:defRPr sz="1400">
                 <a:solidFill>
                   <a:schemeClr val="tx1">
                     <a:tint val="75000"/>
@@ -1255,7 +3980,7 @@
             </a:lvl8pPr>
             <a:lvl9pPr marL="3657600" indent="0">
               <a:buNone/>
-              <a:defRPr sz="1600">
+              <a:defRPr sz="1400">
                 <a:solidFill>
                   <a:schemeClr val="tx1">
                     <a:tint val="75000"/>
@@ -1275,13 +4000,7 @@
       </p:sp>
       <p:sp>
         <p:nvSpPr>
-          <p:cNvPr id="4" name="Date Placeholder 3">
-            <a:extLst>
-              <a:ext uri="{FF2B5EF4-FFF2-40B4-BE49-F238E27FC236}">
-                <a16:creationId xmlns:a16="http://schemas.microsoft.com/office/drawing/2014/main" id="{E5C9DE96-E0F7-4088-BD36-B0679A5A8281}"/>
-              </a:ext>
-            </a:extLst>
-          </p:cNvPr>
+          <p:cNvPr id="4" name="Date Placeholder 3"/>
           <p:cNvSpPr>
             <a:spLocks noGrp="1"/>
           </p:cNvSpPr>
@@ -1304,13 +4023,7 @@
       </p:sp>
       <p:sp>
         <p:nvSpPr>
-          <p:cNvPr id="5" name="Footer Placeholder 4">
-            <a:extLst>
-              <a:ext uri="{FF2B5EF4-FFF2-40B4-BE49-F238E27FC236}">
-                <a16:creationId xmlns:a16="http://schemas.microsoft.com/office/drawing/2014/main" id="{A7E08721-40B1-4FE9-92A9-C644826B4A66}"/>
-              </a:ext>
-            </a:extLst>
-          </p:cNvPr>
+          <p:cNvPr id="5" name="Footer Placeholder 4"/>
           <p:cNvSpPr>
             <a:spLocks noGrp="1"/>
           </p:cNvSpPr>
@@ -1329,13 +4042,7 @@
       </p:sp>
       <p:sp>
         <p:nvSpPr>
-          <p:cNvPr id="6" name="Slide Number Placeholder 5">
-            <a:extLst>
-              <a:ext uri="{FF2B5EF4-FFF2-40B4-BE49-F238E27FC236}">
-                <a16:creationId xmlns:a16="http://schemas.microsoft.com/office/drawing/2014/main" id="{979B4F28-E240-4D58-9775-CD6C80DAEE93}"/>
-              </a:ext>
-            </a:extLst>
-          </p:cNvPr>
+          <p:cNvPr id="6" name="Slide Number Placeholder 5"/>
           <p:cNvSpPr>
             <a:spLocks noGrp="1"/>
           </p:cNvSpPr>
@@ -1359,7 +4066,7 @@
     </p:spTree>
     <p:extLst>
       <p:ext uri="{BB962C8B-B14F-4D97-AF65-F5344CB8AC3E}">
-        <p14:creationId xmlns:p14="http://schemas.microsoft.com/office/powerpoint/2010/main" val="1093991870"/>
+        <p14:creationId xmlns:p14="http://schemas.microsoft.com/office/powerpoint/2010/main" val="3570158862"/>
       </p:ext>
     </p:extLst>
   </p:cSld>
@@ -1388,13 +4095,7 @@
       </p:grpSpPr>
       <p:sp>
         <p:nvSpPr>
-          <p:cNvPr id="2" name="Title 1">
-            <a:extLst>
-              <a:ext uri="{FF2B5EF4-FFF2-40B4-BE49-F238E27FC236}">
-                <a16:creationId xmlns:a16="http://schemas.microsoft.com/office/drawing/2014/main" id="{14BCDD88-36FA-4E38-8E00-D6A972251810}"/>
-              </a:ext>
-            </a:extLst>
-          </p:cNvPr>
+          <p:cNvPr id="2" name="Title 1"/>
           <p:cNvSpPr>
             <a:spLocks noGrp="1"/>
           </p:cNvSpPr>
@@ -1411,18 +4112,13 @@
               <a:rPr lang="en-US"/>
               <a:t>Click to edit Master title style</a:t>
             </a:r>
-          </a:p>
-        </p:txBody>
-      </p:sp>
-      <p:sp>
-        <p:nvSpPr>
-          <p:cNvPr id="3" name="Content Placeholder 2">
-            <a:extLst>
-              <a:ext uri="{FF2B5EF4-FFF2-40B4-BE49-F238E27FC236}">
-                <a16:creationId xmlns:a16="http://schemas.microsoft.com/office/drawing/2014/main" id="{6417B089-956C-4A37-996A-1AA44A0C7E60}"/>
-              </a:ext>
-            </a:extLst>
-          </p:cNvPr>
+            <a:endParaRPr lang="en-US" dirty="0"/>
+          </a:p>
+        </p:txBody>
+      </p:sp>
+      <p:sp>
+        <p:nvSpPr>
+          <p:cNvPr id="3" name="Content Placeholder 2"/>
           <p:cNvSpPr>
             <a:spLocks noGrp="1"/>
           </p:cNvSpPr>
@@ -1432,12 +4128,14 @@
         </p:nvSpPr>
         <p:spPr>
           <a:xfrm>
-            <a:off x="838200" y="1825625"/>
-            <a:ext cx="5181600" cy="4351338"/>
+            <a:off x="913795" y="1732449"/>
+            <a:ext cx="5060497" cy="4058750"/>
           </a:xfrm>
         </p:spPr>
         <p:txBody>
-          <a:bodyPr/>
+          <a:bodyPr anchor="t">
+            <a:normAutofit/>
+          </a:bodyPr>
           <a:lstStyle/>
           <a:p>
             <a:pPr lvl="0"/>
@@ -1473,18 +4171,13 @@
               <a:rPr lang="en-US"/>
               <a:t>Fifth level</a:t>
             </a:r>
-          </a:p>
-        </p:txBody>
-      </p:sp>
-      <p:sp>
-        <p:nvSpPr>
-          <p:cNvPr id="4" name="Content Placeholder 3">
-            <a:extLst>
-              <a:ext uri="{FF2B5EF4-FFF2-40B4-BE49-F238E27FC236}">
-                <a16:creationId xmlns:a16="http://schemas.microsoft.com/office/drawing/2014/main" id="{ED69740E-D2B3-4DD2-AD09-5D9ADF3AB1A2}"/>
-              </a:ext>
-            </a:extLst>
-          </p:cNvPr>
+            <a:endParaRPr lang="en-US" dirty="0"/>
+          </a:p>
+        </p:txBody>
+      </p:sp>
+      <p:sp>
+        <p:nvSpPr>
+          <p:cNvPr id="4" name="Content Placeholder 3"/>
           <p:cNvSpPr>
             <a:spLocks noGrp="1"/>
           </p:cNvSpPr>
@@ -1494,12 +4187,14 @@
         </p:nvSpPr>
         <p:spPr>
           <a:xfrm>
-            <a:off x="6172200" y="1825625"/>
-            <a:ext cx="5181600" cy="4351338"/>
+            <a:off x="6202892" y="1732449"/>
+            <a:ext cx="5064665" cy="4058751"/>
           </a:xfrm>
         </p:spPr>
         <p:txBody>
-          <a:bodyPr/>
+          <a:bodyPr anchor="t">
+            <a:normAutofit/>
+          </a:bodyPr>
           <a:lstStyle/>
           <a:p>
             <a:pPr lvl="0"/>
@@ -1535,18 +4230,13 @@
               <a:rPr lang="en-US"/>
               <a:t>Fifth level</a:t>
             </a:r>
-          </a:p>
-        </p:txBody>
-      </p:sp>
-      <p:sp>
-        <p:nvSpPr>
-          <p:cNvPr id="5" name="Date Placeholder 4">
-            <a:extLst>
-              <a:ext uri="{FF2B5EF4-FFF2-40B4-BE49-F238E27FC236}">
-                <a16:creationId xmlns:a16="http://schemas.microsoft.com/office/drawing/2014/main" id="{4AE9658A-C24C-44A9-A7B2-9786D8FA5DA1}"/>
-              </a:ext>
-            </a:extLst>
-          </p:cNvPr>
+            <a:endParaRPr lang="en-US" dirty="0"/>
+          </a:p>
+        </p:txBody>
+      </p:sp>
+      <p:sp>
+        <p:nvSpPr>
+          <p:cNvPr id="5" name="Date Placeholder 4"/>
           <p:cNvSpPr>
             <a:spLocks noGrp="1"/>
           </p:cNvSpPr>
@@ -1569,13 +4259,7 @@
       </p:sp>
       <p:sp>
         <p:nvSpPr>
-          <p:cNvPr id="6" name="Footer Placeholder 5">
-            <a:extLst>
-              <a:ext uri="{FF2B5EF4-FFF2-40B4-BE49-F238E27FC236}">
-                <a16:creationId xmlns:a16="http://schemas.microsoft.com/office/drawing/2014/main" id="{5C00673C-829F-4902-9CCE-DD477CC848D9}"/>
-              </a:ext>
-            </a:extLst>
-          </p:cNvPr>
+          <p:cNvPr id="6" name="Footer Placeholder 5"/>
           <p:cNvSpPr>
             <a:spLocks noGrp="1"/>
           </p:cNvSpPr>
@@ -1594,13 +4278,7 @@
       </p:sp>
       <p:sp>
         <p:nvSpPr>
-          <p:cNvPr id="7" name="Slide Number Placeholder 6">
-            <a:extLst>
-              <a:ext uri="{FF2B5EF4-FFF2-40B4-BE49-F238E27FC236}">
-                <a16:creationId xmlns:a16="http://schemas.microsoft.com/office/drawing/2014/main" id="{8C3A7F94-51A2-4F7C-8994-9A26AE57ED02}"/>
-              </a:ext>
-            </a:extLst>
-          </p:cNvPr>
+          <p:cNvPr id="7" name="Slide Number Placeholder 6"/>
           <p:cNvSpPr>
             <a:spLocks noGrp="1"/>
           </p:cNvSpPr>
@@ -1624,7 +4302,7 @@
     </p:spTree>
     <p:extLst>
       <p:ext uri="{BB962C8B-B14F-4D97-AF65-F5344CB8AC3E}">
-        <p14:creationId xmlns:p14="http://schemas.microsoft.com/office/powerpoint/2010/main" val="95044946"/>
+        <p14:creationId xmlns:p14="http://schemas.microsoft.com/office/powerpoint/2010/main" val="2315395037"/>
       </p:ext>
     </p:extLst>
   </p:cSld>
@@ -1651,67 +4329,117 @@
           <a:chExt cx="0" cy="0"/>
         </a:xfrm>
       </p:grpSpPr>
-      <p:sp>
-        <p:nvSpPr>
-          <p:cNvPr id="2" name="Title 1">
+      <p:pic>
+        <p:nvPicPr>
+          <p:cNvPr id="20" name="Picture 19" descr="Slate-V2-HD-compPhotoInset.png"/>
+          <p:cNvPicPr>
+            <a:picLocks noChangeAspect="1"/>
+          </p:cNvPicPr>
+          <p:nvPr/>
+        </p:nvPicPr>
+        <p:blipFill>
+          <a:blip r:embed="rId2">
             <a:extLst>
-              <a:ext uri="{FF2B5EF4-FFF2-40B4-BE49-F238E27FC236}">
-                <a16:creationId xmlns:a16="http://schemas.microsoft.com/office/drawing/2014/main" id="{7BDB56E6-4792-4A55-87CA-C8F9543ACDF4}"/>
+              <a:ext uri="{28A0092B-C50C-407E-A947-70E740481C1C}">
+                <a14:useLocalDpi xmlns:a14="http://schemas.microsoft.com/office/drawing/2010/main" val="0"/>
               </a:ext>
             </a:extLst>
-          </p:cNvPr>
-          <p:cNvSpPr>
-            <a:spLocks noGrp="1"/>
-          </p:cNvSpPr>
-          <p:nvPr>
-            <p:ph type="title"/>
-          </p:nvPr>
-        </p:nvSpPr>
+          </a:blip>
+          <a:stretch>
+            <a:fillRect/>
+          </a:stretch>
+        </p:blipFill>
         <p:spPr>
           <a:xfrm>
-            <a:off x="839788" y="365125"/>
-            <a:ext cx="10515600" cy="1325563"/>
+            <a:off x="913795" y="1734506"/>
+            <a:ext cx="5089072" cy="4148769"/>
+          </a:xfrm>
+          <a:prstGeom prst="rect">
+            <a:avLst/>
+          </a:prstGeom>
+        </p:spPr>
+      </p:pic>
+      <p:pic>
+        <p:nvPicPr>
+          <p:cNvPr id="21" name="Picture 20" descr="Slate-V2-HD-compPhotoInset.png"/>
+          <p:cNvPicPr>
+            <a:picLocks noChangeAspect="1"/>
+          </p:cNvPicPr>
+          <p:nvPr/>
+        </p:nvPicPr>
+        <p:blipFill>
+          <a:blip r:embed="rId2">
+            <a:extLst>
+              <a:ext uri="{28A0092B-C50C-407E-A947-70E740481C1C}">
+                <a14:useLocalDpi xmlns:a14="http://schemas.microsoft.com/office/drawing/2010/main" val="0"/>
+              </a:ext>
+            </a:extLst>
+          </a:blip>
+          <a:stretch>
+            <a:fillRect/>
+          </a:stretch>
+        </p:blipFill>
+        <p:spPr>
+          <a:xfrm>
+            <a:off x="6178485" y="1734506"/>
+            <a:ext cx="5089072" cy="4148769"/>
+          </a:xfrm>
+          <a:prstGeom prst="rect">
+            <a:avLst/>
+          </a:prstGeom>
+        </p:spPr>
+      </p:pic>
+      <p:sp>
+        <p:nvSpPr>
+          <p:cNvPr id="2" name="Title 1"/>
+          <p:cNvSpPr>
+            <a:spLocks noGrp="1"/>
+          </p:cNvSpPr>
+          <p:nvPr>
+            <p:ph type="title"/>
+          </p:nvPr>
+        </p:nvSpPr>
+        <p:spPr/>
+        <p:txBody>
+          <a:bodyPr/>
+          <a:lstStyle>
+            <a:lvl1pPr>
+              <a:defRPr/>
+            </a:lvl1pPr>
+          </a:lstStyle>
+          <a:p>
+            <a:r>
+              <a:rPr lang="en-US"/>
+              <a:t>Click to edit Master title style</a:t>
+            </a:r>
+            <a:endParaRPr lang="en-US" dirty="0"/>
+          </a:p>
+        </p:txBody>
+      </p:sp>
+      <p:sp>
+        <p:nvSpPr>
+          <p:cNvPr id="3" name="Text Placeholder 2"/>
+          <p:cNvSpPr>
+            <a:spLocks noGrp="1"/>
+          </p:cNvSpPr>
+          <p:nvPr>
+            <p:ph type="body" idx="1"/>
+          </p:nvPr>
+        </p:nvSpPr>
+        <p:spPr>
+          <a:xfrm>
+            <a:off x="1005872" y="1835254"/>
+            <a:ext cx="4876344" cy="544884"/>
           </a:xfrm>
         </p:spPr>
         <p:txBody>
-          <a:bodyPr/>
-          <a:lstStyle/>
-          <a:p>
-            <a:r>
-              <a:rPr lang="en-US"/>
-              <a:t>Click to edit Master title style</a:t>
-            </a:r>
-          </a:p>
-        </p:txBody>
-      </p:sp>
-      <p:sp>
-        <p:nvSpPr>
-          <p:cNvPr id="3" name="Text Placeholder 2">
-            <a:extLst>
-              <a:ext uri="{FF2B5EF4-FFF2-40B4-BE49-F238E27FC236}">
-                <a16:creationId xmlns:a16="http://schemas.microsoft.com/office/drawing/2014/main" id="{930602C6-DD0F-4EA1-AD8E-B67E15CD5235}"/>
-              </a:ext>
-            </a:extLst>
-          </p:cNvPr>
-          <p:cNvSpPr>
-            <a:spLocks noGrp="1"/>
-          </p:cNvSpPr>
-          <p:nvPr>
-            <p:ph type="body" idx="1"/>
-          </p:nvPr>
-        </p:nvSpPr>
-        <p:spPr>
-          <a:xfrm>
-            <a:off x="839788" y="1681163"/>
-            <a:ext cx="5157787" cy="823912"/>
-          </a:xfrm>
-        </p:spPr>
-        <p:txBody>
-          <a:bodyPr anchor="b"/>
+          <a:bodyPr anchor="b">
+            <a:noAutofit/>
+          </a:bodyPr>
           <a:lstStyle>
-            <a:lvl1pPr marL="0" indent="0">
-              <a:buNone/>
-              <a:defRPr sz="2400" b="1"/>
+            <a:lvl1pPr marL="0" indent="0" algn="ctr">
+              <a:buNone/>
+              <a:defRPr sz="2400" b="0"/>
             </a:lvl1pPr>
             <a:lvl2pPr marL="457200" indent="0">
               <a:buNone/>
@@ -1757,13 +4485,7 @@
       </p:sp>
       <p:sp>
         <p:nvSpPr>
-          <p:cNvPr id="4" name="Content Placeholder 3">
-            <a:extLst>
-              <a:ext uri="{FF2B5EF4-FFF2-40B4-BE49-F238E27FC236}">
-                <a16:creationId xmlns:a16="http://schemas.microsoft.com/office/drawing/2014/main" id="{2BD1E1DE-1A2A-4C57-ACAB-19DA7897A11A}"/>
-              </a:ext>
-            </a:extLst>
-          </p:cNvPr>
+          <p:cNvPr id="4" name="Content Placeholder 3"/>
           <p:cNvSpPr>
             <a:spLocks noGrp="1"/>
           </p:cNvSpPr>
@@ -1773,13 +4495,31 @@
         </p:nvSpPr>
         <p:spPr>
           <a:xfrm>
-            <a:off x="839788" y="2505075"/>
-            <a:ext cx="5157787" cy="3684588"/>
+            <a:off x="1005872" y="2380137"/>
+            <a:ext cx="4876344" cy="3411063"/>
           </a:xfrm>
         </p:spPr>
         <p:txBody>
-          <a:bodyPr/>
-          <a:lstStyle/>
+          <a:bodyPr anchor="t">
+            <a:normAutofit/>
+          </a:bodyPr>
+          <a:lstStyle>
+            <a:lvl1pPr>
+              <a:defRPr sz="1800"/>
+            </a:lvl1pPr>
+            <a:lvl2pPr>
+              <a:defRPr sz="1600"/>
+            </a:lvl2pPr>
+            <a:lvl3pPr>
+              <a:defRPr sz="1400"/>
+            </a:lvl3pPr>
+            <a:lvl4pPr>
+              <a:defRPr sz="1200"/>
+            </a:lvl4pPr>
+            <a:lvl5pPr>
+              <a:defRPr sz="1200"/>
+            </a:lvl5pPr>
+          </a:lstStyle>
           <a:p>
             <a:pPr lvl="0"/>
             <a:r>
@@ -1814,18 +4554,13 @@
               <a:rPr lang="en-US"/>
               <a:t>Fifth level</a:t>
             </a:r>
-          </a:p>
-        </p:txBody>
-      </p:sp>
-      <p:sp>
-        <p:nvSpPr>
-          <p:cNvPr id="5" name="Text Placeholder 4">
-            <a:extLst>
-              <a:ext uri="{FF2B5EF4-FFF2-40B4-BE49-F238E27FC236}">
-                <a16:creationId xmlns:a16="http://schemas.microsoft.com/office/drawing/2014/main" id="{DDD2B325-1903-41A8-BEF6-1BBC26CC526E}"/>
-              </a:ext>
-            </a:extLst>
-          </p:cNvPr>
+            <a:endParaRPr lang="en-US" dirty="0"/>
+          </a:p>
+        </p:txBody>
+      </p:sp>
+      <p:sp>
+        <p:nvSpPr>
+          <p:cNvPr id="5" name="Text Placeholder 4"/>
           <p:cNvSpPr>
             <a:spLocks noGrp="1"/>
           </p:cNvSpPr>
@@ -1835,16 +4570,18 @@
         </p:nvSpPr>
         <p:spPr>
           <a:xfrm>
-            <a:off x="6172200" y="1681163"/>
-            <a:ext cx="5183188" cy="823912"/>
+            <a:off x="6294967" y="1835254"/>
+            <a:ext cx="4895330" cy="544883"/>
           </a:xfrm>
         </p:spPr>
         <p:txBody>
-          <a:bodyPr anchor="b"/>
+          <a:bodyPr anchor="b">
+            <a:noAutofit/>
+          </a:bodyPr>
           <a:lstStyle>
-            <a:lvl1pPr marL="0" indent="0">
-              <a:buNone/>
-              <a:defRPr sz="2400" b="1"/>
+            <a:lvl1pPr marL="0" indent="0" algn="ctr">
+              <a:buNone/>
+              <a:defRPr sz="2400" b="0"/>
             </a:lvl1pPr>
             <a:lvl2pPr marL="457200" indent="0">
               <a:buNone/>
@@ -1890,13 +4627,7 @@
       </p:sp>
       <p:sp>
         <p:nvSpPr>
-          <p:cNvPr id="6" name="Content Placeholder 5">
-            <a:extLst>
-              <a:ext uri="{FF2B5EF4-FFF2-40B4-BE49-F238E27FC236}">
-                <a16:creationId xmlns:a16="http://schemas.microsoft.com/office/drawing/2014/main" id="{1E6E1EE7-D367-47D6-8936-67A827632F4A}"/>
-              </a:ext>
-            </a:extLst>
-          </p:cNvPr>
+          <p:cNvPr id="6" name="Content Placeholder 5"/>
           <p:cNvSpPr>
             <a:spLocks noGrp="1"/>
           </p:cNvSpPr>
@@ -1906,13 +4637,31 @@
         </p:nvSpPr>
         <p:spPr>
           <a:xfrm>
-            <a:off x="6172200" y="2505075"/>
-            <a:ext cx="5183188" cy="3684588"/>
+            <a:off x="6294967" y="2380137"/>
+            <a:ext cx="4895330" cy="3411063"/>
           </a:xfrm>
         </p:spPr>
         <p:txBody>
-          <a:bodyPr/>
-          <a:lstStyle/>
+          <a:bodyPr anchor="t">
+            <a:normAutofit/>
+          </a:bodyPr>
+          <a:lstStyle>
+            <a:lvl1pPr>
+              <a:defRPr sz="1800"/>
+            </a:lvl1pPr>
+            <a:lvl2pPr>
+              <a:defRPr sz="1600"/>
+            </a:lvl2pPr>
+            <a:lvl3pPr>
+              <a:defRPr sz="1400"/>
+            </a:lvl3pPr>
+            <a:lvl4pPr>
+              <a:defRPr sz="1200"/>
+            </a:lvl4pPr>
+            <a:lvl5pPr>
+              <a:defRPr sz="1200"/>
+            </a:lvl5pPr>
+          </a:lstStyle>
           <a:p>
             <a:pPr lvl="0"/>
             <a:r>
@@ -1947,18 +4696,13 @@
               <a:rPr lang="en-US"/>
               <a:t>Fifth level</a:t>
             </a:r>
-          </a:p>
-        </p:txBody>
-      </p:sp>
-      <p:sp>
-        <p:nvSpPr>
-          <p:cNvPr id="7" name="Date Placeholder 6">
-            <a:extLst>
-              <a:ext uri="{FF2B5EF4-FFF2-40B4-BE49-F238E27FC236}">
-                <a16:creationId xmlns:a16="http://schemas.microsoft.com/office/drawing/2014/main" id="{4F449B55-89E4-4E10-9783-91D8DC984FD0}"/>
-              </a:ext>
-            </a:extLst>
-          </p:cNvPr>
+            <a:endParaRPr lang="en-US" dirty="0"/>
+          </a:p>
+        </p:txBody>
+      </p:sp>
+      <p:sp>
+        <p:nvSpPr>
+          <p:cNvPr id="7" name="Date Placeholder 6"/>
           <p:cNvSpPr>
             <a:spLocks noGrp="1"/>
           </p:cNvSpPr>
@@ -1981,13 +4725,7 @@
       </p:sp>
       <p:sp>
         <p:nvSpPr>
-          <p:cNvPr id="8" name="Footer Placeholder 7">
-            <a:extLst>
-              <a:ext uri="{FF2B5EF4-FFF2-40B4-BE49-F238E27FC236}">
-                <a16:creationId xmlns:a16="http://schemas.microsoft.com/office/drawing/2014/main" id="{02A9044D-AC0D-48CE-ABB1-C20E82923159}"/>
-              </a:ext>
-            </a:extLst>
-          </p:cNvPr>
+          <p:cNvPr id="8" name="Footer Placeholder 7"/>
           <p:cNvSpPr>
             <a:spLocks noGrp="1"/>
           </p:cNvSpPr>
@@ -2006,13 +4744,7 @@
       </p:sp>
       <p:sp>
         <p:nvSpPr>
-          <p:cNvPr id="9" name="Slide Number Placeholder 8">
-            <a:extLst>
-              <a:ext uri="{FF2B5EF4-FFF2-40B4-BE49-F238E27FC236}">
-                <a16:creationId xmlns:a16="http://schemas.microsoft.com/office/drawing/2014/main" id="{15DB56E0-23E8-471F-BC3A-6323EF1A2919}"/>
-              </a:ext>
-            </a:extLst>
-          </p:cNvPr>
+          <p:cNvPr id="9" name="Slide Number Placeholder 8"/>
           <p:cNvSpPr>
             <a:spLocks noGrp="1"/>
           </p:cNvSpPr>
@@ -2036,7 +4768,7 @@
     </p:spTree>
     <p:extLst>
       <p:ext uri="{BB962C8B-B14F-4D97-AF65-F5344CB8AC3E}">
-        <p14:creationId xmlns:p14="http://schemas.microsoft.com/office/powerpoint/2010/main" val="3563142975"/>
+        <p14:creationId xmlns:p14="http://schemas.microsoft.com/office/powerpoint/2010/main" val="378526540"/>
       </p:ext>
     </p:extLst>
   </p:cSld>
@@ -2065,13 +4797,7 @@
       </p:grpSpPr>
       <p:sp>
         <p:nvSpPr>
-          <p:cNvPr id="2" name="Title 1">
-            <a:extLst>
-              <a:ext uri="{FF2B5EF4-FFF2-40B4-BE49-F238E27FC236}">
-                <a16:creationId xmlns:a16="http://schemas.microsoft.com/office/drawing/2014/main" id="{1BA6570D-9549-4434-8274-719C2F41C542}"/>
-              </a:ext>
-            </a:extLst>
-          </p:cNvPr>
+          <p:cNvPr id="2" name="Title 1"/>
           <p:cNvSpPr>
             <a:spLocks noGrp="1"/>
           </p:cNvSpPr>
@@ -2088,18 +4814,13 @@
               <a:rPr lang="en-US"/>
               <a:t>Click to edit Master title style</a:t>
             </a:r>
-          </a:p>
-        </p:txBody>
-      </p:sp>
-      <p:sp>
-        <p:nvSpPr>
-          <p:cNvPr id="3" name="Date Placeholder 2">
-            <a:extLst>
-              <a:ext uri="{FF2B5EF4-FFF2-40B4-BE49-F238E27FC236}">
-                <a16:creationId xmlns:a16="http://schemas.microsoft.com/office/drawing/2014/main" id="{5C56C569-C796-495A-A2B4-40EB2DA9DD7E}"/>
-              </a:ext>
-            </a:extLst>
-          </p:cNvPr>
+            <a:endParaRPr lang="en-US" dirty="0"/>
+          </a:p>
+        </p:txBody>
+      </p:sp>
+      <p:sp>
+        <p:nvSpPr>
+          <p:cNvPr id="3" name="Date Placeholder 2"/>
           <p:cNvSpPr>
             <a:spLocks noGrp="1"/>
           </p:cNvSpPr>
@@ -2122,13 +4843,7 @@
       </p:sp>
       <p:sp>
         <p:nvSpPr>
-          <p:cNvPr id="4" name="Footer Placeholder 3">
-            <a:extLst>
-              <a:ext uri="{FF2B5EF4-FFF2-40B4-BE49-F238E27FC236}">
-                <a16:creationId xmlns:a16="http://schemas.microsoft.com/office/drawing/2014/main" id="{268A2D49-D270-4A65-9C23-49A8F561BA5F}"/>
-              </a:ext>
-            </a:extLst>
-          </p:cNvPr>
+          <p:cNvPr id="4" name="Footer Placeholder 3"/>
           <p:cNvSpPr>
             <a:spLocks noGrp="1"/>
           </p:cNvSpPr>
@@ -2147,13 +4862,7 @@
       </p:sp>
       <p:sp>
         <p:nvSpPr>
-          <p:cNvPr id="5" name="Slide Number Placeholder 4">
-            <a:extLst>
-              <a:ext uri="{FF2B5EF4-FFF2-40B4-BE49-F238E27FC236}">
-                <a16:creationId xmlns:a16="http://schemas.microsoft.com/office/drawing/2014/main" id="{5E47DF33-F83D-4257-BB20-A878EF4EB16B}"/>
-              </a:ext>
-            </a:extLst>
-          </p:cNvPr>
+          <p:cNvPr id="5" name="Slide Number Placeholder 4"/>
           <p:cNvSpPr>
             <a:spLocks noGrp="1"/>
           </p:cNvSpPr>
@@ -2177,7 +4886,7 @@
     </p:spTree>
     <p:extLst>
       <p:ext uri="{BB962C8B-B14F-4D97-AF65-F5344CB8AC3E}">
-        <p14:creationId xmlns:p14="http://schemas.microsoft.com/office/powerpoint/2010/main" val="1723347327"/>
+        <p14:creationId xmlns:p14="http://schemas.microsoft.com/office/powerpoint/2010/main" val="3982206186"/>
       </p:ext>
     </p:extLst>
   </p:cSld>
@@ -2206,13 +4915,7 @@
       </p:grpSpPr>
       <p:sp>
         <p:nvSpPr>
-          <p:cNvPr id="2" name="Date Placeholder 1">
-            <a:extLst>
-              <a:ext uri="{FF2B5EF4-FFF2-40B4-BE49-F238E27FC236}">
-                <a16:creationId xmlns:a16="http://schemas.microsoft.com/office/drawing/2014/main" id="{A2676E60-4ED3-456C-B128-DBEDA67FC297}"/>
-              </a:ext>
-            </a:extLst>
-          </p:cNvPr>
+          <p:cNvPr id="2" name="Date Placeholder 1"/>
           <p:cNvSpPr>
             <a:spLocks noGrp="1"/>
           </p:cNvSpPr>
@@ -2235,13 +4938,7 @@
       </p:sp>
       <p:sp>
         <p:nvSpPr>
-          <p:cNvPr id="3" name="Footer Placeholder 2">
-            <a:extLst>
-              <a:ext uri="{FF2B5EF4-FFF2-40B4-BE49-F238E27FC236}">
-                <a16:creationId xmlns:a16="http://schemas.microsoft.com/office/drawing/2014/main" id="{4FEFA50A-0A68-4EA6-A901-BBDA8000BC43}"/>
-              </a:ext>
-            </a:extLst>
-          </p:cNvPr>
+          <p:cNvPr id="3" name="Footer Placeholder 2"/>
           <p:cNvSpPr>
             <a:spLocks noGrp="1"/>
           </p:cNvSpPr>
@@ -2260,13 +4957,7 @@
       </p:sp>
       <p:sp>
         <p:nvSpPr>
-          <p:cNvPr id="4" name="Slide Number Placeholder 3">
-            <a:extLst>
-              <a:ext uri="{FF2B5EF4-FFF2-40B4-BE49-F238E27FC236}">
-                <a16:creationId xmlns:a16="http://schemas.microsoft.com/office/drawing/2014/main" id="{C83B1ABE-D35F-4FEC-8020-DF2B0AFC19F7}"/>
-              </a:ext>
-            </a:extLst>
-          </p:cNvPr>
+          <p:cNvPr id="4" name="Slide Number Placeholder 3"/>
           <p:cNvSpPr>
             <a:spLocks noGrp="1"/>
           </p:cNvSpPr>
@@ -2290,7 +4981,7 @@
     </p:spTree>
     <p:extLst>
       <p:ext uri="{BB962C8B-B14F-4D97-AF65-F5344CB8AC3E}">
-        <p14:creationId xmlns:p14="http://schemas.microsoft.com/office/powerpoint/2010/main" val="3466732240"/>
+        <p14:creationId xmlns:p14="http://schemas.microsoft.com/office/powerpoint/2010/main" val="2221357377"/>
       </p:ext>
     </p:extLst>
   </p:cSld>
@@ -2319,13 +5010,7 @@
       </p:grpSpPr>
       <p:sp>
         <p:nvSpPr>
-          <p:cNvPr id="2" name="Title 1">
-            <a:extLst>
-              <a:ext uri="{FF2B5EF4-FFF2-40B4-BE49-F238E27FC236}">
-                <a16:creationId xmlns:a16="http://schemas.microsoft.com/office/drawing/2014/main" id="{08C7EF15-0C54-41A3-8F99-2FC379EAA931}"/>
-              </a:ext>
-            </a:extLst>
-          </p:cNvPr>
+          <p:cNvPr id="2" name="Title 1"/>
           <p:cNvSpPr>
             <a:spLocks noGrp="1"/>
           </p:cNvSpPr>
@@ -2335,15 +5020,17 @@
         </p:nvSpPr>
         <p:spPr>
           <a:xfrm>
-            <a:off x="839788" y="457200"/>
-            <a:ext cx="3932237" cy="1600200"/>
+            <a:off x="913795" y="609600"/>
+            <a:ext cx="3706889" cy="1821918"/>
           </a:xfrm>
         </p:spPr>
         <p:txBody>
-          <a:bodyPr anchor="b"/>
+          <a:bodyPr anchor="b">
+            <a:normAutofit/>
+          </a:bodyPr>
           <a:lstStyle>
-            <a:lvl1pPr>
-              <a:defRPr sz="3200"/>
+            <a:lvl1pPr algn="ctr">
+              <a:defRPr sz="2400" b="0"/>
             </a:lvl1pPr>
           </a:lstStyle>
           <a:p>
@@ -2351,18 +5038,13 @@
               <a:rPr lang="en-US"/>
               <a:t>Click to edit Master title style</a:t>
             </a:r>
-          </a:p>
-        </p:txBody>
-      </p:sp>
-      <p:sp>
-        <p:nvSpPr>
-          <p:cNvPr id="3" name="Content Placeholder 2">
-            <a:extLst>
-              <a:ext uri="{FF2B5EF4-FFF2-40B4-BE49-F238E27FC236}">
-                <a16:creationId xmlns:a16="http://schemas.microsoft.com/office/drawing/2014/main" id="{0BF25004-4A79-4286-8C12-5663BACD7580}"/>
-              </a:ext>
-            </a:extLst>
-          </p:cNvPr>
+            <a:endParaRPr lang="en-US" dirty="0"/>
+          </a:p>
+        </p:txBody>
+      </p:sp>
+      <p:sp>
+        <p:nvSpPr>
+          <p:cNvPr id="3" name="Content Placeholder 2"/>
           <p:cNvSpPr>
             <a:spLocks noGrp="1"/>
           </p:cNvSpPr>
@@ -2372,41 +5054,15 @@
         </p:nvSpPr>
         <p:spPr>
           <a:xfrm>
-            <a:off x="5183188" y="987425"/>
-            <a:ext cx="6172200" cy="4873625"/>
+            <a:off x="4855633" y="609600"/>
+            <a:ext cx="6411924" cy="5181600"/>
           </a:xfrm>
         </p:spPr>
         <p:txBody>
-          <a:bodyPr/>
-          <a:lstStyle>
-            <a:lvl1pPr>
-              <a:defRPr sz="3200"/>
-            </a:lvl1pPr>
-            <a:lvl2pPr>
-              <a:defRPr sz="2800"/>
-            </a:lvl2pPr>
-            <a:lvl3pPr>
-              <a:defRPr sz="2400"/>
-            </a:lvl3pPr>
-            <a:lvl4pPr>
-              <a:defRPr sz="2000"/>
-            </a:lvl4pPr>
-            <a:lvl5pPr>
-              <a:defRPr sz="2000"/>
-            </a:lvl5pPr>
-            <a:lvl6pPr>
-              <a:defRPr sz="2000"/>
-            </a:lvl6pPr>
-            <a:lvl7pPr>
-              <a:defRPr sz="2000"/>
-            </a:lvl7pPr>
-            <a:lvl8pPr>
-              <a:defRPr sz="2000"/>
-            </a:lvl8pPr>
-            <a:lvl9pPr>
-              <a:defRPr sz="2000"/>
-            </a:lvl9pPr>
-          </a:lstStyle>
+          <a:bodyPr>
+            <a:normAutofit/>
+          </a:bodyPr>
+          <a:lstStyle/>
           <a:p>
             <a:pPr lvl="0"/>
             <a:r>
@@ -2441,18 +5097,13 @@
               <a:rPr lang="en-US"/>
               <a:t>Fifth level</a:t>
             </a:r>
-          </a:p>
-        </p:txBody>
-      </p:sp>
-      <p:sp>
-        <p:nvSpPr>
-          <p:cNvPr id="4" name="Text Placeholder 3">
-            <a:extLst>
-              <a:ext uri="{FF2B5EF4-FFF2-40B4-BE49-F238E27FC236}">
-                <a16:creationId xmlns:a16="http://schemas.microsoft.com/office/drawing/2014/main" id="{70470DA9-8CC4-47B1-9DDB-1B2C162C71CF}"/>
-              </a:ext>
-            </a:extLst>
-          </p:cNvPr>
+            <a:endParaRPr lang="en-US" dirty="0"/>
+          </a:p>
+        </p:txBody>
+      </p:sp>
+      <p:sp>
+        <p:nvSpPr>
+          <p:cNvPr id="4" name="Text Placeholder 3"/>
           <p:cNvSpPr>
             <a:spLocks noGrp="1"/>
           </p:cNvSpPr>
@@ -2462,48 +5113,50 @@
         </p:nvSpPr>
         <p:spPr>
           <a:xfrm>
-            <a:off x="839788" y="2057400"/>
-            <a:ext cx="3932237" cy="3811588"/>
+            <a:off x="913795" y="2431518"/>
+            <a:ext cx="3706889" cy="3359681"/>
           </a:xfrm>
         </p:spPr>
         <p:txBody>
-          <a:bodyPr/>
+          <a:bodyPr anchor="t">
+            <a:normAutofit/>
+          </a:bodyPr>
           <a:lstStyle>
-            <a:lvl1pPr marL="0" indent="0">
+            <a:lvl1pPr marL="0" indent="0" algn="ctr">
               <a:buNone/>
               <a:defRPr sz="1600"/>
             </a:lvl1pPr>
             <a:lvl2pPr marL="457200" indent="0">
               <a:buNone/>
-              <a:defRPr sz="1400"/>
+              <a:defRPr sz="1200"/>
             </a:lvl2pPr>
             <a:lvl3pPr marL="914400" indent="0">
               <a:buNone/>
-              <a:defRPr sz="1200"/>
+              <a:defRPr sz="1000"/>
             </a:lvl3pPr>
             <a:lvl4pPr marL="1371600" indent="0">
               <a:buNone/>
-              <a:defRPr sz="1000"/>
+              <a:defRPr sz="900"/>
             </a:lvl4pPr>
             <a:lvl5pPr marL="1828800" indent="0">
               <a:buNone/>
-              <a:defRPr sz="1000"/>
+              <a:defRPr sz="900"/>
             </a:lvl5pPr>
             <a:lvl6pPr marL="2286000" indent="0">
               <a:buNone/>
-              <a:defRPr sz="1000"/>
+              <a:defRPr sz="900"/>
             </a:lvl6pPr>
             <a:lvl7pPr marL="2743200" indent="0">
               <a:buNone/>
-              <a:defRPr sz="1000"/>
+              <a:defRPr sz="900"/>
             </a:lvl7pPr>
             <a:lvl8pPr marL="3200400" indent="0">
               <a:buNone/>
-              <a:defRPr sz="1000"/>
+              <a:defRPr sz="900"/>
             </a:lvl8pPr>
             <a:lvl9pPr marL="3657600" indent="0">
               <a:buNone/>
-              <a:defRPr sz="1000"/>
+              <a:defRPr sz="900"/>
             </a:lvl9pPr>
           </a:lstStyle>
           <a:p>
@@ -2517,13 +5170,7 @@
       </p:sp>
       <p:sp>
         <p:nvSpPr>
-          <p:cNvPr id="5" name="Date Placeholder 4">
-            <a:extLst>
-              <a:ext uri="{FF2B5EF4-FFF2-40B4-BE49-F238E27FC236}">
-                <a16:creationId xmlns:a16="http://schemas.microsoft.com/office/drawing/2014/main" id="{A80659EE-A903-4BBA-889C-0A7655874EDE}"/>
-              </a:ext>
-            </a:extLst>
-          </p:cNvPr>
+          <p:cNvPr id="5" name="Date Placeholder 4"/>
           <p:cNvSpPr>
             <a:spLocks noGrp="1"/>
           </p:cNvSpPr>
@@ -2546,13 +5193,7 @@
       </p:sp>
       <p:sp>
         <p:nvSpPr>
-          <p:cNvPr id="6" name="Footer Placeholder 5">
-            <a:extLst>
-              <a:ext uri="{FF2B5EF4-FFF2-40B4-BE49-F238E27FC236}">
-                <a16:creationId xmlns:a16="http://schemas.microsoft.com/office/drawing/2014/main" id="{FBBACF2D-92B1-4F3F-AF27-01B9B2EB11CF}"/>
-              </a:ext>
-            </a:extLst>
-          </p:cNvPr>
+          <p:cNvPr id="6" name="Footer Placeholder 5"/>
           <p:cNvSpPr>
             <a:spLocks noGrp="1"/>
           </p:cNvSpPr>
@@ -2571,13 +5212,7 @@
       </p:sp>
       <p:sp>
         <p:nvSpPr>
-          <p:cNvPr id="7" name="Slide Number Placeholder 6">
-            <a:extLst>
-              <a:ext uri="{FF2B5EF4-FFF2-40B4-BE49-F238E27FC236}">
-                <a16:creationId xmlns:a16="http://schemas.microsoft.com/office/drawing/2014/main" id="{45D0FFE7-219D-4B4A-9152-6AE130D9AD6A}"/>
-              </a:ext>
-            </a:extLst>
-          </p:cNvPr>
+          <p:cNvPr id="7" name="Slide Number Placeholder 6"/>
           <p:cNvSpPr>
             <a:spLocks noGrp="1"/>
           </p:cNvSpPr>
@@ -2601,7 +5236,7 @@
     </p:spTree>
     <p:extLst>
       <p:ext uri="{BB962C8B-B14F-4D97-AF65-F5344CB8AC3E}">
-        <p14:creationId xmlns:p14="http://schemas.microsoft.com/office/powerpoint/2010/main" val="2017230533"/>
+        <p14:creationId xmlns:p14="http://schemas.microsoft.com/office/powerpoint/2010/main" val="2525600269"/>
       </p:ext>
     </p:extLst>
   </p:cSld>
@@ -2628,33 +5263,59 @@
           <a:chExt cx="0" cy="0"/>
         </a:xfrm>
       </p:grpSpPr>
-      <p:sp>
-        <p:nvSpPr>
-          <p:cNvPr id="2" name="Title 1">
+      <p:pic>
+        <p:nvPicPr>
+          <p:cNvPr id="22" name="Picture 21" descr="Slate-V2-HD-vertPhotoInset.png"/>
+          <p:cNvPicPr>
+            <a:picLocks noChangeAspect="1"/>
+          </p:cNvPicPr>
+          <p:nvPr/>
+        </p:nvPicPr>
+        <p:blipFill>
+          <a:blip r:embed="rId2">
             <a:extLst>
-              <a:ext uri="{FF2B5EF4-FFF2-40B4-BE49-F238E27FC236}">
-                <a16:creationId xmlns:a16="http://schemas.microsoft.com/office/drawing/2014/main" id="{0272FB05-BC67-48AF-AE80-5F610342E0C3}"/>
+              <a:ext uri="{28A0092B-C50C-407E-A947-70E740481C1C}">
+                <a14:useLocalDpi xmlns:a14="http://schemas.microsoft.com/office/drawing/2010/main" val="0"/>
               </a:ext>
             </a:extLst>
-          </p:cNvPr>
-          <p:cNvSpPr>
-            <a:spLocks noGrp="1"/>
-          </p:cNvSpPr>
-          <p:nvPr>
-            <p:ph type="title"/>
-          </p:nvPr>
-        </p:nvSpPr>
+          </a:blip>
+          <a:stretch>
+            <a:fillRect/>
+          </a:stretch>
+        </p:blipFill>
         <p:spPr>
           <a:xfrm>
-            <a:off x="839788" y="457200"/>
-            <a:ext cx="3932237" cy="1600200"/>
+            <a:off x="7293665" y="609600"/>
+            <a:ext cx="3584166" cy="5204832"/>
+          </a:xfrm>
+          <a:prstGeom prst="rect">
+            <a:avLst/>
+          </a:prstGeom>
+        </p:spPr>
+      </p:pic>
+      <p:sp>
+        <p:nvSpPr>
+          <p:cNvPr id="2" name="Title 1"/>
+          <p:cNvSpPr>
+            <a:spLocks noGrp="1"/>
+          </p:cNvSpPr>
+          <p:nvPr>
+            <p:ph type="title"/>
+          </p:nvPr>
+        </p:nvSpPr>
+        <p:spPr>
+          <a:xfrm>
+            <a:off x="913795" y="609923"/>
+            <a:ext cx="5934949" cy="1829338"/>
           </a:xfrm>
         </p:spPr>
         <p:txBody>
-          <a:bodyPr anchor="b"/>
+          <a:bodyPr anchor="b">
+            <a:noAutofit/>
+          </a:bodyPr>
           <a:lstStyle>
-            <a:lvl1pPr>
-              <a:defRPr sz="3200"/>
+            <a:lvl1pPr algn="ctr">
+              <a:defRPr sz="3200" b="0"/>
             </a:lvl1pPr>
           </a:lstStyle>
           <a:p>
@@ -2662,20 +5323,15 @@
               <a:rPr lang="en-US"/>
               <a:t>Click to edit Master title style</a:t>
             </a:r>
-          </a:p>
-        </p:txBody>
-      </p:sp>
-      <p:sp>
-        <p:nvSpPr>
-          <p:cNvPr id="3" name="Picture Placeholder 2">
-            <a:extLst>
-              <a:ext uri="{FF2B5EF4-FFF2-40B4-BE49-F238E27FC236}">
-                <a16:creationId xmlns:a16="http://schemas.microsoft.com/office/drawing/2014/main" id="{E8B5863B-EDF7-465E-9981-B2F82DF8986D}"/>
-              </a:ext>
-            </a:extLst>
-          </p:cNvPr>
-          <p:cNvSpPr>
-            <a:spLocks noGrp="1"/>
+            <a:endParaRPr lang="en-US" dirty="0"/>
+          </a:p>
+        </p:txBody>
+      </p:sp>
+      <p:sp>
+        <p:nvSpPr>
+          <p:cNvPr id="3" name="Picture Placeholder 2"/>
+          <p:cNvSpPr>
+            <a:spLocks noGrp="1" noChangeAspect="1"/>
           </p:cNvSpPr>
           <p:nvPr>
             <p:ph type="pic" idx="1"/>
@@ -2683,118 +5339,127 @@
         </p:nvSpPr>
         <p:spPr>
           <a:xfrm>
-            <a:off x="5183188" y="987425"/>
-            <a:ext cx="6172200" cy="4873625"/>
+            <a:off x="7442551" y="763702"/>
+            <a:ext cx="3275751" cy="4912822"/>
           </a:xfrm>
+          <a:effectLst>
+            <a:outerShdw blurRad="38100" dist="25400" dir="4440000">
+              <a:srgbClr val="000000">
+                <a:alpha val="36000"/>
+              </a:srgbClr>
+            </a:outerShdw>
+          </a:effectLst>
         </p:spPr>
         <p:txBody>
-          <a:bodyPr/>
+          <a:bodyPr anchor="t">
+            <a:normAutofit/>
+          </a:bodyPr>
           <a:lstStyle>
-            <a:lvl1pPr marL="0" indent="0">
-              <a:buNone/>
-              <a:defRPr sz="3200"/>
-            </a:lvl1pPr>
-            <a:lvl2pPr marL="457200" indent="0">
-              <a:buNone/>
-              <a:defRPr sz="2800"/>
-            </a:lvl2pPr>
-            <a:lvl3pPr marL="914400" indent="0">
-              <a:buNone/>
-              <a:defRPr sz="2400"/>
-            </a:lvl3pPr>
-            <a:lvl4pPr marL="1371600" indent="0">
-              <a:buNone/>
-              <a:defRPr sz="2000"/>
-            </a:lvl4pPr>
-            <a:lvl5pPr marL="1828800" indent="0">
-              <a:buNone/>
-              <a:defRPr sz="2000"/>
-            </a:lvl5pPr>
-            <a:lvl6pPr marL="2286000" indent="0">
-              <a:buNone/>
-              <a:defRPr sz="2000"/>
-            </a:lvl6pPr>
-            <a:lvl7pPr marL="2743200" indent="0">
-              <a:buNone/>
-              <a:defRPr sz="2000"/>
-            </a:lvl7pPr>
-            <a:lvl8pPr marL="3200400" indent="0">
-              <a:buNone/>
-              <a:defRPr sz="2000"/>
-            </a:lvl8pPr>
-            <a:lvl9pPr marL="3657600" indent="0">
-              <a:buNone/>
-              <a:defRPr sz="2000"/>
-            </a:lvl9pPr>
-          </a:lstStyle>
-          <a:p>
-            <a:endParaRPr lang="en-US"/>
-          </a:p>
-        </p:txBody>
-      </p:sp>
-      <p:sp>
-        <p:nvSpPr>
-          <p:cNvPr id="4" name="Text Placeholder 3">
-            <a:extLst>
-              <a:ext uri="{FF2B5EF4-FFF2-40B4-BE49-F238E27FC236}">
-                <a16:creationId xmlns:a16="http://schemas.microsoft.com/office/drawing/2014/main" id="{8746FD24-5B7F-4688-92E8-B6D4802D3FCD}"/>
-              </a:ext>
-            </a:extLst>
-          </p:cNvPr>
-          <p:cNvSpPr>
-            <a:spLocks noGrp="1"/>
-          </p:cNvSpPr>
-          <p:nvPr>
-            <p:ph type="body" sz="half" idx="2"/>
-          </p:nvPr>
-        </p:nvSpPr>
-        <p:spPr>
-          <a:xfrm>
-            <a:off x="839788" y="2057400"/>
-            <a:ext cx="3932237" cy="3811588"/>
-          </a:xfrm>
-        </p:spPr>
-        <p:txBody>
-          <a:bodyPr/>
-          <a:lstStyle>
-            <a:lvl1pPr marL="0" indent="0">
+            <a:lvl1pPr marL="0" indent="0" algn="ctr">
               <a:buNone/>
               <a:defRPr sz="1600"/>
             </a:lvl1pPr>
             <a:lvl2pPr marL="457200" indent="0">
               <a:buNone/>
-              <a:defRPr sz="1400"/>
+              <a:defRPr sz="1600"/>
             </a:lvl2pPr>
             <a:lvl3pPr marL="914400" indent="0">
               <a:buNone/>
-              <a:defRPr sz="1200"/>
+              <a:defRPr sz="1600"/>
             </a:lvl3pPr>
             <a:lvl4pPr marL="1371600" indent="0">
               <a:buNone/>
-              <a:defRPr sz="1000"/>
+              <a:defRPr sz="1600"/>
             </a:lvl4pPr>
             <a:lvl5pPr marL="1828800" indent="0">
               <a:buNone/>
-              <a:defRPr sz="1000"/>
+              <a:defRPr sz="1600"/>
             </a:lvl5pPr>
             <a:lvl6pPr marL="2286000" indent="0">
               <a:buNone/>
-              <a:defRPr sz="1000"/>
+              <a:defRPr sz="1600"/>
             </a:lvl6pPr>
             <a:lvl7pPr marL="2743200" indent="0">
               <a:buNone/>
-              <a:defRPr sz="1000"/>
+              <a:defRPr sz="1600"/>
             </a:lvl7pPr>
             <a:lvl8pPr marL="3200400" indent="0">
               <a:buNone/>
-              <a:defRPr sz="1000"/>
+              <a:defRPr sz="1600"/>
             </a:lvl8pPr>
             <a:lvl9pPr marL="3657600" indent="0">
               <a:buNone/>
-              <a:defRPr sz="1000"/>
+              <a:defRPr sz="1600"/>
             </a:lvl9pPr>
           </a:lstStyle>
           <a:p>
+            <a:r>
+              <a:rPr lang="en-US"/>
+              <a:t>Click icon to add picture</a:t>
+            </a:r>
+            <a:endParaRPr lang="en-US" dirty="0"/>
+          </a:p>
+        </p:txBody>
+      </p:sp>
+      <p:sp>
+        <p:nvSpPr>
+          <p:cNvPr id="4" name="Text Placeholder 3"/>
+          <p:cNvSpPr>
+            <a:spLocks noGrp="1"/>
+          </p:cNvSpPr>
+          <p:nvPr>
+            <p:ph type="body" sz="half" idx="2"/>
+          </p:nvPr>
+        </p:nvSpPr>
+        <p:spPr>
+          <a:xfrm>
+            <a:off x="913795" y="2439261"/>
+            <a:ext cx="5934949" cy="3376134"/>
+          </a:xfrm>
+        </p:spPr>
+        <p:txBody>
+          <a:bodyPr anchor="t">
+            <a:normAutofit/>
+          </a:bodyPr>
+          <a:lstStyle>
+            <a:lvl1pPr marL="0" indent="0" algn="ctr">
+              <a:buNone/>
+              <a:defRPr sz="1600"/>
+            </a:lvl1pPr>
+            <a:lvl2pPr marL="457200" indent="0">
+              <a:buNone/>
+              <a:defRPr sz="1200"/>
+            </a:lvl2pPr>
+            <a:lvl3pPr marL="914400" indent="0">
+              <a:buNone/>
+              <a:defRPr sz="1000"/>
+            </a:lvl3pPr>
+            <a:lvl4pPr marL="1371600" indent="0">
+              <a:buNone/>
+              <a:defRPr sz="900"/>
+            </a:lvl4pPr>
+            <a:lvl5pPr marL="1828800" indent="0">
+              <a:buNone/>
+              <a:defRPr sz="900"/>
+            </a:lvl5pPr>
+            <a:lvl6pPr marL="2286000" indent="0">
+              <a:buNone/>
+              <a:defRPr sz="900"/>
+            </a:lvl6pPr>
+            <a:lvl7pPr marL="2743200" indent="0">
+              <a:buNone/>
+              <a:defRPr sz="900"/>
+            </a:lvl7pPr>
+            <a:lvl8pPr marL="3200400" indent="0">
+              <a:buNone/>
+              <a:defRPr sz="900"/>
+            </a:lvl8pPr>
+            <a:lvl9pPr marL="3657600" indent="0">
+              <a:buNone/>
+              <a:defRPr sz="900"/>
+            </a:lvl9pPr>
+          </a:lstStyle>
+          <a:p>
             <a:pPr lvl="0"/>
             <a:r>
               <a:rPr lang="en-US"/>
@@ -2805,13 +5470,7 @@
       </p:sp>
       <p:sp>
         <p:nvSpPr>
-          <p:cNvPr id="5" name="Date Placeholder 4">
-            <a:extLst>
-              <a:ext uri="{FF2B5EF4-FFF2-40B4-BE49-F238E27FC236}">
-                <a16:creationId xmlns:a16="http://schemas.microsoft.com/office/drawing/2014/main" id="{E7677FBF-B2D4-45AB-848F-EC808C1DB97A}"/>
-              </a:ext>
-            </a:extLst>
-          </p:cNvPr>
+          <p:cNvPr id="5" name="Date Placeholder 4"/>
           <p:cNvSpPr>
             <a:spLocks noGrp="1"/>
           </p:cNvSpPr>
@@ -2834,13 +5493,7 @@
       </p:sp>
       <p:sp>
         <p:nvSpPr>
-          <p:cNvPr id="6" name="Footer Placeholder 5">
-            <a:extLst>
-              <a:ext uri="{FF2B5EF4-FFF2-40B4-BE49-F238E27FC236}">
-                <a16:creationId xmlns:a16="http://schemas.microsoft.com/office/drawing/2014/main" id="{6A40451D-053F-4351-9D95-C0EC4261379F}"/>
-              </a:ext>
-            </a:extLst>
-          </p:cNvPr>
+          <p:cNvPr id="6" name="Footer Placeholder 5"/>
           <p:cNvSpPr>
             <a:spLocks noGrp="1"/>
           </p:cNvSpPr>
@@ -2859,13 +5512,7 @@
       </p:sp>
       <p:sp>
         <p:nvSpPr>
-          <p:cNvPr id="7" name="Slide Number Placeholder 6">
-            <a:extLst>
-              <a:ext uri="{FF2B5EF4-FFF2-40B4-BE49-F238E27FC236}">
-                <a16:creationId xmlns:a16="http://schemas.microsoft.com/office/drawing/2014/main" id="{FC6DA455-CEFD-480A-8F42-2A23E5F772BD}"/>
-              </a:ext>
-            </a:extLst>
-          </p:cNvPr>
+          <p:cNvPr id="7" name="Slide Number Placeholder 6"/>
           <p:cNvSpPr>
             <a:spLocks noGrp="1"/>
           </p:cNvSpPr>
@@ -2889,7 +5536,7 @@
     </p:spTree>
     <p:extLst>
       <p:ext uri="{BB962C8B-B14F-4D97-AF65-F5344CB8AC3E}">
-        <p14:creationId xmlns:p14="http://schemas.microsoft.com/office/powerpoint/2010/main" val="907724942"/>
+        <p14:creationId xmlns:p14="http://schemas.microsoft.com/office/powerpoint/2010/main" val="1831000810"/>
       </p:ext>
     </p:extLst>
   </p:cSld>
@@ -2903,8 +5550,8 @@
 <p:sldMaster xmlns:a="http://schemas.openxmlformats.org/drawingml/2006/main" xmlns:r="http://schemas.openxmlformats.org/officeDocument/2006/relationships" xmlns:p="http://schemas.openxmlformats.org/presentationml/2006/main">
   <p:cSld>
     <p:bg>
-      <p:bgRef idx="1001">
-        <a:schemeClr val="bg1"/>
+      <p:bgRef idx="1003">
+        <a:schemeClr val="bg2"/>
       </p:bgRef>
     </p:bg>
     <p:spTree>
@@ -2923,13 +5570,7 @@
       </p:grpSpPr>
       <p:sp>
         <p:nvSpPr>
-          <p:cNvPr id="2" name="Title Placeholder 1">
-            <a:extLst>
-              <a:ext uri="{FF2B5EF4-FFF2-40B4-BE49-F238E27FC236}">
-                <a16:creationId xmlns:a16="http://schemas.microsoft.com/office/drawing/2014/main" id="{0ED087C3-5336-48D9-B7FA-24B52E7F9ED6}"/>
-              </a:ext>
-            </a:extLst>
-          </p:cNvPr>
+          <p:cNvPr id="2" name="Title Placeholder 1"/>
           <p:cNvSpPr>
             <a:spLocks noGrp="1"/>
           </p:cNvSpPr>
@@ -2939,12 +5580,19 @@
         </p:nvSpPr>
         <p:spPr>
           <a:xfrm>
-            <a:off x="838200" y="365125"/>
-            <a:ext cx="10515600" cy="1325563"/>
+            <a:off x="913795" y="609600"/>
+            <a:ext cx="10353762" cy="970450"/>
           </a:xfrm>
           <a:prstGeom prst="rect">
             <a:avLst/>
           </a:prstGeom>
+          <a:effectLst>
+            <a:outerShdw blurRad="25400" dir="17880000">
+              <a:srgbClr val="000000">
+                <a:alpha val="46000"/>
+              </a:srgbClr>
+            </a:outerShdw>
+          </a:effectLst>
         </p:spPr>
         <p:txBody>
           <a:bodyPr vert="horz" lIns="91440" tIns="45720" rIns="91440" bIns="45720" rtlCol="0" anchor="ctr">
@@ -2956,18 +5604,13 @@
               <a:rPr lang="en-US"/>
               <a:t>Click to edit Master title style</a:t>
             </a:r>
-          </a:p>
-        </p:txBody>
-      </p:sp>
-      <p:sp>
-        <p:nvSpPr>
-          <p:cNvPr id="3" name="Text Placeholder 2">
-            <a:extLst>
-              <a:ext uri="{FF2B5EF4-FFF2-40B4-BE49-F238E27FC236}">
-                <a16:creationId xmlns:a16="http://schemas.microsoft.com/office/drawing/2014/main" id="{13168DB9-6EA7-451B-84A2-6386A68D36DC}"/>
-              </a:ext>
-            </a:extLst>
-          </p:cNvPr>
+            <a:endParaRPr lang="en-US" dirty="0"/>
+          </a:p>
+        </p:txBody>
+      </p:sp>
+      <p:sp>
+        <p:nvSpPr>
+          <p:cNvPr id="3" name="Text Placeholder 2"/>
           <p:cNvSpPr>
             <a:spLocks noGrp="1"/>
           </p:cNvSpPr>
@@ -2977,15 +5620,22 @@
         </p:nvSpPr>
         <p:spPr>
           <a:xfrm>
-            <a:off x="838200" y="1825625"/>
-            <a:ext cx="10515600" cy="4351338"/>
+            <a:off x="913795" y="1732449"/>
+            <a:ext cx="10353762" cy="4058751"/>
           </a:xfrm>
           <a:prstGeom prst="rect">
             <a:avLst/>
           </a:prstGeom>
+          <a:effectLst>
+            <a:outerShdw blurRad="25400" dir="17880000">
+              <a:srgbClr val="000000">
+                <a:alpha val="46000"/>
+              </a:srgbClr>
+            </a:outerShdw>
+          </a:effectLst>
         </p:spPr>
         <p:txBody>
-          <a:bodyPr vert="horz" lIns="91440" tIns="45720" rIns="91440" bIns="45720" rtlCol="0">
+          <a:bodyPr vert="horz" lIns="91440" tIns="45720" rIns="91440" bIns="45720" rtlCol="0" anchor="t">
             <a:normAutofit/>
           </a:bodyPr>
           <a:lstStyle/>
@@ -3023,18 +5673,13 @@
               <a:rPr lang="en-US"/>
               <a:t>Fifth level</a:t>
             </a:r>
-          </a:p>
-        </p:txBody>
-      </p:sp>
-      <p:sp>
-        <p:nvSpPr>
-          <p:cNvPr id="4" name="Date Placeholder 3">
-            <a:extLst>
-              <a:ext uri="{FF2B5EF4-FFF2-40B4-BE49-F238E27FC236}">
-                <a16:creationId xmlns:a16="http://schemas.microsoft.com/office/drawing/2014/main" id="{8CD6EE36-A1EA-405E-9F09-7EFCF73A9EAC}"/>
-              </a:ext>
-            </a:extLst>
-          </p:cNvPr>
+            <a:endParaRPr lang="en-US" dirty="0"/>
+          </a:p>
+        </p:txBody>
+      </p:sp>
+      <p:sp>
+        <p:nvSpPr>
+          <p:cNvPr id="4" name="Date Placeholder 3"/>
           <p:cNvSpPr>
             <a:spLocks noGrp="1"/>
           </p:cNvSpPr>
@@ -3044,7 +5689,7 @@
         </p:nvSpPr>
         <p:spPr>
           <a:xfrm>
-            <a:off x="838200" y="6356350"/>
+            <a:off x="7678736" y="5883275"/>
             <a:ext cx="2743200" cy="365125"/>
           </a:xfrm>
           <a:prstGeom prst="rect">
@@ -3054,13 +5699,20 @@
         <p:txBody>
           <a:bodyPr vert="horz" lIns="91440" tIns="45720" rIns="91440" bIns="45720" rtlCol="0" anchor="ctr"/>
           <a:lstStyle>
-            <a:lvl1pPr algn="l">
-              <a:defRPr sz="1200">
+            <a:lvl1pPr algn="r">
+              <a:defRPr sz="1000">
                 <a:solidFill>
                   <a:schemeClr val="tx1">
-                    <a:tint val="75000"/>
+                    <a:lumMod val="95000"/>
                   </a:schemeClr>
                 </a:solidFill>
+                <a:effectLst>
+                  <a:outerShdw blurRad="50800" dist="38100" dir="2700000" algn="tl" rotWithShape="0">
+                    <a:schemeClr val="bg1">
+                      <a:alpha val="43000"/>
+                    </a:schemeClr>
+                  </a:outerShdw>
+                </a:effectLst>
               </a:defRPr>
             </a:lvl1pPr>
           </a:lstStyle>
@@ -3075,13 +5727,7 @@
       </p:sp>
       <p:sp>
         <p:nvSpPr>
-          <p:cNvPr id="5" name="Footer Placeholder 4">
-            <a:extLst>
-              <a:ext uri="{FF2B5EF4-FFF2-40B4-BE49-F238E27FC236}">
-                <a16:creationId xmlns:a16="http://schemas.microsoft.com/office/drawing/2014/main" id="{305911EB-4C89-43C0-B85D-7B631E9E1D67}"/>
-              </a:ext>
-            </a:extLst>
-          </p:cNvPr>
+          <p:cNvPr id="5" name="Footer Placeholder 4"/>
           <p:cNvSpPr>
             <a:spLocks noGrp="1"/>
           </p:cNvSpPr>
@@ -3091,8 +5737,8 @@
         </p:nvSpPr>
         <p:spPr>
           <a:xfrm>
-            <a:off x="4038600" y="6356350"/>
-            <a:ext cx="4114800" cy="365125"/>
+            <a:off x="913795" y="5883275"/>
+            <a:ext cx="6672865" cy="365125"/>
           </a:xfrm>
           <a:prstGeom prst="rect">
             <a:avLst/>
@@ -3101,13 +5747,20 @@
         <p:txBody>
           <a:bodyPr vert="horz" lIns="91440" tIns="45720" rIns="91440" bIns="45720" rtlCol="0" anchor="ctr"/>
           <a:lstStyle>
-            <a:lvl1pPr algn="ctr">
-              <a:defRPr sz="1200">
+            <a:lvl1pPr algn="l">
+              <a:defRPr sz="1000">
                 <a:solidFill>
                   <a:schemeClr val="tx1">
-                    <a:tint val="75000"/>
+                    <a:lumMod val="95000"/>
                   </a:schemeClr>
                 </a:solidFill>
+                <a:effectLst>
+                  <a:outerShdw blurRad="50800" dist="38100" dir="2700000" algn="tl" rotWithShape="0">
+                    <a:schemeClr val="bg1">
+                      <a:alpha val="43000"/>
+                    </a:schemeClr>
+                  </a:outerShdw>
+                </a:effectLst>
               </a:defRPr>
             </a:lvl1pPr>
           </a:lstStyle>
@@ -3118,13 +5771,7 @@
       </p:sp>
       <p:sp>
         <p:nvSpPr>
-          <p:cNvPr id="6" name="Slide Number Placeholder 5">
-            <a:extLst>
-              <a:ext uri="{FF2B5EF4-FFF2-40B4-BE49-F238E27FC236}">
-                <a16:creationId xmlns:a16="http://schemas.microsoft.com/office/drawing/2014/main" id="{58ABE48F-7EBD-428F-BE1B-BB1824F6DF24}"/>
-              </a:ext>
-            </a:extLst>
-          </p:cNvPr>
+          <p:cNvPr id="6" name="Slide Number Placeholder 5"/>
           <p:cNvSpPr>
             <a:spLocks noGrp="1"/>
           </p:cNvSpPr>
@@ -3134,8 +5781,8 @@
         </p:nvSpPr>
         <p:spPr>
           <a:xfrm>
-            <a:off x="8610600" y="6356350"/>
-            <a:ext cx="2743200" cy="365125"/>
+            <a:off x="10514011" y="5883275"/>
+            <a:ext cx="753545" cy="365125"/>
           </a:xfrm>
           <a:prstGeom prst="rect">
             <a:avLst/>
@@ -3145,12 +5792,19 @@
           <a:bodyPr vert="horz" lIns="91440" tIns="45720" rIns="91440" bIns="45720" rtlCol="0" anchor="ctr"/>
           <a:lstStyle>
             <a:lvl1pPr algn="r">
-              <a:defRPr sz="1200">
+              <a:defRPr sz="1000">
                 <a:solidFill>
                   <a:schemeClr val="tx1">
-                    <a:tint val="75000"/>
+                    <a:lumMod val="95000"/>
                   </a:schemeClr>
                 </a:solidFill>
+                <a:effectLst>
+                  <a:outerShdw blurRad="50800" dist="38100" dir="2700000" algn="tl" rotWithShape="0">
+                    <a:schemeClr val="bg1">
+                      <a:alpha val="43000"/>
+                    </a:schemeClr>
+                  </a:outerShdw>
+                </a:effectLst>
               </a:defRPr>
             </a:lvl1pPr>
           </a:lstStyle>
@@ -3166,202 +5820,457 @@
     </p:spTree>
     <p:extLst>
       <p:ext uri="{BB962C8B-B14F-4D97-AF65-F5344CB8AC3E}">
-        <p14:creationId xmlns:p14="http://schemas.microsoft.com/office/powerpoint/2010/main" val="1801268227"/>
+        <p14:creationId xmlns:p14="http://schemas.microsoft.com/office/powerpoint/2010/main" val="2590756647"/>
       </p:ext>
     </p:extLst>
   </p:cSld>
-  <p:clrMap bg1="lt1" tx1="dk1" bg2="lt2" tx2="dk2" accent1="accent1" accent2="accent2" accent3="accent3" accent4="accent4" accent5="accent5" accent6="accent6" hlink="hlink" folHlink="folHlink"/>
+  <p:clrMap bg1="dk1" tx1="lt1" bg2="dk2" tx2="lt2" accent1="accent1" accent2="accent2" accent3="accent3" accent4="accent4" accent5="accent5" accent6="accent6" hlink="hlink" folHlink="folHlink"/>
   <p:sldLayoutIdLst>
-    <p:sldLayoutId id="2147483649" r:id="rId1"/>
-    <p:sldLayoutId id="2147483650" r:id="rId2"/>
-    <p:sldLayoutId id="2147483651" r:id="rId3"/>
-    <p:sldLayoutId id="2147483652" r:id="rId4"/>
-    <p:sldLayoutId id="2147483653" r:id="rId5"/>
-    <p:sldLayoutId id="2147483654" r:id="rId6"/>
-    <p:sldLayoutId id="2147483655" r:id="rId7"/>
-    <p:sldLayoutId id="2147483656" r:id="rId8"/>
-    <p:sldLayoutId id="2147483657" r:id="rId9"/>
-    <p:sldLayoutId id="2147483658" r:id="rId10"/>
-    <p:sldLayoutId id="2147483659" r:id="rId11"/>
+    <p:sldLayoutId id="2147483751" r:id="rId1"/>
+    <p:sldLayoutId id="2147483752" r:id="rId2"/>
+    <p:sldLayoutId id="2147483753" r:id="rId3"/>
+    <p:sldLayoutId id="2147483754" r:id="rId4"/>
+    <p:sldLayoutId id="2147483755" r:id="rId5"/>
+    <p:sldLayoutId id="2147483756" r:id="rId6"/>
+    <p:sldLayoutId id="2147483757" r:id="rId7"/>
+    <p:sldLayoutId id="2147483758" r:id="rId8"/>
+    <p:sldLayoutId id="2147483759" r:id="rId9"/>
+    <p:sldLayoutId id="2147483760" r:id="rId10"/>
+    <p:sldLayoutId id="2147483761" r:id="rId11"/>
+    <p:sldLayoutId id="2147483762" r:id="rId12"/>
+    <p:sldLayoutId id="2147483763" r:id="rId13"/>
+    <p:sldLayoutId id="2147483764" r:id="rId14"/>
+    <p:sldLayoutId id="2147483765" r:id="rId15"/>
+    <p:sldLayoutId id="2147483766" r:id="rId16"/>
+    <p:sldLayoutId id="2147483767" r:id="rId17"/>
   </p:sldLayoutIdLst>
   <p:txStyles>
     <p:titleStyle>
-      <a:lvl1pPr algn="l" defTabSz="914400" rtl="0" eaLnBrk="1" latinLnBrk="0" hangingPunct="1">
-        <a:lnSpc>
-          <a:spcPct val="90000"/>
-        </a:lnSpc>
+      <a:lvl1pPr algn="ctr" defTabSz="457200" rtl="0" eaLnBrk="1" latinLnBrk="0" hangingPunct="1">
         <a:spcBef>
           <a:spcPct val="0"/>
         </a:spcBef>
         <a:buNone/>
-        <a:defRPr sz="4400" kern="1200">
+        <a:defRPr sz="4000" kern="1200">
+          <a:ln>
+            <a:solidFill>
+              <a:schemeClr val="bg1">
+                <a:lumMod val="75000"/>
+                <a:lumOff val="25000"/>
+                <a:alpha val="10000"/>
+              </a:schemeClr>
+            </a:solidFill>
+          </a:ln>
           <a:solidFill>
-            <a:schemeClr val="tx1"/>
+            <a:schemeClr val="tx2"/>
           </a:solidFill>
+          <a:effectLst>
+            <a:outerShdw blurRad="9525" dist="25400" dir="14640000" algn="tl" rotWithShape="0">
+              <a:schemeClr val="bg1">
+                <a:alpha val="30000"/>
+              </a:schemeClr>
+            </a:outerShdw>
+          </a:effectLst>
           <a:latin typeface="+mj-lt"/>
           <a:ea typeface="+mj-ea"/>
-          <a:cs typeface="+mj-cs"/>
+          <a:cs typeface="Trebuchet MS"/>
         </a:defRPr>
       </a:lvl1pPr>
+      <a:lvl2pPr eaLnBrk="1" hangingPunct="1">
+        <a:defRPr>
+          <a:solidFill>
+            <a:schemeClr val="tx2"/>
+          </a:solidFill>
+        </a:defRPr>
+      </a:lvl2pPr>
+      <a:lvl3pPr eaLnBrk="1" hangingPunct="1">
+        <a:defRPr>
+          <a:solidFill>
+            <a:schemeClr val="tx2"/>
+          </a:solidFill>
+        </a:defRPr>
+      </a:lvl3pPr>
+      <a:lvl4pPr eaLnBrk="1" hangingPunct="1">
+        <a:defRPr>
+          <a:solidFill>
+            <a:schemeClr val="tx2"/>
+          </a:solidFill>
+        </a:defRPr>
+      </a:lvl4pPr>
+      <a:lvl5pPr eaLnBrk="1" hangingPunct="1">
+        <a:defRPr>
+          <a:solidFill>
+            <a:schemeClr val="tx2"/>
+          </a:solidFill>
+        </a:defRPr>
+      </a:lvl5pPr>
+      <a:lvl6pPr eaLnBrk="1" hangingPunct="1">
+        <a:defRPr>
+          <a:solidFill>
+            <a:schemeClr val="tx2"/>
+          </a:solidFill>
+        </a:defRPr>
+      </a:lvl6pPr>
+      <a:lvl7pPr eaLnBrk="1" hangingPunct="1">
+        <a:defRPr>
+          <a:solidFill>
+            <a:schemeClr val="tx2"/>
+          </a:solidFill>
+        </a:defRPr>
+      </a:lvl7pPr>
+      <a:lvl8pPr eaLnBrk="1" hangingPunct="1">
+        <a:defRPr>
+          <a:solidFill>
+            <a:schemeClr val="tx2"/>
+          </a:solidFill>
+        </a:defRPr>
+      </a:lvl8pPr>
+      <a:lvl9pPr eaLnBrk="1" hangingPunct="1">
+        <a:defRPr>
+          <a:solidFill>
+            <a:schemeClr val="tx2"/>
+          </a:solidFill>
+        </a:defRPr>
+      </a:lvl9pPr>
     </p:titleStyle>
     <p:bodyStyle>
-      <a:lvl1pPr marL="228600" indent="-228600" algn="l" defTabSz="914400" rtl="0" eaLnBrk="1" latinLnBrk="0" hangingPunct="1">
-        <a:lnSpc>
-          <a:spcPct val="90000"/>
-        </a:lnSpc>
+      <a:lvl1pPr marL="342900" indent="-306000" algn="l" defTabSz="457200" rtl="0" eaLnBrk="1" latinLnBrk="0" hangingPunct="1">
         <a:spcBef>
-          <a:spcPts val="1000"/>
+          <a:spcPct val="20000"/>
         </a:spcBef>
-        <a:buFont typeface="Arial" panose="020B0604020202020204" pitchFamily="34" charset="0"/>
-        <a:buChar char="•"/>
-        <a:defRPr sz="2800" kern="1200">
+        <a:spcAft>
+          <a:spcPts val="600"/>
+        </a:spcAft>
+        <a:buClr>
+          <a:schemeClr val="tx2"/>
+        </a:buClr>
+        <a:buSzPct val="70000"/>
+        <a:buFont typeface="Wingdings 2" charset="2"/>
+        <a:buChar char=""/>
+        <a:defRPr sz="2000" kern="1200">
+          <a:ln>
+            <a:solidFill>
+              <a:schemeClr val="bg1">
+                <a:lumMod val="75000"/>
+                <a:lumOff val="25000"/>
+                <a:alpha val="10000"/>
+              </a:schemeClr>
+            </a:solidFill>
+          </a:ln>
           <a:solidFill>
-            <a:schemeClr val="tx1"/>
+            <a:schemeClr val="tx2"/>
           </a:solidFill>
+          <a:effectLst>
+            <a:outerShdw blurRad="9525" dist="25400" dir="14640000" algn="tl" rotWithShape="0">
+              <a:schemeClr val="bg1">
+                <a:alpha val="30000"/>
+              </a:schemeClr>
+            </a:outerShdw>
+          </a:effectLst>
           <a:latin typeface="+mn-lt"/>
           <a:ea typeface="+mn-ea"/>
           <a:cs typeface="+mn-cs"/>
         </a:defRPr>
       </a:lvl1pPr>
-      <a:lvl2pPr marL="685800" indent="-228600" algn="l" defTabSz="914400" rtl="0" eaLnBrk="1" latinLnBrk="0" hangingPunct="1">
-        <a:lnSpc>
-          <a:spcPct val="90000"/>
-        </a:lnSpc>
+      <a:lvl2pPr marL="720000" indent="-270000" algn="l" defTabSz="457200" rtl="0" eaLnBrk="1" latinLnBrk="0" hangingPunct="1">
         <a:spcBef>
-          <a:spcPts val="500"/>
+          <a:spcPct val="20000"/>
         </a:spcBef>
-        <a:buFont typeface="Arial" panose="020B0604020202020204" pitchFamily="34" charset="0"/>
-        <a:buChar char="•"/>
-        <a:defRPr sz="2400" kern="1200">
+        <a:spcAft>
+          <a:spcPts val="600"/>
+        </a:spcAft>
+        <a:buClr>
+          <a:schemeClr val="tx2"/>
+        </a:buClr>
+        <a:buSzPct val="70000"/>
+        <a:buFont typeface="Wingdings 2" charset="2"/>
+        <a:buChar char=""/>
+        <a:defRPr sz="1800" kern="1200">
+          <a:ln>
+            <a:solidFill>
+              <a:schemeClr val="bg1">
+                <a:lumMod val="75000"/>
+                <a:lumOff val="25000"/>
+                <a:alpha val="10000"/>
+              </a:schemeClr>
+            </a:solidFill>
+          </a:ln>
           <a:solidFill>
-            <a:schemeClr val="tx1"/>
+            <a:schemeClr val="tx2"/>
           </a:solidFill>
+          <a:effectLst>
+            <a:outerShdw blurRad="9525" dist="25400" dir="14640000" algn="tl" rotWithShape="0">
+              <a:schemeClr val="bg1">
+                <a:alpha val="30000"/>
+              </a:schemeClr>
+            </a:outerShdw>
+          </a:effectLst>
           <a:latin typeface="+mn-lt"/>
           <a:ea typeface="+mn-ea"/>
           <a:cs typeface="+mn-cs"/>
         </a:defRPr>
       </a:lvl2pPr>
-      <a:lvl3pPr marL="1143000" indent="-228600" algn="l" defTabSz="914400" rtl="0" eaLnBrk="1" latinLnBrk="0" hangingPunct="1">
-        <a:lnSpc>
-          <a:spcPct val="90000"/>
-        </a:lnSpc>
+      <a:lvl3pPr marL="1026000" indent="-216000" algn="l" defTabSz="457200" rtl="0" eaLnBrk="1" latinLnBrk="0" hangingPunct="1">
         <a:spcBef>
-          <a:spcPts val="500"/>
+          <a:spcPct val="20000"/>
         </a:spcBef>
-        <a:buFont typeface="Arial" panose="020B0604020202020204" pitchFamily="34" charset="0"/>
-        <a:buChar char="•"/>
-        <a:defRPr sz="2000" kern="1200">
+        <a:spcAft>
+          <a:spcPts val="600"/>
+        </a:spcAft>
+        <a:buClr>
+          <a:schemeClr val="tx2"/>
+        </a:buClr>
+        <a:buSzPct val="70000"/>
+        <a:buFont typeface="Wingdings 2" charset="2"/>
+        <a:buChar char=""/>
+        <a:defRPr sz="1600" kern="1200">
+          <a:ln>
+            <a:solidFill>
+              <a:schemeClr val="bg1">
+                <a:lumMod val="75000"/>
+                <a:lumOff val="25000"/>
+                <a:alpha val="10000"/>
+              </a:schemeClr>
+            </a:solidFill>
+          </a:ln>
           <a:solidFill>
-            <a:schemeClr val="tx1"/>
+            <a:schemeClr val="tx2"/>
           </a:solidFill>
+          <a:effectLst>
+            <a:outerShdw blurRad="9525" dist="25400" dir="14640000" algn="tl" rotWithShape="0">
+              <a:schemeClr val="bg1">
+                <a:alpha val="30000"/>
+              </a:schemeClr>
+            </a:outerShdw>
+          </a:effectLst>
           <a:latin typeface="+mn-lt"/>
           <a:ea typeface="+mn-ea"/>
           <a:cs typeface="+mn-cs"/>
         </a:defRPr>
       </a:lvl3pPr>
-      <a:lvl4pPr marL="1600200" indent="-228600" algn="l" defTabSz="914400" rtl="0" eaLnBrk="1" latinLnBrk="0" hangingPunct="1">
-        <a:lnSpc>
-          <a:spcPct val="90000"/>
-        </a:lnSpc>
+      <a:lvl4pPr marL="1386000" indent="-216000" algn="l" defTabSz="457200" rtl="0" eaLnBrk="1" latinLnBrk="0" hangingPunct="1">
         <a:spcBef>
-          <a:spcPts val="500"/>
+          <a:spcPct val="20000"/>
         </a:spcBef>
-        <a:buFont typeface="Arial" panose="020B0604020202020204" pitchFamily="34" charset="0"/>
-        <a:buChar char="•"/>
-        <a:defRPr sz="1800" kern="1200">
+        <a:spcAft>
+          <a:spcPts val="600"/>
+        </a:spcAft>
+        <a:buClr>
+          <a:schemeClr val="tx2"/>
+        </a:buClr>
+        <a:buSzPct val="70000"/>
+        <a:buFont typeface="Wingdings 2" charset="2"/>
+        <a:buChar char=""/>
+        <a:defRPr sz="1400" kern="1200">
+          <a:ln>
+            <a:solidFill>
+              <a:schemeClr val="bg1">
+                <a:lumMod val="75000"/>
+                <a:lumOff val="25000"/>
+                <a:alpha val="10000"/>
+              </a:schemeClr>
+            </a:solidFill>
+          </a:ln>
           <a:solidFill>
-            <a:schemeClr val="tx1"/>
+            <a:schemeClr val="tx2"/>
           </a:solidFill>
+          <a:effectLst>
+            <a:outerShdw blurRad="9525" dist="25400" dir="14640000" algn="tl" rotWithShape="0">
+              <a:schemeClr val="bg1">
+                <a:alpha val="30000"/>
+              </a:schemeClr>
+            </a:outerShdw>
+          </a:effectLst>
           <a:latin typeface="+mn-lt"/>
           <a:ea typeface="+mn-ea"/>
           <a:cs typeface="+mn-cs"/>
         </a:defRPr>
       </a:lvl4pPr>
-      <a:lvl5pPr marL="2057400" indent="-228600" algn="l" defTabSz="914400" rtl="0" eaLnBrk="1" latinLnBrk="0" hangingPunct="1">
-        <a:lnSpc>
-          <a:spcPct val="90000"/>
-        </a:lnSpc>
+      <a:lvl5pPr marL="1674000" indent="-216000" algn="l" defTabSz="457200" rtl="0" eaLnBrk="1" latinLnBrk="0" hangingPunct="1">
         <a:spcBef>
-          <a:spcPts val="500"/>
+          <a:spcPct val="20000"/>
         </a:spcBef>
-        <a:buFont typeface="Arial" panose="020B0604020202020204" pitchFamily="34" charset="0"/>
-        <a:buChar char="•"/>
-        <a:defRPr sz="1800" kern="1200">
+        <a:spcAft>
+          <a:spcPts val="600"/>
+        </a:spcAft>
+        <a:buClr>
+          <a:schemeClr val="tx2"/>
+        </a:buClr>
+        <a:buSzPct val="70000"/>
+        <a:buFont typeface="Wingdings 2" charset="2"/>
+        <a:buChar char=""/>
+        <a:defRPr sz="1400" kern="1200">
+          <a:ln>
+            <a:solidFill>
+              <a:schemeClr val="bg1">
+                <a:lumMod val="75000"/>
+                <a:lumOff val="25000"/>
+                <a:alpha val="10000"/>
+              </a:schemeClr>
+            </a:solidFill>
+          </a:ln>
           <a:solidFill>
-            <a:schemeClr val="tx1"/>
+            <a:schemeClr val="tx2"/>
           </a:solidFill>
+          <a:effectLst>
+            <a:outerShdw blurRad="9525" dist="25400" dir="14640000" algn="tl" rotWithShape="0">
+              <a:schemeClr val="bg1">
+                <a:alpha val="30000"/>
+              </a:schemeClr>
+            </a:outerShdw>
+          </a:effectLst>
           <a:latin typeface="+mn-lt"/>
           <a:ea typeface="+mn-ea"/>
           <a:cs typeface="+mn-cs"/>
         </a:defRPr>
       </a:lvl5pPr>
-      <a:lvl6pPr marL="2514600" indent="-228600" algn="l" defTabSz="914400" rtl="0" eaLnBrk="1" latinLnBrk="0" hangingPunct="1">
-        <a:lnSpc>
-          <a:spcPct val="90000"/>
-        </a:lnSpc>
+      <a:lvl6pPr marL="2014600" indent="-228600" algn="l" defTabSz="457200" rtl="0" eaLnBrk="1" latinLnBrk="0" hangingPunct="1">
         <a:spcBef>
-          <a:spcPts val="500"/>
+          <a:spcPct val="20000"/>
         </a:spcBef>
-        <a:buFont typeface="Arial" panose="020B0604020202020204" pitchFamily="34" charset="0"/>
-        <a:buChar char="•"/>
-        <a:defRPr sz="1800" kern="1200">
+        <a:spcAft>
+          <a:spcPts val="600"/>
+        </a:spcAft>
+        <a:buClr>
+          <a:schemeClr val="tx2"/>
+        </a:buClr>
+        <a:buSzPct val="70000"/>
+        <a:buFont typeface="Wingdings 2" charset="2"/>
+        <a:buChar char=""/>
+        <a:defRPr sz="1400" kern="1200">
+          <a:ln>
+            <a:solidFill>
+              <a:schemeClr val="bg1">
+                <a:lumMod val="75000"/>
+                <a:lumOff val="25000"/>
+                <a:alpha val="10000"/>
+              </a:schemeClr>
+            </a:solidFill>
+          </a:ln>
           <a:solidFill>
-            <a:schemeClr val="tx1"/>
+            <a:schemeClr val="tx2"/>
           </a:solidFill>
+          <a:effectLst>
+            <a:outerShdw blurRad="9525" dist="25400" dir="14640000" algn="tl" rotWithShape="0">
+              <a:schemeClr val="bg1">
+                <a:alpha val="30000"/>
+              </a:schemeClr>
+            </a:outerShdw>
+          </a:effectLst>
           <a:latin typeface="+mn-lt"/>
           <a:ea typeface="+mn-ea"/>
           <a:cs typeface="+mn-cs"/>
         </a:defRPr>
       </a:lvl6pPr>
-      <a:lvl7pPr marL="2971800" indent="-228600" algn="l" defTabSz="914400" rtl="0" eaLnBrk="1" latinLnBrk="0" hangingPunct="1">
-        <a:lnSpc>
-          <a:spcPct val="90000"/>
-        </a:lnSpc>
+      <a:lvl7pPr marL="2401800" indent="-228600" algn="l" defTabSz="457200" rtl="0" eaLnBrk="1" latinLnBrk="0" hangingPunct="1">
         <a:spcBef>
-          <a:spcPts val="500"/>
+          <a:spcPct val="20000"/>
         </a:spcBef>
-        <a:buFont typeface="Arial" panose="020B0604020202020204" pitchFamily="34" charset="0"/>
-        <a:buChar char="•"/>
-        <a:defRPr sz="1800" kern="1200">
+        <a:spcAft>
+          <a:spcPts val="600"/>
+        </a:spcAft>
+        <a:buClr>
+          <a:schemeClr val="tx2"/>
+        </a:buClr>
+        <a:buSzPct val="70000"/>
+        <a:buFont typeface="Wingdings 2" charset="2"/>
+        <a:buChar char=""/>
+        <a:defRPr sz="1400" kern="1200">
+          <a:ln>
+            <a:solidFill>
+              <a:schemeClr val="bg1">
+                <a:lumMod val="75000"/>
+                <a:lumOff val="25000"/>
+                <a:alpha val="10000"/>
+              </a:schemeClr>
+            </a:solidFill>
+          </a:ln>
           <a:solidFill>
-            <a:schemeClr val="tx1"/>
+            <a:schemeClr val="tx2"/>
           </a:solidFill>
+          <a:effectLst>
+            <a:outerShdw blurRad="9525" dist="25400" dir="14640000" algn="tl" rotWithShape="0">
+              <a:schemeClr val="bg1">
+                <a:alpha val="30000"/>
+              </a:schemeClr>
+            </a:outerShdw>
+          </a:effectLst>
           <a:latin typeface="+mn-lt"/>
           <a:ea typeface="+mn-ea"/>
           <a:cs typeface="+mn-cs"/>
         </a:defRPr>
       </a:lvl7pPr>
-      <a:lvl8pPr marL="3429000" indent="-228600" algn="l" defTabSz="914400" rtl="0" eaLnBrk="1" latinLnBrk="0" hangingPunct="1">
-        <a:lnSpc>
-          <a:spcPct val="90000"/>
-        </a:lnSpc>
+      <a:lvl8pPr marL="2789000" indent="-228600" algn="l" defTabSz="457200" rtl="0" eaLnBrk="1" latinLnBrk="0" hangingPunct="1">
         <a:spcBef>
-          <a:spcPts val="500"/>
+          <a:spcPct val="20000"/>
         </a:spcBef>
-        <a:buFont typeface="Arial" panose="020B0604020202020204" pitchFamily="34" charset="0"/>
-        <a:buChar char="•"/>
-        <a:defRPr sz="1800" kern="1200">
+        <a:spcAft>
+          <a:spcPts val="600"/>
+        </a:spcAft>
+        <a:buClr>
+          <a:schemeClr val="tx2"/>
+        </a:buClr>
+        <a:buSzPct val="70000"/>
+        <a:buFont typeface="Wingdings 2" charset="2"/>
+        <a:buChar char=""/>
+        <a:defRPr sz="1400" kern="1200">
+          <a:ln>
+            <a:solidFill>
+              <a:schemeClr val="bg1">
+                <a:lumMod val="75000"/>
+                <a:lumOff val="25000"/>
+                <a:alpha val="10000"/>
+              </a:schemeClr>
+            </a:solidFill>
+          </a:ln>
           <a:solidFill>
-            <a:schemeClr val="tx1"/>
+            <a:schemeClr val="tx2"/>
           </a:solidFill>
+          <a:effectLst>
+            <a:outerShdw blurRad="9525" dist="25400" dir="14640000" algn="tl" rotWithShape="0">
+              <a:schemeClr val="bg1">
+                <a:alpha val="30000"/>
+              </a:schemeClr>
+            </a:outerShdw>
+          </a:effectLst>
           <a:latin typeface="+mn-lt"/>
           <a:ea typeface="+mn-ea"/>
           <a:cs typeface="+mn-cs"/>
         </a:defRPr>
       </a:lvl8pPr>
-      <a:lvl9pPr marL="3886200" indent="-228600" algn="l" defTabSz="914400" rtl="0" eaLnBrk="1" latinLnBrk="0" hangingPunct="1">
-        <a:lnSpc>
-          <a:spcPct val="90000"/>
-        </a:lnSpc>
+      <a:lvl9pPr marL="3106200" indent="-228600" algn="l" defTabSz="457200" rtl="0" eaLnBrk="1" latinLnBrk="0" hangingPunct="1">
         <a:spcBef>
-          <a:spcPts val="500"/>
+          <a:spcPct val="20000"/>
         </a:spcBef>
-        <a:buFont typeface="Arial" panose="020B0604020202020204" pitchFamily="34" charset="0"/>
-        <a:buChar char="•"/>
-        <a:defRPr sz="1800" kern="1200">
+        <a:spcAft>
+          <a:spcPts val="600"/>
+        </a:spcAft>
+        <a:buClr>
+          <a:schemeClr val="tx2"/>
+        </a:buClr>
+        <a:buSzPct val="70000"/>
+        <a:buFont typeface="Wingdings 2" charset="2"/>
+        <a:buChar char=""/>
+        <a:defRPr sz="1400" kern="1200">
+          <a:ln>
+            <a:solidFill>
+              <a:schemeClr val="bg1">
+                <a:lumMod val="75000"/>
+                <a:lumOff val="25000"/>
+                <a:alpha val="10000"/>
+              </a:schemeClr>
+            </a:solidFill>
+          </a:ln>
           <a:solidFill>
-            <a:schemeClr val="tx1"/>
+            <a:schemeClr val="tx2"/>
           </a:solidFill>
+          <a:effectLst>
+            <a:outerShdw blurRad="9525" dist="25400" dir="14640000" algn="tl" rotWithShape="0">
+              <a:schemeClr val="bg1">
+                <a:alpha val="30000"/>
+              </a:schemeClr>
+            </a:outerShdw>
+          </a:effectLst>
           <a:latin typeface="+mn-lt"/>
           <a:ea typeface="+mn-ea"/>
           <a:cs typeface="+mn-cs"/>
@@ -3372,7 +6281,7 @@
       <a:defPPr>
         <a:defRPr lang="en-US"/>
       </a:defPPr>
-      <a:lvl1pPr marL="0" algn="l" defTabSz="914400" rtl="0" eaLnBrk="1" latinLnBrk="0" hangingPunct="1">
+      <a:lvl1pPr marL="0" algn="l" defTabSz="457200" rtl="0" eaLnBrk="1" latinLnBrk="0" hangingPunct="1">
         <a:defRPr sz="1800" kern="1200">
           <a:solidFill>
             <a:schemeClr val="tx1"/>
@@ -3382,7 +6291,7 @@
           <a:cs typeface="+mn-cs"/>
         </a:defRPr>
       </a:lvl1pPr>
-      <a:lvl2pPr marL="457200" algn="l" defTabSz="914400" rtl="0" eaLnBrk="1" latinLnBrk="0" hangingPunct="1">
+      <a:lvl2pPr marL="457200" algn="l" defTabSz="457200" rtl="0" eaLnBrk="1" latinLnBrk="0" hangingPunct="1">
         <a:defRPr sz="1800" kern="1200">
           <a:solidFill>
             <a:schemeClr val="tx1"/>
@@ -3392,7 +6301,7 @@
           <a:cs typeface="+mn-cs"/>
         </a:defRPr>
       </a:lvl2pPr>
-      <a:lvl3pPr marL="914400" algn="l" defTabSz="914400" rtl="0" eaLnBrk="1" latinLnBrk="0" hangingPunct="1">
+      <a:lvl3pPr marL="914400" algn="l" defTabSz="457200" rtl="0" eaLnBrk="1" latinLnBrk="0" hangingPunct="1">
         <a:defRPr sz="1800" kern="1200">
           <a:solidFill>
             <a:schemeClr val="tx1"/>
@@ -3402,7 +6311,7 @@
           <a:cs typeface="+mn-cs"/>
         </a:defRPr>
       </a:lvl3pPr>
-      <a:lvl4pPr marL="1371600" algn="l" defTabSz="914400" rtl="0" eaLnBrk="1" latinLnBrk="0" hangingPunct="1">
+      <a:lvl4pPr marL="1371600" algn="l" defTabSz="457200" rtl="0" eaLnBrk="1" latinLnBrk="0" hangingPunct="1">
         <a:defRPr sz="1800" kern="1200">
           <a:solidFill>
             <a:schemeClr val="tx1"/>
@@ -3412,7 +6321,7 @@
           <a:cs typeface="+mn-cs"/>
         </a:defRPr>
       </a:lvl4pPr>
-      <a:lvl5pPr marL="1828800" algn="l" defTabSz="914400" rtl="0" eaLnBrk="1" latinLnBrk="0" hangingPunct="1">
+      <a:lvl5pPr marL="1828800" algn="l" defTabSz="457200" rtl="0" eaLnBrk="1" latinLnBrk="0" hangingPunct="1">
         <a:defRPr sz="1800" kern="1200">
           <a:solidFill>
             <a:schemeClr val="tx1"/>
@@ -3422,7 +6331,7 @@
           <a:cs typeface="+mn-cs"/>
         </a:defRPr>
       </a:lvl5pPr>
-      <a:lvl6pPr marL="2286000" algn="l" defTabSz="914400" rtl="0" eaLnBrk="1" latinLnBrk="0" hangingPunct="1">
+      <a:lvl6pPr marL="2286000" algn="l" defTabSz="457200" rtl="0" eaLnBrk="1" latinLnBrk="0" hangingPunct="1">
         <a:defRPr sz="1800" kern="1200">
           <a:solidFill>
             <a:schemeClr val="tx1"/>
@@ -3432,7 +6341,7 @@
           <a:cs typeface="+mn-cs"/>
         </a:defRPr>
       </a:lvl6pPr>
-      <a:lvl7pPr marL="2743200" algn="l" defTabSz="914400" rtl="0" eaLnBrk="1" latinLnBrk="0" hangingPunct="1">
+      <a:lvl7pPr marL="2743200" algn="l" defTabSz="457200" rtl="0" eaLnBrk="1" latinLnBrk="0" hangingPunct="1">
         <a:defRPr sz="1800" kern="1200">
           <a:solidFill>
             <a:schemeClr val="tx1"/>
@@ -3442,7 +6351,7 @@
           <a:cs typeface="+mn-cs"/>
         </a:defRPr>
       </a:lvl7pPr>
-      <a:lvl8pPr marL="3200400" algn="l" defTabSz="914400" rtl="0" eaLnBrk="1" latinLnBrk="0" hangingPunct="1">
+      <a:lvl8pPr marL="3200400" algn="l" defTabSz="457200" rtl="0" eaLnBrk="1" latinLnBrk="0" hangingPunct="1">
         <a:defRPr sz="1800" kern="1200">
           <a:solidFill>
             <a:schemeClr val="tx1"/>
@@ -3452,7 +6361,7 @@
           <a:cs typeface="+mn-cs"/>
         </a:defRPr>
       </a:lvl8pPr>
-      <a:lvl9pPr marL="3657600" algn="l" defTabSz="914400" rtl="0" eaLnBrk="1" latinLnBrk="0" hangingPunct="1">
+      <a:lvl9pPr marL="3657600" algn="l" defTabSz="457200" rtl="0" eaLnBrk="1" latinLnBrk="0" hangingPunct="1">
         <a:defRPr sz="1800" kern="1200">
           <a:solidFill>
             <a:schemeClr val="tx1"/>
@@ -3560,6 +6469,738 @@
 </p:sld>
 </file>
 
+<file path=ppt/slides/slide10.xml><?xml version="1.0" encoding="utf-8"?>
+<p:sld xmlns:a="http://schemas.openxmlformats.org/drawingml/2006/main" xmlns:r="http://schemas.openxmlformats.org/officeDocument/2006/relationships" xmlns:p="http://schemas.openxmlformats.org/presentationml/2006/main">
+  <p:cSld>
+    <p:spTree>
+      <p:nvGrpSpPr>
+        <p:cNvPr id="1" name=""/>
+        <p:cNvGrpSpPr/>
+        <p:nvPr/>
+      </p:nvGrpSpPr>
+      <p:grpSpPr>
+        <a:xfrm>
+          <a:off x="0" y="0"/>
+          <a:ext cx="0" cy="0"/>
+          <a:chOff x="0" y="0"/>
+          <a:chExt cx="0" cy="0"/>
+        </a:xfrm>
+      </p:grpSpPr>
+      <p:sp>
+        <p:nvSpPr>
+          <p:cNvPr id="2" name="Title 1">
+            <a:extLst>
+              <a:ext uri="{FF2B5EF4-FFF2-40B4-BE49-F238E27FC236}">
+                <a16:creationId xmlns:a16="http://schemas.microsoft.com/office/drawing/2014/main" id="{81714111-A910-4F71-90A1-CE15A7B0BC44}"/>
+              </a:ext>
+            </a:extLst>
+          </p:cNvPr>
+          <p:cNvSpPr>
+            <a:spLocks noGrp="1"/>
+          </p:cNvSpPr>
+          <p:nvPr>
+            <p:ph type="title"/>
+          </p:nvPr>
+        </p:nvSpPr>
+        <p:spPr/>
+        <p:txBody>
+          <a:bodyPr/>
+          <a:lstStyle/>
+          <a:p>
+            <a:r>
+              <a:rPr lang="en-US" dirty="0"/>
+              <a:t>Wikis </a:t>
+            </a:r>
+          </a:p>
+        </p:txBody>
+      </p:sp>
+      <p:sp>
+        <p:nvSpPr>
+          <p:cNvPr id="4" name="Text Placeholder 3">
+            <a:extLst>
+              <a:ext uri="{FF2B5EF4-FFF2-40B4-BE49-F238E27FC236}">
+                <a16:creationId xmlns:a16="http://schemas.microsoft.com/office/drawing/2014/main" id="{099FDC72-D5C9-46DE-B34D-79FF2243B973}"/>
+              </a:ext>
+            </a:extLst>
+          </p:cNvPr>
+          <p:cNvSpPr>
+            <a:spLocks noGrp="1"/>
+          </p:cNvSpPr>
+          <p:nvPr>
+            <p:ph type="body" idx="1"/>
+          </p:nvPr>
+        </p:nvSpPr>
+        <p:spPr/>
+        <p:txBody>
+          <a:bodyPr/>
+          <a:lstStyle/>
+          <a:p>
+            <a:r>
+              <a:rPr lang="en-US" dirty="0"/>
+              <a:t>Pros</a:t>
+            </a:r>
+          </a:p>
+        </p:txBody>
+      </p:sp>
+      <p:sp>
+        <p:nvSpPr>
+          <p:cNvPr id="3" name="Content Placeholder 2">
+            <a:extLst>
+              <a:ext uri="{FF2B5EF4-FFF2-40B4-BE49-F238E27FC236}">
+                <a16:creationId xmlns:a16="http://schemas.microsoft.com/office/drawing/2014/main" id="{223C467C-AD0B-4ACF-A60B-33220F56D73C}"/>
+              </a:ext>
+            </a:extLst>
+          </p:cNvPr>
+          <p:cNvSpPr>
+            <a:spLocks noGrp="1"/>
+          </p:cNvSpPr>
+          <p:nvPr>
+            <p:ph sz="half" idx="2"/>
+          </p:nvPr>
+        </p:nvSpPr>
+        <p:spPr/>
+        <p:txBody>
+          <a:bodyPr/>
+          <a:lstStyle/>
+          <a:p>
+            <a:r>
+              <a:rPr lang="en-US" dirty="0"/>
+              <a:t>Basic web documentation</a:t>
+            </a:r>
+          </a:p>
+          <a:p>
+            <a:r>
+              <a:rPr lang="en-US" dirty="0"/>
+              <a:t>Easy to use </a:t>
+            </a:r>
+          </a:p>
+          <a:p>
+            <a:r>
+              <a:rPr lang="en-US" dirty="0" err="1"/>
+              <a:t>Collobborative</a:t>
+            </a:r>
+            <a:r>
+              <a:rPr lang="en-US" dirty="0"/>
+              <a:t> </a:t>
+            </a:r>
+          </a:p>
+        </p:txBody>
+      </p:sp>
+      <p:sp>
+        <p:nvSpPr>
+          <p:cNvPr id="5" name="Text Placeholder 4">
+            <a:extLst>
+              <a:ext uri="{FF2B5EF4-FFF2-40B4-BE49-F238E27FC236}">
+                <a16:creationId xmlns:a16="http://schemas.microsoft.com/office/drawing/2014/main" id="{FDB9D71C-B5D3-4B2F-8BAA-CFED5E7D53CE}"/>
+              </a:ext>
+            </a:extLst>
+          </p:cNvPr>
+          <p:cNvSpPr>
+            <a:spLocks noGrp="1"/>
+          </p:cNvSpPr>
+          <p:nvPr>
+            <p:ph type="body" sz="quarter" idx="3"/>
+          </p:nvPr>
+        </p:nvSpPr>
+        <p:spPr/>
+        <p:txBody>
+          <a:bodyPr/>
+          <a:lstStyle/>
+          <a:p>
+            <a:r>
+              <a:rPr lang="en-US" dirty="0"/>
+              <a:t>Cons</a:t>
+            </a:r>
+          </a:p>
+        </p:txBody>
+      </p:sp>
+      <p:sp>
+        <p:nvSpPr>
+          <p:cNvPr id="6" name="Content Placeholder 5">
+            <a:extLst>
+              <a:ext uri="{FF2B5EF4-FFF2-40B4-BE49-F238E27FC236}">
+                <a16:creationId xmlns:a16="http://schemas.microsoft.com/office/drawing/2014/main" id="{6658E452-31CC-4128-9D9B-F1BE980990FB}"/>
+              </a:ext>
+            </a:extLst>
+          </p:cNvPr>
+          <p:cNvSpPr>
+            <a:spLocks noGrp="1"/>
+          </p:cNvSpPr>
+          <p:nvPr>
+            <p:ph sz="quarter" idx="4"/>
+          </p:nvPr>
+        </p:nvSpPr>
+        <p:spPr/>
+        <p:txBody>
+          <a:bodyPr/>
+          <a:lstStyle/>
+          <a:p>
+            <a:r>
+              <a:rPr lang="en-US" dirty="0"/>
+              <a:t>Basic look and feel</a:t>
+            </a:r>
+          </a:p>
+        </p:txBody>
+      </p:sp>
+    </p:spTree>
+    <p:extLst>
+      <p:ext uri="{BB962C8B-B14F-4D97-AF65-F5344CB8AC3E}">
+        <p14:creationId xmlns:p14="http://schemas.microsoft.com/office/powerpoint/2010/main" val="1263982400"/>
+      </p:ext>
+    </p:extLst>
+  </p:cSld>
+  <p:clrMapOvr>
+    <a:masterClrMapping/>
+  </p:clrMapOvr>
+</p:sld>
+</file>
+
+<file path=ppt/slides/slide11.xml><?xml version="1.0" encoding="utf-8"?>
+<p:sld xmlns:a="http://schemas.openxmlformats.org/drawingml/2006/main" xmlns:r="http://schemas.openxmlformats.org/officeDocument/2006/relationships" xmlns:p="http://schemas.openxmlformats.org/presentationml/2006/main">
+  <p:cSld>
+    <p:spTree>
+      <p:nvGrpSpPr>
+        <p:cNvPr id="1" name=""/>
+        <p:cNvGrpSpPr/>
+        <p:nvPr/>
+      </p:nvGrpSpPr>
+      <p:grpSpPr>
+        <a:xfrm>
+          <a:off x="0" y="0"/>
+          <a:ext cx="0" cy="0"/>
+          <a:chOff x="0" y="0"/>
+          <a:chExt cx="0" cy="0"/>
+        </a:xfrm>
+      </p:grpSpPr>
+      <p:sp>
+        <p:nvSpPr>
+          <p:cNvPr id="2" name="Title 1">
+            <a:extLst>
+              <a:ext uri="{FF2B5EF4-FFF2-40B4-BE49-F238E27FC236}">
+                <a16:creationId xmlns:a16="http://schemas.microsoft.com/office/drawing/2014/main" id="{81714111-A910-4F71-90A1-CE15A7B0BC44}"/>
+              </a:ext>
+            </a:extLst>
+          </p:cNvPr>
+          <p:cNvSpPr>
+            <a:spLocks noGrp="1"/>
+          </p:cNvSpPr>
+          <p:nvPr>
+            <p:ph type="title"/>
+          </p:nvPr>
+        </p:nvSpPr>
+        <p:spPr/>
+        <p:txBody>
+          <a:bodyPr/>
+          <a:lstStyle/>
+          <a:p>
+            <a:r>
+              <a:rPr lang="en-US" dirty="0"/>
+              <a:t>Content Management Systems</a:t>
+            </a:r>
+          </a:p>
+        </p:txBody>
+      </p:sp>
+      <p:sp>
+        <p:nvSpPr>
+          <p:cNvPr id="4" name="Text Placeholder 3">
+            <a:extLst>
+              <a:ext uri="{FF2B5EF4-FFF2-40B4-BE49-F238E27FC236}">
+                <a16:creationId xmlns:a16="http://schemas.microsoft.com/office/drawing/2014/main" id="{099FDC72-D5C9-46DE-B34D-79FF2243B973}"/>
+              </a:ext>
+            </a:extLst>
+          </p:cNvPr>
+          <p:cNvSpPr>
+            <a:spLocks noGrp="1"/>
+          </p:cNvSpPr>
+          <p:nvPr>
+            <p:ph type="body" idx="1"/>
+          </p:nvPr>
+        </p:nvSpPr>
+        <p:spPr/>
+        <p:txBody>
+          <a:bodyPr/>
+          <a:lstStyle/>
+          <a:p>
+            <a:r>
+              <a:rPr lang="en-US" dirty="0"/>
+              <a:t>Pros</a:t>
+            </a:r>
+          </a:p>
+        </p:txBody>
+      </p:sp>
+      <p:sp>
+        <p:nvSpPr>
+          <p:cNvPr id="3" name="Content Placeholder 2">
+            <a:extLst>
+              <a:ext uri="{FF2B5EF4-FFF2-40B4-BE49-F238E27FC236}">
+                <a16:creationId xmlns:a16="http://schemas.microsoft.com/office/drawing/2014/main" id="{223C467C-AD0B-4ACF-A60B-33220F56D73C}"/>
+              </a:ext>
+            </a:extLst>
+          </p:cNvPr>
+          <p:cNvSpPr>
+            <a:spLocks noGrp="1"/>
+          </p:cNvSpPr>
+          <p:nvPr>
+            <p:ph sz="half" idx="2"/>
+          </p:nvPr>
+        </p:nvSpPr>
+        <p:spPr/>
+        <p:txBody>
+          <a:bodyPr/>
+          <a:lstStyle/>
+          <a:p>
+            <a:r>
+              <a:rPr lang="en-US" dirty="0"/>
+              <a:t>Generate basic web documentation</a:t>
+            </a:r>
+          </a:p>
+          <a:p>
+            <a:r>
+              <a:rPr lang="en-US" dirty="0"/>
+              <a:t>Easy to use </a:t>
+            </a:r>
+          </a:p>
+          <a:p>
+            <a:r>
+              <a:rPr lang="en-US" dirty="0"/>
+              <a:t>Large user base</a:t>
+            </a:r>
+          </a:p>
+        </p:txBody>
+      </p:sp>
+      <p:sp>
+        <p:nvSpPr>
+          <p:cNvPr id="5" name="Text Placeholder 4">
+            <a:extLst>
+              <a:ext uri="{FF2B5EF4-FFF2-40B4-BE49-F238E27FC236}">
+                <a16:creationId xmlns:a16="http://schemas.microsoft.com/office/drawing/2014/main" id="{FDB9D71C-B5D3-4B2F-8BAA-CFED5E7D53CE}"/>
+              </a:ext>
+            </a:extLst>
+          </p:cNvPr>
+          <p:cNvSpPr>
+            <a:spLocks noGrp="1"/>
+          </p:cNvSpPr>
+          <p:nvPr>
+            <p:ph type="body" sz="quarter" idx="3"/>
+          </p:nvPr>
+        </p:nvSpPr>
+        <p:spPr/>
+        <p:txBody>
+          <a:bodyPr/>
+          <a:lstStyle/>
+          <a:p>
+            <a:r>
+              <a:rPr lang="en-US" dirty="0"/>
+              <a:t>Cons</a:t>
+            </a:r>
+          </a:p>
+        </p:txBody>
+      </p:sp>
+      <p:sp>
+        <p:nvSpPr>
+          <p:cNvPr id="6" name="Content Placeholder 5">
+            <a:extLst>
+              <a:ext uri="{FF2B5EF4-FFF2-40B4-BE49-F238E27FC236}">
+                <a16:creationId xmlns:a16="http://schemas.microsoft.com/office/drawing/2014/main" id="{6658E452-31CC-4128-9D9B-F1BE980990FB}"/>
+              </a:ext>
+            </a:extLst>
+          </p:cNvPr>
+          <p:cNvSpPr>
+            <a:spLocks noGrp="1"/>
+          </p:cNvSpPr>
+          <p:nvPr>
+            <p:ph sz="quarter" idx="4"/>
+          </p:nvPr>
+        </p:nvSpPr>
+        <p:spPr/>
+        <p:txBody>
+          <a:bodyPr/>
+          <a:lstStyle/>
+          <a:p>
+            <a:r>
+              <a:rPr lang="en-US" dirty="0"/>
+              <a:t>Customization and table creation are difficult</a:t>
+            </a:r>
+          </a:p>
+        </p:txBody>
+      </p:sp>
+    </p:spTree>
+    <p:extLst>
+      <p:ext uri="{BB962C8B-B14F-4D97-AF65-F5344CB8AC3E}">
+        <p14:creationId xmlns:p14="http://schemas.microsoft.com/office/powerpoint/2010/main" val="3074133383"/>
+      </p:ext>
+    </p:extLst>
+  </p:cSld>
+  <p:clrMapOvr>
+    <a:masterClrMapping/>
+  </p:clrMapOvr>
+</p:sld>
+</file>
+
+<file path=ppt/slides/slide12.xml><?xml version="1.0" encoding="utf-8"?>
+<p:sld xmlns:a="http://schemas.openxmlformats.org/drawingml/2006/main" xmlns:r="http://schemas.openxmlformats.org/officeDocument/2006/relationships" xmlns:p="http://schemas.openxmlformats.org/presentationml/2006/main">
+  <p:cSld>
+    <p:spTree>
+      <p:nvGrpSpPr>
+        <p:cNvPr id="1" name=""/>
+        <p:cNvGrpSpPr/>
+        <p:nvPr/>
+      </p:nvGrpSpPr>
+      <p:grpSpPr>
+        <a:xfrm>
+          <a:off x="0" y="0"/>
+          <a:ext cx="0" cy="0"/>
+          <a:chOff x="0" y="0"/>
+          <a:chExt cx="0" cy="0"/>
+        </a:xfrm>
+      </p:grpSpPr>
+      <p:sp>
+        <p:nvSpPr>
+          <p:cNvPr id="2" name="Title 1">
+            <a:extLst>
+              <a:ext uri="{FF2B5EF4-FFF2-40B4-BE49-F238E27FC236}">
+                <a16:creationId xmlns:a16="http://schemas.microsoft.com/office/drawing/2014/main" id="{81714111-A910-4F71-90A1-CE15A7B0BC44}"/>
+              </a:ext>
+            </a:extLst>
+          </p:cNvPr>
+          <p:cNvSpPr>
+            <a:spLocks noGrp="1"/>
+          </p:cNvSpPr>
+          <p:nvPr>
+            <p:ph type="title"/>
+          </p:nvPr>
+        </p:nvSpPr>
+        <p:spPr/>
+        <p:txBody>
+          <a:bodyPr/>
+          <a:lstStyle/>
+          <a:p>
+            <a:r>
+              <a:rPr lang="en-US" dirty="0"/>
+              <a:t>Commercial Tools</a:t>
+            </a:r>
+          </a:p>
+        </p:txBody>
+      </p:sp>
+      <p:sp>
+        <p:nvSpPr>
+          <p:cNvPr id="4" name="Text Placeholder 3">
+            <a:extLst>
+              <a:ext uri="{FF2B5EF4-FFF2-40B4-BE49-F238E27FC236}">
+                <a16:creationId xmlns:a16="http://schemas.microsoft.com/office/drawing/2014/main" id="{099FDC72-D5C9-46DE-B34D-79FF2243B973}"/>
+              </a:ext>
+            </a:extLst>
+          </p:cNvPr>
+          <p:cNvSpPr>
+            <a:spLocks noGrp="1"/>
+          </p:cNvSpPr>
+          <p:nvPr>
+            <p:ph type="body" idx="1"/>
+          </p:nvPr>
+        </p:nvSpPr>
+        <p:spPr/>
+        <p:txBody>
+          <a:bodyPr/>
+          <a:lstStyle/>
+          <a:p>
+            <a:r>
+              <a:rPr lang="en-US" dirty="0"/>
+              <a:t>Pros</a:t>
+            </a:r>
+          </a:p>
+        </p:txBody>
+      </p:sp>
+      <p:sp>
+        <p:nvSpPr>
+          <p:cNvPr id="3" name="Content Placeholder 2">
+            <a:extLst>
+              <a:ext uri="{FF2B5EF4-FFF2-40B4-BE49-F238E27FC236}">
+                <a16:creationId xmlns:a16="http://schemas.microsoft.com/office/drawing/2014/main" id="{223C467C-AD0B-4ACF-A60B-33220F56D73C}"/>
+              </a:ext>
+            </a:extLst>
+          </p:cNvPr>
+          <p:cNvSpPr>
+            <a:spLocks noGrp="1"/>
+          </p:cNvSpPr>
+          <p:nvPr>
+            <p:ph sz="half" idx="2"/>
+          </p:nvPr>
+        </p:nvSpPr>
+        <p:spPr/>
+        <p:txBody>
+          <a:bodyPr/>
+          <a:lstStyle/>
+          <a:p>
+            <a:r>
+              <a:rPr lang="en-US" dirty="0"/>
+              <a:t>Fine control over look and feel </a:t>
+            </a:r>
+          </a:p>
+          <a:p>
+            <a:r>
+              <a:rPr lang="en-US" dirty="0"/>
+              <a:t>Enterprise- style functionality </a:t>
+            </a:r>
+          </a:p>
+        </p:txBody>
+      </p:sp>
+      <p:sp>
+        <p:nvSpPr>
+          <p:cNvPr id="5" name="Text Placeholder 4">
+            <a:extLst>
+              <a:ext uri="{FF2B5EF4-FFF2-40B4-BE49-F238E27FC236}">
+                <a16:creationId xmlns:a16="http://schemas.microsoft.com/office/drawing/2014/main" id="{FDB9D71C-B5D3-4B2F-8BAA-CFED5E7D53CE}"/>
+              </a:ext>
+            </a:extLst>
+          </p:cNvPr>
+          <p:cNvSpPr>
+            <a:spLocks noGrp="1"/>
+          </p:cNvSpPr>
+          <p:nvPr>
+            <p:ph type="body" sz="quarter" idx="3"/>
+          </p:nvPr>
+        </p:nvSpPr>
+        <p:spPr/>
+        <p:txBody>
+          <a:bodyPr/>
+          <a:lstStyle/>
+          <a:p>
+            <a:r>
+              <a:rPr lang="en-US" dirty="0"/>
+              <a:t>Cons</a:t>
+            </a:r>
+          </a:p>
+        </p:txBody>
+      </p:sp>
+      <p:sp>
+        <p:nvSpPr>
+          <p:cNvPr id="6" name="Content Placeholder 5">
+            <a:extLst>
+              <a:ext uri="{FF2B5EF4-FFF2-40B4-BE49-F238E27FC236}">
+                <a16:creationId xmlns:a16="http://schemas.microsoft.com/office/drawing/2014/main" id="{6658E452-31CC-4128-9D9B-F1BE980990FB}"/>
+              </a:ext>
+            </a:extLst>
+          </p:cNvPr>
+          <p:cNvSpPr>
+            <a:spLocks noGrp="1"/>
+          </p:cNvSpPr>
+          <p:nvPr>
+            <p:ph sz="quarter" idx="4"/>
+          </p:nvPr>
+        </p:nvSpPr>
+        <p:spPr/>
+        <p:txBody>
+          <a:bodyPr/>
+          <a:lstStyle/>
+          <a:p>
+            <a:r>
+              <a:rPr lang="en-US" dirty="0"/>
+              <a:t>Expensive $$</a:t>
+            </a:r>
+          </a:p>
+          <a:p>
+            <a:r>
+              <a:rPr lang="en-US" dirty="0"/>
+              <a:t>Overkill</a:t>
+            </a:r>
+          </a:p>
+        </p:txBody>
+      </p:sp>
+    </p:spTree>
+    <p:extLst>
+      <p:ext uri="{BB962C8B-B14F-4D97-AF65-F5344CB8AC3E}">
+        <p14:creationId xmlns:p14="http://schemas.microsoft.com/office/powerpoint/2010/main" val="107319806"/>
+      </p:ext>
+    </p:extLst>
+  </p:cSld>
+  <p:clrMapOvr>
+    <a:masterClrMapping/>
+  </p:clrMapOvr>
+</p:sld>
+</file>
+
+<file path=ppt/slides/slide13.xml><?xml version="1.0" encoding="utf-8"?>
+<p:sld xmlns:a="http://schemas.openxmlformats.org/drawingml/2006/main" xmlns:r="http://schemas.openxmlformats.org/officeDocument/2006/relationships" xmlns:p="http://schemas.openxmlformats.org/presentationml/2006/main">
+  <p:cSld>
+    <p:spTree>
+      <p:nvGrpSpPr>
+        <p:cNvPr id="1" name=""/>
+        <p:cNvGrpSpPr/>
+        <p:nvPr/>
+      </p:nvGrpSpPr>
+      <p:grpSpPr>
+        <a:xfrm>
+          <a:off x="0" y="0"/>
+          <a:ext cx="0" cy="0"/>
+          <a:chOff x="0" y="0"/>
+          <a:chExt cx="0" cy="0"/>
+        </a:xfrm>
+      </p:grpSpPr>
+      <p:sp>
+        <p:nvSpPr>
+          <p:cNvPr id="2" name="Title 1">
+            <a:extLst>
+              <a:ext uri="{FF2B5EF4-FFF2-40B4-BE49-F238E27FC236}">
+                <a16:creationId xmlns:a16="http://schemas.microsoft.com/office/drawing/2014/main" id="{39A20756-5B90-497E-98E1-FDC2A230A881}"/>
+              </a:ext>
+            </a:extLst>
+          </p:cNvPr>
+          <p:cNvSpPr>
+            <a:spLocks noGrp="1"/>
+          </p:cNvSpPr>
+          <p:nvPr>
+            <p:ph type="title"/>
+          </p:nvPr>
+        </p:nvSpPr>
+        <p:spPr/>
+        <p:txBody>
+          <a:bodyPr/>
+          <a:lstStyle/>
+          <a:p>
+            <a:r>
+              <a:rPr lang="en-US" dirty="0"/>
+              <a:t>DITA</a:t>
+            </a:r>
+          </a:p>
+        </p:txBody>
+      </p:sp>
+      <p:sp>
+        <p:nvSpPr>
+          <p:cNvPr id="3" name="Text Placeholder 2">
+            <a:extLst>
+              <a:ext uri="{FF2B5EF4-FFF2-40B4-BE49-F238E27FC236}">
+                <a16:creationId xmlns:a16="http://schemas.microsoft.com/office/drawing/2014/main" id="{003657AC-2134-4A36-A22D-E8F395763EE9}"/>
+              </a:ext>
+            </a:extLst>
+          </p:cNvPr>
+          <p:cNvSpPr>
+            <a:spLocks noGrp="1"/>
+          </p:cNvSpPr>
+          <p:nvPr>
+            <p:ph type="body" idx="1"/>
+          </p:nvPr>
+        </p:nvSpPr>
+        <p:spPr/>
+        <p:txBody>
+          <a:bodyPr/>
+          <a:lstStyle/>
+          <a:p>
+            <a:r>
+              <a:rPr lang="en-US" dirty="0"/>
+              <a:t>Pros</a:t>
+            </a:r>
+          </a:p>
+        </p:txBody>
+      </p:sp>
+      <p:sp>
+        <p:nvSpPr>
+          <p:cNvPr id="4" name="Content Placeholder 3">
+            <a:extLst>
+              <a:ext uri="{FF2B5EF4-FFF2-40B4-BE49-F238E27FC236}">
+                <a16:creationId xmlns:a16="http://schemas.microsoft.com/office/drawing/2014/main" id="{5F2AC544-313B-4682-BAF1-F6425DD830B2}"/>
+              </a:ext>
+            </a:extLst>
+          </p:cNvPr>
+          <p:cNvSpPr>
+            <a:spLocks noGrp="1"/>
+          </p:cNvSpPr>
+          <p:nvPr>
+            <p:ph sz="half" idx="2"/>
+          </p:nvPr>
+        </p:nvSpPr>
+        <p:spPr/>
+        <p:txBody>
+          <a:bodyPr/>
+          <a:lstStyle/>
+          <a:p>
+            <a:r>
+              <a:rPr lang="en-US" dirty="0"/>
+              <a:t>Powerful open-source</a:t>
+            </a:r>
+          </a:p>
+          <a:p>
+            <a:r>
+              <a:rPr lang="en-US" dirty="0"/>
+              <a:t>Free</a:t>
+            </a:r>
+          </a:p>
+        </p:txBody>
+      </p:sp>
+      <p:sp>
+        <p:nvSpPr>
+          <p:cNvPr id="5" name="Text Placeholder 4">
+            <a:extLst>
+              <a:ext uri="{FF2B5EF4-FFF2-40B4-BE49-F238E27FC236}">
+                <a16:creationId xmlns:a16="http://schemas.microsoft.com/office/drawing/2014/main" id="{E65BF461-3B60-4838-BE5B-C5446EB6CAD7}"/>
+              </a:ext>
+            </a:extLst>
+          </p:cNvPr>
+          <p:cNvSpPr>
+            <a:spLocks noGrp="1"/>
+          </p:cNvSpPr>
+          <p:nvPr>
+            <p:ph type="body" sz="quarter" idx="3"/>
+          </p:nvPr>
+        </p:nvSpPr>
+        <p:spPr/>
+        <p:txBody>
+          <a:bodyPr/>
+          <a:lstStyle/>
+          <a:p>
+            <a:r>
+              <a:rPr lang="en-US" dirty="0"/>
+              <a:t>Cons</a:t>
+            </a:r>
+          </a:p>
+        </p:txBody>
+      </p:sp>
+      <p:sp>
+        <p:nvSpPr>
+          <p:cNvPr id="6" name="Content Placeholder 5">
+            <a:extLst>
+              <a:ext uri="{FF2B5EF4-FFF2-40B4-BE49-F238E27FC236}">
+                <a16:creationId xmlns:a16="http://schemas.microsoft.com/office/drawing/2014/main" id="{1479C708-754B-4964-9049-DE7A28B8ACF1}"/>
+              </a:ext>
+            </a:extLst>
+          </p:cNvPr>
+          <p:cNvSpPr>
+            <a:spLocks noGrp="1"/>
+          </p:cNvSpPr>
+          <p:nvPr>
+            <p:ph sz="quarter" idx="4"/>
+          </p:nvPr>
+        </p:nvSpPr>
+        <p:spPr/>
+        <p:txBody>
+          <a:bodyPr/>
+          <a:lstStyle/>
+          <a:p>
+            <a:r>
+              <a:rPr lang="en-US" dirty="0"/>
+              <a:t>Not used much in API documentation </a:t>
+            </a:r>
+          </a:p>
+          <a:p>
+            <a:r>
+              <a:rPr lang="en-US" dirty="0"/>
+              <a:t>Overkill</a:t>
+            </a:r>
+          </a:p>
+        </p:txBody>
+      </p:sp>
+    </p:spTree>
+    <p:extLst>
+      <p:ext uri="{BB962C8B-B14F-4D97-AF65-F5344CB8AC3E}">
+        <p14:creationId xmlns:p14="http://schemas.microsoft.com/office/powerpoint/2010/main" val="1321975259"/>
+      </p:ext>
+    </p:extLst>
+  </p:cSld>
+  <p:clrMapOvr>
+    <a:masterClrMapping/>
+  </p:clrMapOvr>
+</p:sld>
+</file>
+
 <file path=ppt/slides/slide2.xml><?xml version="1.0" encoding="utf-8"?>
 <p:sld xmlns:a="http://schemas.openxmlformats.org/drawingml/2006/main" xmlns:r="http://schemas.openxmlformats.org/officeDocument/2006/relationships" xmlns:p="http://schemas.openxmlformats.org/presentationml/2006/main">
   <p:cSld>
@@ -4140,20 +7781,14 @@
         </p:nvSpPr>
         <p:spPr/>
         <p:txBody>
-          <a:bodyPr/>
-          <a:lstStyle/>
-          <a:p>
-            <a:r>
-              <a:rPr lang="en-US" dirty="0"/>
-              <a:t>|Element| </a:t>
-            </a:r>
-            <a:r>
-              <a:rPr lang="en-US" dirty="0" err="1"/>
-              <a:t>Desciption</a:t>
-            </a:r>
-            <a:r>
-              <a:rPr lang="en-US" dirty="0"/>
-              <a:t>| Type| Notes |</a:t>
+          <a:bodyPr>
+            <a:normAutofit/>
+          </a:bodyPr>
+          <a:lstStyle/>
+          <a:p>
+            <a:r>
+              <a:rPr lang="en-US" dirty="0"/>
+              <a:t>|Element| Description| Type| Notes |</a:t>
             </a:r>
           </a:p>
           <a:p>
@@ -4280,13 +7915,8 @@
           <a:p>
             <a:r>
               <a:rPr lang="en-US" dirty="0"/>
-              <a:t>Examples on GitHub of JSON, XML, and </a:t>
-            </a:r>
-            <a:r>
-              <a:rPr lang="en-US" dirty="0" err="1"/>
-              <a:t>MarkDown</a:t>
-            </a:r>
-            <a:endParaRPr lang="en-US" dirty="0"/>
+              <a:t>Examples on GitHub of JSON, XML, and Markdown</a:t>
+            </a:r>
           </a:p>
           <a:p>
             <a:r>
@@ -4302,15 +7932,18 @@
             </a:r>
           </a:p>
           <a:p>
+            <a:pPr lvl="2"/>
+            <a:r>
+              <a:rPr lang="en-US" dirty="0"/>
+              <a:t>I used two.</a:t>
+            </a:r>
+          </a:p>
+          <a:p>
             <a:pPr lvl="1"/>
             <a:r>
               <a:rPr lang="en-US" dirty="0"/>
               <a:t>The XML response is not written using attributes</a:t>
             </a:r>
-          </a:p>
-          <a:p>
-            <a:pPr lvl="1"/>
-            <a:endParaRPr lang="en-US" dirty="0"/>
           </a:p>
           <a:p>
             <a:r>
@@ -4347,10 +7980,302 @@
 </p:sld>
 </file>
 
+<file path=ppt/slides/slide8.xml><?xml version="1.0" encoding="utf-8"?>
+<p:sld xmlns:a="http://schemas.openxmlformats.org/drawingml/2006/main" xmlns:r="http://schemas.openxmlformats.org/officeDocument/2006/relationships" xmlns:p="http://schemas.openxmlformats.org/presentationml/2006/main">
+  <p:cSld>
+    <p:spTree>
+      <p:nvGrpSpPr>
+        <p:cNvPr id="1" name=""/>
+        <p:cNvGrpSpPr/>
+        <p:nvPr/>
+      </p:nvGrpSpPr>
+      <p:grpSpPr>
+        <a:xfrm>
+          <a:off x="0" y="0"/>
+          <a:ext cx="0" cy="0"/>
+          <a:chOff x="0" y="0"/>
+          <a:chExt cx="0" cy="0"/>
+        </a:xfrm>
+      </p:grpSpPr>
+      <p:sp>
+        <p:nvSpPr>
+          <p:cNvPr id="2" name="Title 1">
+            <a:extLst>
+              <a:ext uri="{FF2B5EF4-FFF2-40B4-BE49-F238E27FC236}">
+                <a16:creationId xmlns:a16="http://schemas.microsoft.com/office/drawing/2014/main" id="{3F604D8D-ACDA-43DD-B387-477E344D2AE2}"/>
+              </a:ext>
+            </a:extLst>
+          </p:cNvPr>
+          <p:cNvSpPr>
+            <a:spLocks noGrp="1"/>
+          </p:cNvSpPr>
+          <p:nvPr>
+            <p:ph type="title"/>
+          </p:nvPr>
+        </p:nvSpPr>
+        <p:spPr/>
+        <p:txBody>
+          <a:bodyPr/>
+          <a:lstStyle/>
+          <a:p>
+            <a:r>
+              <a:rPr lang="en-US" dirty="0"/>
+              <a:t>Other Tools for Documentation</a:t>
+            </a:r>
+          </a:p>
+        </p:txBody>
+      </p:sp>
+      <p:sp>
+        <p:nvSpPr>
+          <p:cNvPr id="3" name="Content Placeholder 2">
+            <a:extLst>
+              <a:ext uri="{FF2B5EF4-FFF2-40B4-BE49-F238E27FC236}">
+                <a16:creationId xmlns:a16="http://schemas.microsoft.com/office/drawing/2014/main" id="{39E51DAF-0EE3-4471-9320-3CCE42727906}"/>
+              </a:ext>
+            </a:extLst>
+          </p:cNvPr>
+          <p:cNvSpPr>
+            <a:spLocks noGrp="1"/>
+          </p:cNvSpPr>
+          <p:nvPr>
+            <p:ph idx="1"/>
+          </p:nvPr>
+        </p:nvSpPr>
+        <p:spPr/>
+        <p:txBody>
+          <a:bodyPr/>
+          <a:lstStyle/>
+          <a:p>
+            <a:r>
+              <a:rPr lang="en-US" dirty="0"/>
+              <a:t>Word Processors</a:t>
+            </a:r>
+          </a:p>
+          <a:p>
+            <a:r>
+              <a:rPr lang="en-US" dirty="0"/>
+              <a:t>Wikis</a:t>
+            </a:r>
+          </a:p>
+          <a:p>
+            <a:r>
+              <a:rPr lang="en-US" dirty="0"/>
+              <a:t>Content Management Systems</a:t>
+            </a:r>
+          </a:p>
+          <a:p>
+            <a:r>
+              <a:rPr lang="en-US" dirty="0"/>
+              <a:t>Commercial Tools</a:t>
+            </a:r>
+          </a:p>
+          <a:p>
+            <a:r>
+              <a:rPr lang="en-US" dirty="0"/>
+              <a:t>DITA</a:t>
+            </a:r>
+          </a:p>
+        </p:txBody>
+      </p:sp>
+    </p:spTree>
+    <p:extLst>
+      <p:ext uri="{BB962C8B-B14F-4D97-AF65-F5344CB8AC3E}">
+        <p14:creationId xmlns:p14="http://schemas.microsoft.com/office/powerpoint/2010/main" val="585682088"/>
+      </p:ext>
+    </p:extLst>
+  </p:cSld>
+  <p:clrMapOvr>
+    <a:masterClrMapping/>
+  </p:clrMapOvr>
+</p:sld>
+</file>
+
+<file path=ppt/slides/slide9.xml><?xml version="1.0" encoding="utf-8"?>
+<p:sld xmlns:a="http://schemas.openxmlformats.org/drawingml/2006/main" xmlns:r="http://schemas.openxmlformats.org/officeDocument/2006/relationships" xmlns:p="http://schemas.openxmlformats.org/presentationml/2006/main">
+  <p:cSld>
+    <p:spTree>
+      <p:nvGrpSpPr>
+        <p:cNvPr id="1" name=""/>
+        <p:cNvGrpSpPr/>
+        <p:nvPr/>
+      </p:nvGrpSpPr>
+      <p:grpSpPr>
+        <a:xfrm>
+          <a:off x="0" y="0"/>
+          <a:ext cx="0" cy="0"/>
+          <a:chOff x="0" y="0"/>
+          <a:chExt cx="0" cy="0"/>
+        </a:xfrm>
+      </p:grpSpPr>
+      <p:sp>
+        <p:nvSpPr>
+          <p:cNvPr id="2" name="Title 1">
+            <a:extLst>
+              <a:ext uri="{FF2B5EF4-FFF2-40B4-BE49-F238E27FC236}">
+                <a16:creationId xmlns:a16="http://schemas.microsoft.com/office/drawing/2014/main" id="{81714111-A910-4F71-90A1-CE15A7B0BC44}"/>
+              </a:ext>
+            </a:extLst>
+          </p:cNvPr>
+          <p:cNvSpPr>
+            <a:spLocks noGrp="1"/>
+          </p:cNvSpPr>
+          <p:nvPr>
+            <p:ph type="title"/>
+          </p:nvPr>
+        </p:nvSpPr>
+        <p:spPr/>
+        <p:txBody>
+          <a:bodyPr/>
+          <a:lstStyle/>
+          <a:p>
+            <a:r>
+              <a:rPr lang="en-US" dirty="0"/>
+              <a:t>Word Processors </a:t>
+            </a:r>
+          </a:p>
+        </p:txBody>
+      </p:sp>
+      <p:sp>
+        <p:nvSpPr>
+          <p:cNvPr id="4" name="Text Placeholder 3">
+            <a:extLst>
+              <a:ext uri="{FF2B5EF4-FFF2-40B4-BE49-F238E27FC236}">
+                <a16:creationId xmlns:a16="http://schemas.microsoft.com/office/drawing/2014/main" id="{099FDC72-D5C9-46DE-B34D-79FF2243B973}"/>
+              </a:ext>
+            </a:extLst>
+          </p:cNvPr>
+          <p:cNvSpPr>
+            <a:spLocks noGrp="1"/>
+          </p:cNvSpPr>
+          <p:nvPr>
+            <p:ph type="body" idx="1"/>
+          </p:nvPr>
+        </p:nvSpPr>
+        <p:spPr/>
+        <p:txBody>
+          <a:bodyPr/>
+          <a:lstStyle/>
+          <a:p>
+            <a:r>
+              <a:rPr lang="en-US" dirty="0"/>
+              <a:t>Pros</a:t>
+            </a:r>
+          </a:p>
+        </p:txBody>
+      </p:sp>
+      <p:sp>
+        <p:nvSpPr>
+          <p:cNvPr id="3" name="Content Placeholder 2">
+            <a:extLst>
+              <a:ext uri="{FF2B5EF4-FFF2-40B4-BE49-F238E27FC236}">
+                <a16:creationId xmlns:a16="http://schemas.microsoft.com/office/drawing/2014/main" id="{223C467C-AD0B-4ACF-A60B-33220F56D73C}"/>
+              </a:ext>
+            </a:extLst>
+          </p:cNvPr>
+          <p:cNvSpPr>
+            <a:spLocks noGrp="1"/>
+          </p:cNvSpPr>
+          <p:nvPr>
+            <p:ph sz="half" idx="2"/>
+          </p:nvPr>
+        </p:nvSpPr>
+        <p:spPr/>
+        <p:txBody>
+          <a:bodyPr/>
+          <a:lstStyle/>
+          <a:p>
+            <a:r>
+              <a:rPr lang="en-US" dirty="0"/>
+              <a:t>Can generate PDF format for viewing</a:t>
+            </a:r>
+          </a:p>
+          <a:p>
+            <a:r>
+              <a:rPr lang="en-US" dirty="0"/>
+              <a:t>Has sophisticated formatting </a:t>
+            </a:r>
+          </a:p>
+        </p:txBody>
+      </p:sp>
+      <p:sp>
+        <p:nvSpPr>
+          <p:cNvPr id="5" name="Text Placeholder 4">
+            <a:extLst>
+              <a:ext uri="{FF2B5EF4-FFF2-40B4-BE49-F238E27FC236}">
+                <a16:creationId xmlns:a16="http://schemas.microsoft.com/office/drawing/2014/main" id="{FDB9D71C-B5D3-4B2F-8BAA-CFED5E7D53CE}"/>
+              </a:ext>
+            </a:extLst>
+          </p:cNvPr>
+          <p:cNvSpPr>
+            <a:spLocks noGrp="1"/>
+          </p:cNvSpPr>
+          <p:nvPr>
+            <p:ph type="body" sz="quarter" idx="3"/>
+          </p:nvPr>
+        </p:nvSpPr>
+        <p:spPr/>
+        <p:txBody>
+          <a:bodyPr/>
+          <a:lstStyle/>
+          <a:p>
+            <a:r>
+              <a:rPr lang="en-US" dirty="0"/>
+              <a:t>Cons</a:t>
+            </a:r>
+          </a:p>
+        </p:txBody>
+      </p:sp>
+      <p:sp>
+        <p:nvSpPr>
+          <p:cNvPr id="6" name="Content Placeholder 5">
+            <a:extLst>
+              <a:ext uri="{FF2B5EF4-FFF2-40B4-BE49-F238E27FC236}">
+                <a16:creationId xmlns:a16="http://schemas.microsoft.com/office/drawing/2014/main" id="{6658E452-31CC-4128-9D9B-F1BE980990FB}"/>
+              </a:ext>
+            </a:extLst>
+          </p:cNvPr>
+          <p:cNvSpPr>
+            <a:spLocks noGrp="1"/>
+          </p:cNvSpPr>
+          <p:nvPr>
+            <p:ph sz="quarter" idx="4"/>
+          </p:nvPr>
+        </p:nvSpPr>
+        <p:spPr/>
+        <p:txBody>
+          <a:bodyPr/>
+          <a:lstStyle/>
+          <a:p>
+            <a:r>
+              <a:rPr lang="en-US" dirty="0"/>
+              <a:t>Poor web-based docs</a:t>
+            </a:r>
+          </a:p>
+          <a:p>
+            <a:r>
+              <a:rPr lang="en-US" dirty="0"/>
+              <a:t>Doesn’t allow for multiple people working on it</a:t>
+            </a:r>
+          </a:p>
+        </p:txBody>
+      </p:sp>
+    </p:spTree>
+    <p:extLst>
+      <p:ext uri="{BB962C8B-B14F-4D97-AF65-F5344CB8AC3E}">
+        <p14:creationId xmlns:p14="http://schemas.microsoft.com/office/powerpoint/2010/main" val="2515692363"/>
+      </p:ext>
+    </p:extLst>
+  </p:cSld>
+  <p:clrMapOvr>
+    <a:masterClrMapping/>
+  </p:clrMapOvr>
+</p:sld>
+</file>
+
 <file path=ppt/theme/theme1.xml><?xml version="1.0" encoding="utf-8"?>
-<a:theme xmlns:a="http://schemas.openxmlformats.org/drawingml/2006/main" name="Office Theme">
+<a:theme xmlns:a="http://schemas.openxmlformats.org/drawingml/2006/main" name="Slate">
   <a:themeElements>
-    <a:clrScheme name="Office">
+    <a:clrScheme name="Slate">
       <a:dk1>
         <a:sysClr val="windowText" lastClr="000000"/>
       </a:dk1>
@@ -4358,97 +8283,45 @@
         <a:sysClr val="window" lastClr="FFFFFF"/>
       </a:lt1>
       <a:dk2>
-        <a:srgbClr val="44546A"/>
+        <a:srgbClr val="212123"/>
       </a:dk2>
       <a:lt2>
-        <a:srgbClr val="E7E6E6"/>
+        <a:srgbClr val="DADADA"/>
       </a:lt2>
       <a:accent1>
-        <a:srgbClr val="4472C4"/>
+        <a:srgbClr val="3EC26C"/>
       </a:accent1>
       <a:accent2>
-        <a:srgbClr val="ED7D31"/>
+        <a:srgbClr val="B3D463"/>
       </a:accent2>
       <a:accent3>
-        <a:srgbClr val="A5A5A5"/>
+        <a:srgbClr val="3BBC9D"/>
       </a:accent3>
       <a:accent4>
-        <a:srgbClr val="FFC000"/>
+        <a:srgbClr val="97AF75"/>
       </a:accent4>
       <a:accent5>
-        <a:srgbClr val="5B9BD5"/>
+        <a:srgbClr val="6BA841"/>
       </a:accent5>
       <a:accent6>
-        <a:srgbClr val="70AD47"/>
+        <a:srgbClr val="79AE90"/>
       </a:accent6>
       <a:hlink>
-        <a:srgbClr val="0563C1"/>
+        <a:srgbClr val="85E4A6"/>
       </a:hlink>
       <a:folHlink>
-        <a:srgbClr val="954F72"/>
+        <a:srgbClr val="BDF3D0"/>
       </a:folHlink>
     </a:clrScheme>
-    <a:fontScheme name="Office">
+    <a:fontScheme name="Slate">
       <a:majorFont>
-        <a:latin typeface="Calibri Light" panose="020F0302020204030204"/>
+        <a:latin typeface="Calisto MT" panose="02040603050505030304"/>
         <a:ea typeface=""/>
         <a:cs typeface=""/>
-        <a:font script="Jpan" typeface="游ゴシック Light"/>
-        <a:font script="Hang" typeface="맑은 고딕"/>
-        <a:font script="Hans" typeface="等线 Light"/>
-        <a:font script="Hant" typeface="新細明體"/>
-        <a:font script="Arab" typeface="Times New Roman"/>
-        <a:font script="Hebr" typeface="Times New Roman"/>
-        <a:font script="Thai" typeface="Angsana New"/>
-        <a:font script="Ethi" typeface="Nyala"/>
-        <a:font script="Beng" typeface="Vrinda"/>
-        <a:font script="Gujr" typeface="Shruti"/>
-        <a:font script="Khmr" typeface="MoolBoran"/>
-        <a:font script="Knda" typeface="Tunga"/>
-        <a:font script="Guru" typeface="Raavi"/>
-        <a:font script="Cans" typeface="Euphemia"/>
-        <a:font script="Cher" typeface="Plantagenet Cherokee"/>
-        <a:font script="Yiii" typeface="Microsoft Yi Baiti"/>
-        <a:font script="Tibt" typeface="Microsoft Himalaya"/>
-        <a:font script="Thaa" typeface="MV Boli"/>
-        <a:font script="Deva" typeface="Mangal"/>
-        <a:font script="Telu" typeface="Gautami"/>
-        <a:font script="Taml" typeface="Latha"/>
-        <a:font script="Syrc" typeface="Estrangelo Edessa"/>
-        <a:font script="Orya" typeface="Kalinga"/>
-        <a:font script="Mlym" typeface="Kartika"/>
-        <a:font script="Laoo" typeface="DokChampa"/>
-        <a:font script="Sinh" typeface="Iskoola Pota"/>
-        <a:font script="Mong" typeface="Mongolian Baiti"/>
-        <a:font script="Viet" typeface="Times New Roman"/>
-        <a:font script="Uigh" typeface="Microsoft Uighur"/>
-        <a:font script="Geor" typeface="Sylfaen"/>
-        <a:font script="Armn" typeface="Arial"/>
-        <a:font script="Bugi" typeface="Leelawadee UI"/>
-        <a:font script="Bopo" typeface="Microsoft JhengHei"/>
-        <a:font script="Java" typeface="Javanese Text"/>
-        <a:font script="Lisu" typeface="Segoe UI"/>
-        <a:font script="Mymr" typeface="Myanmar Text"/>
-        <a:font script="Nkoo" typeface="Ebrima"/>
-        <a:font script="Olck" typeface="Nirmala UI"/>
-        <a:font script="Osma" typeface="Ebrima"/>
-        <a:font script="Phag" typeface="Phagspa"/>
-        <a:font script="Syrn" typeface="Estrangelo Edessa"/>
-        <a:font script="Syrj" typeface="Estrangelo Edessa"/>
-        <a:font script="Syre" typeface="Estrangelo Edessa"/>
-        <a:font script="Sora" typeface="Nirmala UI"/>
-        <a:font script="Tale" typeface="Microsoft Tai Le"/>
-        <a:font script="Talu" typeface="Microsoft New Tai Lue"/>
-        <a:font script="Tfng" typeface="Ebrima"/>
-      </a:majorFont>
-      <a:minorFont>
-        <a:latin typeface="Calibri" panose="020F0502020204030204"/>
-        <a:ea typeface=""/>
-        <a:cs typeface=""/>
-        <a:font script="Jpan" typeface="游ゴシック"/>
-        <a:font script="Hang" typeface="맑은 고딕"/>
-        <a:font script="Hans" typeface="等线"/>
-        <a:font script="Hant" typeface="新細明體"/>
+        <a:font script="Jpan" typeface="ＭＳ Ｐゴシック"/>
+        <a:font script="Hang" typeface="돋움"/>
+        <a:font script="Hans" typeface="方正舒体"/>
+        <a:font script="Hant" typeface="微軟正黑體"/>
         <a:font script="Arab" typeface="Arial"/>
         <a:font script="Hebr" typeface="Arial"/>
         <a:font script="Thai" typeface="Cordia New"/>
@@ -4475,26 +8348,44 @@
         <a:font script="Viet" typeface="Arial"/>
         <a:font script="Uigh" typeface="Microsoft Uighur"/>
         <a:font script="Geor" typeface="Sylfaen"/>
-        <a:font script="Armn" typeface="Arial"/>
-        <a:font script="Bugi" typeface="Leelawadee UI"/>
-        <a:font script="Bopo" typeface="Microsoft JhengHei"/>
-        <a:font script="Java" typeface="Javanese Text"/>
-        <a:font script="Lisu" typeface="Segoe UI"/>
-        <a:font script="Mymr" typeface="Myanmar Text"/>
-        <a:font script="Nkoo" typeface="Ebrima"/>
-        <a:font script="Olck" typeface="Nirmala UI"/>
-        <a:font script="Osma" typeface="Ebrima"/>
-        <a:font script="Phag" typeface="Phagspa"/>
-        <a:font script="Syrn" typeface="Estrangelo Edessa"/>
-        <a:font script="Syrj" typeface="Estrangelo Edessa"/>
-        <a:font script="Syre" typeface="Estrangelo Edessa"/>
-        <a:font script="Sora" typeface="Nirmala UI"/>
-        <a:font script="Tale" typeface="Microsoft Tai Le"/>
-        <a:font script="Talu" typeface="Microsoft New Tai Lue"/>
-        <a:font script="Tfng" typeface="Ebrima"/>
+      </a:majorFont>
+      <a:minorFont>
+        <a:latin typeface="Calisto MT" panose="02040603050505030304"/>
+        <a:ea typeface=""/>
+        <a:cs typeface=""/>
+        <a:font script="Jpan" typeface="ＭＳ Ｐゴシック"/>
+        <a:font script="Hang" typeface="돋움"/>
+        <a:font script="Hans" typeface="方正舒体"/>
+        <a:font script="Hant" typeface="微軟正黑體"/>
+        <a:font script="Arab" typeface="Arial"/>
+        <a:font script="Hebr" typeface="Arial"/>
+        <a:font script="Thai" typeface="Cordia New"/>
+        <a:font script="Ethi" typeface="Nyala"/>
+        <a:font script="Beng" typeface="Vrinda"/>
+        <a:font script="Gujr" typeface="Shruti"/>
+        <a:font script="Khmr" typeface="DaunPenh"/>
+        <a:font script="Knda" typeface="Tunga"/>
+        <a:font script="Guru" typeface="Raavi"/>
+        <a:font script="Cans" typeface="Euphemia"/>
+        <a:font script="Cher" typeface="Plantagenet Cherokee"/>
+        <a:font script="Yiii" typeface="Microsoft Yi Baiti"/>
+        <a:font script="Tibt" typeface="Microsoft Himalaya"/>
+        <a:font script="Thaa" typeface="MV Boli"/>
+        <a:font script="Deva" typeface="Mangal"/>
+        <a:font script="Telu" typeface="Gautami"/>
+        <a:font script="Taml" typeface="Latha"/>
+        <a:font script="Syrc" typeface="Estrangelo Edessa"/>
+        <a:font script="Orya" typeface="Kalinga"/>
+        <a:font script="Mlym" typeface="Kartika"/>
+        <a:font script="Laoo" typeface="DokChampa"/>
+        <a:font script="Sinh" typeface="Iskoola Pota"/>
+        <a:font script="Mong" typeface="Mongolian Baiti"/>
+        <a:font script="Viet" typeface="Arial"/>
+        <a:font script="Uigh" typeface="Microsoft Uighur"/>
+        <a:font script="Geor" typeface="Sylfaen"/>
       </a:minorFont>
     </a:fontScheme>
-    <a:fmtScheme name="Office">
+    <a:fmtScheme name="Slate">
       <a:fillStyleLst>
         <a:solidFill>
           <a:schemeClr val="phClr"/>
@@ -4503,23 +8394,13 @@
           <a:gsLst>
             <a:gs pos="0">
               <a:schemeClr val="phClr">
+                <a:tint val="60000"/>
                 <a:lumMod val="110000"/>
-                <a:satMod val="105000"/>
-                <a:tint val="67000"/>
-              </a:schemeClr>
-            </a:gs>
-            <a:gs pos="50000">
-              <a:schemeClr val="phClr">
-                <a:lumMod val="105000"/>
-                <a:satMod val="103000"/>
-                <a:tint val="73000"/>
               </a:schemeClr>
             </a:gs>
             <a:gs pos="100000">
               <a:schemeClr val="phClr">
-                <a:lumMod val="105000"/>
-                <a:satMod val="109000"/>
-                <a:tint val="81000"/>
+                <a:tint val="88000"/>
               </a:schemeClr>
             </a:gs>
           </a:gsLst>
@@ -4529,23 +8410,14 @@
           <a:gsLst>
             <a:gs pos="0">
               <a:schemeClr val="phClr">
-                <a:satMod val="103000"/>
-                <a:lumMod val="102000"/>
-                <a:tint val="94000"/>
-              </a:schemeClr>
-            </a:gs>
-            <a:gs pos="50000">
-              <a:schemeClr val="phClr">
-                <a:satMod val="110000"/>
-                <a:lumMod val="100000"/>
-                <a:shade val="100000"/>
+                <a:tint val="96000"/>
+                <a:lumMod val="104000"/>
               </a:schemeClr>
             </a:gs>
             <a:gs pos="100000">
               <a:schemeClr val="phClr">
-                <a:lumMod val="99000"/>
-                <a:satMod val="120000"/>
-                <a:shade val="78000"/>
+                <a:shade val="90000"/>
+                <a:lumMod val="90000"/>
               </a:schemeClr>
             </a:gs>
           </a:gsLst>
@@ -4553,26 +8425,25 @@
         </a:gradFill>
       </a:fillStyleLst>
       <a:lnStyleLst>
-        <a:ln w="6350" cap="flat" cmpd="sng" algn="ctr">
+        <a:ln w="9525" cap="rnd" cmpd="sng" algn="ctr">
+          <a:solidFill>
+            <a:schemeClr val="phClr">
+              <a:shade val="90000"/>
+            </a:schemeClr>
+          </a:solidFill>
+          <a:prstDash val="solid"/>
+        </a:ln>
+        <a:ln w="15875" cap="rnd" cmpd="sng" algn="ctr">
           <a:solidFill>
             <a:schemeClr val="phClr"/>
           </a:solidFill>
           <a:prstDash val="solid"/>
-          <a:miter lim="800000"/>
         </a:ln>
-        <a:ln w="12700" cap="flat" cmpd="sng" algn="ctr">
+        <a:ln w="25400" cap="rnd" cmpd="sng" algn="ctr">
           <a:solidFill>
             <a:schemeClr val="phClr"/>
           </a:solidFill>
           <a:prstDash val="solid"/>
-          <a:miter lim="800000"/>
-        </a:ln>
-        <a:ln w="19050" cap="flat" cmpd="sng" algn="ctr">
-          <a:solidFill>
-            <a:schemeClr val="phClr"/>
-          </a:solidFill>
-          <a:prstDash val="solid"/>
-          <a:miter lim="800000"/>
         </a:ln>
       </a:lnStyleLst>
       <a:effectStyleLst>
@@ -4580,16 +8451,33 @@
           <a:effectLst/>
         </a:effectStyle>
         <a:effectStyle>
-          <a:effectLst/>
+          <a:effectLst>
+            <a:outerShdw blurRad="63500" dist="25400" dir="5400000" rotWithShape="0">
+              <a:srgbClr val="000000">
+                <a:alpha val="60000"/>
+              </a:srgbClr>
+            </a:outerShdw>
+          </a:effectLst>
         </a:effectStyle>
         <a:effectStyle>
           <a:effectLst>
-            <a:outerShdw blurRad="57150" dist="19050" dir="5400000" algn="ctr" rotWithShape="0">
+            <a:outerShdw blurRad="76200" dist="38100" dir="5400000" rotWithShape="0">
               <a:srgbClr val="000000">
-                <a:alpha val="63000"/>
+                <a:alpha val="75000"/>
               </a:srgbClr>
             </a:outerShdw>
           </a:effectLst>
+          <a:scene3d>
+            <a:camera prst="orthographicFront">
+              <a:rot lat="0" lon="0" rev="0"/>
+            </a:camera>
+            <a:lightRig rig="threePt" dir="t">
+              <a:rot lat="0" lon="0" rev="1200000"/>
+            </a:lightRig>
+          </a:scene3d>
+          <a:sp3d>
+            <a:bevelT w="63500" h="25400" prst="hardEdge"/>
+          </a:sp3d>
         </a:effectStyle>
       </a:effectStyleLst>
       <a:bgFillStyleLst>
@@ -4597,38 +8485,22 @@
           <a:schemeClr val="phClr"/>
         </a:solidFill>
         <a:solidFill>
-          <a:schemeClr val="phClr">
-            <a:tint val="95000"/>
-            <a:satMod val="170000"/>
-          </a:schemeClr>
+          <a:schemeClr val="phClr"/>
         </a:solidFill>
-        <a:gradFill rotWithShape="1">
-          <a:gsLst>
-            <a:gs pos="0">
+        <a:blipFill rotWithShape="1">
+          <a:blip xmlns:r="http://schemas.openxmlformats.org/officeDocument/2006/relationships" r:embed="rId1">
+            <a:duotone>
               <a:schemeClr val="phClr">
-                <a:tint val="93000"/>
-                <a:satMod val="150000"/>
-                <a:shade val="98000"/>
-                <a:lumMod val="102000"/>
+                <a:shade val="80000"/>
+                <a:lumMod val="80000"/>
               </a:schemeClr>
-            </a:gs>
-            <a:gs pos="50000">
               <a:schemeClr val="phClr">
                 <a:tint val="98000"/>
-                <a:satMod val="130000"/>
-                <a:shade val="90000"/>
-                <a:lumMod val="103000"/>
               </a:schemeClr>
-            </a:gs>
-            <a:gs pos="100000">
-              <a:schemeClr val="phClr">
-                <a:shade val="63000"/>
-                <a:satMod val="120000"/>
-              </a:schemeClr>
-            </a:gs>
-          </a:gsLst>
-          <a:lin ang="5400000" scaled="0"/>
-        </a:gradFill>
+            </a:duotone>
+          </a:blip>
+          <a:stretch/>
+        </a:blipFill>
       </a:bgFillStyleLst>
     </a:fmtScheme>
   </a:themeElements>
@@ -4636,7 +8508,7 @@
   <a:extraClrSchemeLst/>
   <a:extLst>
     <a:ext uri="{05A4C25C-085E-4340-85A3-A5531E510DB2}">
-      <thm15:themeFamily xmlns:thm15="http://schemas.microsoft.com/office/thememl/2012/main" name="Office Theme" id="{62F939B6-93AF-4DB8-9C6B-D6C7DFDC589F}" vid="{4A3C46E8-61CC-4603-A589-7422A47A8E4A}"/>
+      <thm15:themeFamily xmlns:thm15="http://schemas.microsoft.com/office/thememl/2012/main" name="Slate" id="{C3F70B94-7CE9-428E-ADC1-3269CC2C3385}" vid="{43372978-11FE-4814-AC26-BC300187D8C7}"/>
     </a:ext>
   </a:extLst>
 </a:theme>
